--- a/PräsentationJavaEE.pptx
+++ b/PräsentationJavaEE.pptx
@@ -5,7 +5,7 @@
     <p:sldMasterId id="2147483660" r:id="rId1"/>
   </p:sldMasterIdLst>
   <p:notesMasterIdLst>
-    <p:notesMasterId r:id="rId17"/>
+    <p:notesMasterId r:id="rId22"/>
   </p:notesMasterIdLst>
   <p:sldIdLst>
     <p:sldId id="256" r:id="rId2"/>
@@ -23,6 +23,11 @@
     <p:sldId id="271" r:id="rId14"/>
     <p:sldId id="272" r:id="rId15"/>
     <p:sldId id="273" r:id="rId16"/>
+    <p:sldId id="274" r:id="rId17"/>
+    <p:sldId id="275" r:id="rId18"/>
+    <p:sldId id="276" r:id="rId19"/>
+    <p:sldId id="277" r:id="rId20"/>
+    <p:sldId id="278" r:id="rId21"/>
   </p:sldIdLst>
   <p:sldSz cx="12192000" cy="6858000"/>
   <p:notesSz cx="6858000" cy="9144000"/>
@@ -151,7 +156,16 @@
       </a:defRPr>
     </a:lvl9pPr>
   </p:defaultTextStyle>
+  <p:extLst>
+    <p:ext uri="{EFAFB233-063F-42B5-8137-9DF3F51BA10A}">
+      <p15:sldGuideLst xmlns:p15="http://schemas.microsoft.com/office/powerpoint/2012/main"/>
+    </p:ext>
+  </p:extLst>
 </p:presentation>
+</file>
+
+<file path=ppt/revisionInfo.xml><?xml version="1.0" encoding="utf-8"?>
+<p1510:revInfo xmlns:a="http://schemas.openxmlformats.org/drawingml/2006/main" xmlns:r="http://schemas.openxmlformats.org/officeDocument/2006/relationships" xmlns:p1510="http://schemas.microsoft.com/office/powerpoint/2015/10/main"/>
 </file>
 
 <file path=ppt/notesMasters/notesMaster1.xml><?xml version="1.0" encoding="utf-8"?>
@@ -236,7 +250,7 @@
           <a:p>
             <a:fld id="{AA570E37-8B81-497E-B11C-DC90769E5B24}" type="datetimeFigureOut">
               <a:rPr lang="de-DE" smtClean="0"/>
-              <a:t>23.06.2017</a:t>
+              <a:t>24.06.2017</a:t>
             </a:fld>
             <a:endParaRPr lang="de-DE"/>
           </a:p>
@@ -716,7 +730,7 @@
           <a:graphicData uri="http://schemas.openxmlformats.org/presentationml/2006/ole">
             <mc:AlternateContent xmlns:mc="http://schemas.openxmlformats.org/markup-compatibility/2006">
               <mc:Choice xmlns:v="urn:schemas-microsoft-com:vml" Requires="v">
-                <p:oleObj spid="_x0000_s2074" r:id="rId9" imgW="0" imgH="0" progId="TCLayout.ActiveDocument.1">
+                <p:oleObj spid="_x0000_s2083" r:id="rId9" imgW="0" imgH="0" progId="TCLayout.ActiveDocument.1">
                   <p:embed/>
                 </p:oleObj>
               </mc:Choice>
@@ -2812,7 +2826,7 @@
           <a:graphicData uri="http://schemas.openxmlformats.org/presentationml/2006/ole">
             <mc:AlternateContent xmlns:mc="http://schemas.openxmlformats.org/markup-compatibility/2006">
               <mc:Choice xmlns:v="urn:schemas-microsoft-com:vml" Requires="v">
-                <p:oleObj spid="_x0000_s1050" r:id="rId20" imgW="0" imgH="0" progId="TCLayout.ActiveDocument.1">
+                <p:oleObj spid="_x0000_s1059" r:id="rId20" imgW="0" imgH="0" progId="TCLayout.ActiveDocument.1">
                   <p:embed/>
                 </p:oleObj>
               </mc:Choice>
@@ -5179,8 +5193,8 @@
         </p:blipFill>
         <p:spPr>
           <a:xfrm>
-            <a:off x="3892731" y="2385401"/>
-            <a:ext cx="8299269" cy="4324962"/>
+            <a:off x="4489080" y="2926089"/>
+            <a:ext cx="7406072" cy="3859494"/>
           </a:xfrm>
         </p:spPr>
       </p:pic>
@@ -5289,6 +5303,986 @@
     <p:extLst>
       <p:ext uri="{BB962C8B-B14F-4D97-AF65-F5344CB8AC3E}">
         <p14:creationId xmlns:p14="http://schemas.microsoft.com/office/powerpoint/2010/main" val="818144536"/>
+      </p:ext>
+    </p:extLst>
+  </p:cSld>
+  <p:clrMapOvr>
+    <a:masterClrMapping/>
+  </p:clrMapOvr>
+</p:sld>
+</file>
+
+<file path=ppt/slides/slide16.xml><?xml version="1.0" encoding="utf-8"?>
+<p:sld xmlns:a="http://schemas.openxmlformats.org/drawingml/2006/main" xmlns:r="http://schemas.openxmlformats.org/officeDocument/2006/relationships" xmlns:p="http://schemas.openxmlformats.org/presentationml/2006/main">
+  <p:cSld>
+    <p:spTree>
+      <p:nvGrpSpPr>
+        <p:cNvPr id="1" name=""/>
+        <p:cNvGrpSpPr/>
+        <p:nvPr/>
+      </p:nvGrpSpPr>
+      <p:grpSpPr>
+        <a:xfrm>
+          <a:off x="0" y="0"/>
+          <a:ext cx="0" cy="0"/>
+          <a:chOff x="0" y="0"/>
+          <a:chExt cx="0" cy="0"/>
+        </a:xfrm>
+      </p:grpSpPr>
+      <p:sp>
+        <p:nvSpPr>
+          <p:cNvPr id="2" name="Titel 1">
+            <a:extLst>
+              <a:ext uri="{FF2B5EF4-FFF2-40B4-BE49-F238E27FC236}">
+                <a16:creationId xmlns:a16="http://schemas.microsoft.com/office/drawing/2014/main" id="{DBEE69AA-3A1A-41E3-B3C6-4B79F753A55D}"/>
+              </a:ext>
+            </a:extLst>
+          </p:cNvPr>
+          <p:cNvSpPr>
+            <a:spLocks noGrp="1"/>
+          </p:cNvSpPr>
+          <p:nvPr>
+            <p:ph type="title"/>
+          </p:nvPr>
+        </p:nvSpPr>
+        <p:spPr>
+          <a:xfrm>
+            <a:off x="719668" y="1740115"/>
+            <a:ext cx="10748433" cy="358560"/>
+          </a:xfrm>
+        </p:spPr>
+        <p:txBody>
+          <a:bodyPr/>
+          <a:lstStyle/>
+          <a:p>
+            <a:r>
+              <a:rPr lang="de-DE" dirty="0"/>
+              <a:t>Detailansicht - </a:t>
+            </a:r>
+            <a:r>
+              <a:rPr lang="de-DE" dirty="0" err="1"/>
+              <a:t>SmartMeterServlet</a:t>
+            </a:r>
+            <a:endParaRPr lang="de-DE" dirty="0"/>
+          </a:p>
+        </p:txBody>
+      </p:sp>
+      <p:pic>
+        <p:nvPicPr>
+          <p:cNvPr id="7" name="Inhaltsplatzhalter 6">
+            <a:extLst>
+              <a:ext uri="{FF2B5EF4-FFF2-40B4-BE49-F238E27FC236}">
+                <a16:creationId xmlns:a16="http://schemas.microsoft.com/office/drawing/2014/main" id="{93E388D1-AA9C-4D5A-A507-403818F03D60}"/>
+              </a:ext>
+            </a:extLst>
+          </p:cNvPr>
+          <p:cNvPicPr>
+            <a:picLocks noGrp="1" noChangeAspect="1"/>
+          </p:cNvPicPr>
+          <p:nvPr>
+            <p:ph idx="1"/>
+          </p:nvPr>
+        </p:nvPicPr>
+        <p:blipFill>
+          <a:blip r:embed="rId2">
+            <a:extLst>
+              <a:ext uri="{28A0092B-C50C-407E-A947-70E740481C1C}">
+                <a14:useLocalDpi xmlns:a14="http://schemas.microsoft.com/office/drawing/2010/main" val="0"/>
+              </a:ext>
+            </a:extLst>
+          </a:blip>
+          <a:stretch>
+            <a:fillRect/>
+          </a:stretch>
+        </p:blipFill>
+        <p:spPr>
+          <a:xfrm>
+            <a:off x="6605993" y="2038802"/>
+            <a:ext cx="5122181" cy="4738181"/>
+          </a:xfrm>
+        </p:spPr>
+      </p:pic>
+      <p:sp>
+        <p:nvSpPr>
+          <p:cNvPr id="4" name="Fußzeilenplatzhalter 3">
+            <a:extLst>
+              <a:ext uri="{FF2B5EF4-FFF2-40B4-BE49-F238E27FC236}">
+                <a16:creationId xmlns:a16="http://schemas.microsoft.com/office/drawing/2014/main" id="{25A6ABDC-FD80-4437-9F9C-69867BBA36AD}"/>
+              </a:ext>
+            </a:extLst>
+          </p:cNvPr>
+          <p:cNvSpPr>
+            <a:spLocks noGrp="1"/>
+          </p:cNvSpPr>
+          <p:nvPr>
+            <p:ph type="ftr" sz="quarter" idx="10"/>
+          </p:nvPr>
+        </p:nvSpPr>
+        <p:spPr/>
+        <p:txBody>
+          <a:bodyPr/>
+          <a:lstStyle/>
+          <a:p>
+            <a:r>
+              <a:rPr lang="de-DE"/>
+              <a:t>Java EE - Übung 2 | Anwendungssysteme SS 2017</a:t>
+            </a:r>
+          </a:p>
+        </p:txBody>
+      </p:sp>
+      <p:sp>
+        <p:nvSpPr>
+          <p:cNvPr id="5" name="Foliennummernplatzhalter 4">
+            <a:extLst>
+              <a:ext uri="{FF2B5EF4-FFF2-40B4-BE49-F238E27FC236}">
+                <a16:creationId xmlns:a16="http://schemas.microsoft.com/office/drawing/2014/main" id="{8BEA494B-570F-4406-A1A2-8FB8714741CD}"/>
+              </a:ext>
+            </a:extLst>
+          </p:cNvPr>
+          <p:cNvSpPr>
+            <a:spLocks noGrp="1"/>
+          </p:cNvSpPr>
+          <p:nvPr>
+            <p:ph type="sldNum" sz="quarter" idx="11"/>
+          </p:nvPr>
+        </p:nvSpPr>
+        <p:spPr/>
+        <p:txBody>
+          <a:bodyPr/>
+          <a:lstStyle/>
+          <a:p>
+            <a:fld id="{9C769D77-A6BD-4055-B1F5-206E3089995D}" type="slidenum">
+              <a:rPr lang="de-DE" smtClean="0"/>
+              <a:t>16</a:t>
+            </a:fld>
+            <a:endParaRPr lang="de-DE"/>
+          </a:p>
+        </p:txBody>
+      </p:sp>
+      <p:sp>
+        <p:nvSpPr>
+          <p:cNvPr id="8" name="Textfeld 7">
+            <a:extLst>
+              <a:ext uri="{FF2B5EF4-FFF2-40B4-BE49-F238E27FC236}">
+                <a16:creationId xmlns:a16="http://schemas.microsoft.com/office/drawing/2014/main" id="{20A48807-4A4B-4D43-BB5D-1173B41C3948}"/>
+              </a:ext>
+            </a:extLst>
+          </p:cNvPr>
+          <p:cNvSpPr txBox="1"/>
+          <p:nvPr/>
+        </p:nvSpPr>
+        <p:spPr>
+          <a:xfrm>
+            <a:off x="719667" y="2934031"/>
+            <a:ext cx="4591804" cy="830997"/>
+          </a:xfrm>
+          <a:prstGeom prst="rect">
+            <a:avLst/>
+          </a:prstGeom>
+          <a:noFill/>
+        </p:spPr>
+        <p:txBody>
+          <a:bodyPr wrap="square" rtlCol="0">
+            <a:spAutoFit/>
+          </a:bodyPr>
+          <a:lstStyle/>
+          <a:p>
+            <a:pPr algn="l"/>
+            <a:r>
+              <a:rPr lang="de-DE" dirty="0"/>
+              <a:t>In der </a:t>
+            </a:r>
+            <a:r>
+              <a:rPr lang="de-DE" dirty="0" err="1"/>
+              <a:t>doGet</a:t>
+            </a:r>
+            <a:r>
+              <a:rPr lang="de-DE" dirty="0"/>
+              <a:t>() Methode wird ein User als </a:t>
+            </a:r>
+            <a:r>
+              <a:rPr lang="de-DE" dirty="0" err="1"/>
+              <a:t>Sessionattribut</a:t>
+            </a:r>
+            <a:r>
+              <a:rPr lang="de-DE" dirty="0"/>
+              <a:t> gesetzt, sofern jemand eingeloggt ist. Zudem wird die Liste der vorhandenen Smartmeters vom </a:t>
+            </a:r>
+            <a:r>
+              <a:rPr lang="de-DE" dirty="0" err="1"/>
+              <a:t>SmartmeterDao</a:t>
+            </a:r>
+            <a:r>
+              <a:rPr lang="de-DE" dirty="0"/>
+              <a:t> angefordert und ausgegeben.</a:t>
+            </a:r>
+          </a:p>
+        </p:txBody>
+      </p:sp>
+    </p:spTree>
+    <p:extLst>
+      <p:ext uri="{BB962C8B-B14F-4D97-AF65-F5344CB8AC3E}">
+        <p14:creationId xmlns:p14="http://schemas.microsoft.com/office/powerpoint/2010/main" val="2739722813"/>
+      </p:ext>
+    </p:extLst>
+  </p:cSld>
+  <p:clrMapOvr>
+    <a:masterClrMapping/>
+  </p:clrMapOvr>
+</p:sld>
+</file>
+
+<file path=ppt/slides/slide17.xml><?xml version="1.0" encoding="utf-8"?>
+<p:sld xmlns:a="http://schemas.openxmlformats.org/drawingml/2006/main" xmlns:r="http://schemas.openxmlformats.org/officeDocument/2006/relationships" xmlns:p="http://schemas.openxmlformats.org/presentationml/2006/main">
+  <p:cSld>
+    <p:spTree>
+      <p:nvGrpSpPr>
+        <p:cNvPr id="1" name=""/>
+        <p:cNvGrpSpPr/>
+        <p:nvPr/>
+      </p:nvGrpSpPr>
+      <p:grpSpPr>
+        <a:xfrm>
+          <a:off x="0" y="0"/>
+          <a:ext cx="0" cy="0"/>
+          <a:chOff x="0" y="0"/>
+          <a:chExt cx="0" cy="0"/>
+        </a:xfrm>
+      </p:grpSpPr>
+      <p:sp>
+        <p:nvSpPr>
+          <p:cNvPr id="2" name="Titel 1">
+            <a:extLst>
+              <a:ext uri="{FF2B5EF4-FFF2-40B4-BE49-F238E27FC236}">
+                <a16:creationId xmlns:a16="http://schemas.microsoft.com/office/drawing/2014/main" id="{EB3C7117-4194-40E2-9032-B2A71857A33F}"/>
+              </a:ext>
+            </a:extLst>
+          </p:cNvPr>
+          <p:cNvSpPr>
+            <a:spLocks noGrp="1"/>
+          </p:cNvSpPr>
+          <p:nvPr>
+            <p:ph type="title"/>
+          </p:nvPr>
+        </p:nvSpPr>
+        <p:spPr/>
+        <p:txBody>
+          <a:bodyPr/>
+          <a:lstStyle/>
+          <a:p>
+            <a:endParaRPr lang="de-DE"/>
+          </a:p>
+        </p:txBody>
+      </p:sp>
+      <p:pic>
+        <p:nvPicPr>
+          <p:cNvPr id="7" name="Inhaltsplatzhalter 6">
+            <a:extLst>
+              <a:ext uri="{FF2B5EF4-FFF2-40B4-BE49-F238E27FC236}">
+                <a16:creationId xmlns:a16="http://schemas.microsoft.com/office/drawing/2014/main" id="{2A9EF7A2-CBD2-412C-9B15-A59DFFD063F4}"/>
+              </a:ext>
+            </a:extLst>
+          </p:cNvPr>
+          <p:cNvPicPr>
+            <a:picLocks noGrp="1" noChangeAspect="1"/>
+          </p:cNvPicPr>
+          <p:nvPr>
+            <p:ph idx="1"/>
+          </p:nvPr>
+        </p:nvPicPr>
+        <p:blipFill>
+          <a:blip r:embed="rId2">
+            <a:extLst>
+              <a:ext uri="{28A0092B-C50C-407E-A947-70E740481C1C}">
+                <a14:useLocalDpi xmlns:a14="http://schemas.microsoft.com/office/drawing/2010/main" val="0"/>
+              </a:ext>
+            </a:extLst>
+          </a:blip>
+          <a:stretch>
+            <a:fillRect/>
+          </a:stretch>
+        </p:blipFill>
+        <p:spPr>
+          <a:xfrm>
+            <a:off x="4148388" y="2900506"/>
+            <a:ext cx="7932294" cy="2855626"/>
+          </a:xfrm>
+        </p:spPr>
+      </p:pic>
+      <p:sp>
+        <p:nvSpPr>
+          <p:cNvPr id="4" name="Fußzeilenplatzhalter 3">
+            <a:extLst>
+              <a:ext uri="{FF2B5EF4-FFF2-40B4-BE49-F238E27FC236}">
+                <a16:creationId xmlns:a16="http://schemas.microsoft.com/office/drawing/2014/main" id="{5617B2C7-1EF9-40F5-B2E0-2474C05AE9D7}"/>
+              </a:ext>
+            </a:extLst>
+          </p:cNvPr>
+          <p:cNvSpPr>
+            <a:spLocks noGrp="1"/>
+          </p:cNvSpPr>
+          <p:nvPr>
+            <p:ph type="ftr" sz="quarter" idx="10"/>
+          </p:nvPr>
+        </p:nvSpPr>
+        <p:spPr/>
+        <p:txBody>
+          <a:bodyPr/>
+          <a:lstStyle/>
+          <a:p>
+            <a:r>
+              <a:rPr lang="de-DE"/>
+              <a:t>Java EE - Übung 2 | Anwendungssysteme SS 2017</a:t>
+            </a:r>
+          </a:p>
+        </p:txBody>
+      </p:sp>
+      <p:sp>
+        <p:nvSpPr>
+          <p:cNvPr id="5" name="Foliennummernplatzhalter 4">
+            <a:extLst>
+              <a:ext uri="{FF2B5EF4-FFF2-40B4-BE49-F238E27FC236}">
+                <a16:creationId xmlns:a16="http://schemas.microsoft.com/office/drawing/2014/main" id="{86759518-572B-4498-A8DE-F7AA76F26F91}"/>
+              </a:ext>
+            </a:extLst>
+          </p:cNvPr>
+          <p:cNvSpPr>
+            <a:spLocks noGrp="1"/>
+          </p:cNvSpPr>
+          <p:nvPr>
+            <p:ph type="sldNum" sz="quarter" idx="11"/>
+          </p:nvPr>
+        </p:nvSpPr>
+        <p:spPr/>
+        <p:txBody>
+          <a:bodyPr/>
+          <a:lstStyle/>
+          <a:p>
+            <a:fld id="{9C769D77-A6BD-4055-B1F5-206E3089995D}" type="slidenum">
+              <a:rPr lang="de-DE" smtClean="0"/>
+              <a:t>17</a:t>
+            </a:fld>
+            <a:endParaRPr lang="de-DE"/>
+          </a:p>
+        </p:txBody>
+      </p:sp>
+      <p:sp>
+        <p:nvSpPr>
+          <p:cNvPr id="8" name="Textfeld 7">
+            <a:extLst>
+              <a:ext uri="{FF2B5EF4-FFF2-40B4-BE49-F238E27FC236}">
+                <a16:creationId xmlns:a16="http://schemas.microsoft.com/office/drawing/2014/main" id="{AA6F5B05-82DD-4476-A84B-81704302CADF}"/>
+              </a:ext>
+            </a:extLst>
+          </p:cNvPr>
+          <p:cNvSpPr txBox="1"/>
+          <p:nvPr/>
+        </p:nvSpPr>
+        <p:spPr>
+          <a:xfrm>
+            <a:off x="719667" y="2900506"/>
+            <a:ext cx="3216229" cy="1200329"/>
+          </a:xfrm>
+          <a:prstGeom prst="rect">
+            <a:avLst/>
+          </a:prstGeom>
+          <a:noFill/>
+        </p:spPr>
+        <p:txBody>
+          <a:bodyPr wrap="square" rtlCol="0">
+            <a:spAutoFit/>
+          </a:bodyPr>
+          <a:lstStyle/>
+          <a:p>
+            <a:pPr algn="l"/>
+            <a:r>
+              <a:rPr lang="de-DE" dirty="0"/>
+              <a:t>In der </a:t>
+            </a:r>
+            <a:r>
+              <a:rPr lang="de-DE" dirty="0" err="1"/>
+              <a:t>doPost</a:t>
+            </a:r>
+            <a:r>
+              <a:rPr lang="de-DE" dirty="0"/>
+              <a:t>() Methode wird die Erstellung von neuen Smartmetern veranlasst. Mit den vom User eingegebenen Werten Gerätekennung und </a:t>
+            </a:r>
+            <a:r>
+              <a:rPr lang="de-DE" dirty="0" err="1"/>
+              <a:t>maxBelastung</a:t>
+            </a:r>
+            <a:r>
+              <a:rPr lang="de-DE" dirty="0"/>
+              <a:t> wird ein neues Smartmeter Objekt erstellt und dem </a:t>
+            </a:r>
+            <a:r>
+              <a:rPr lang="de-DE" dirty="0" err="1"/>
+              <a:t>SmartmeterDao</a:t>
+            </a:r>
+            <a:r>
+              <a:rPr lang="de-DE" dirty="0"/>
+              <a:t> zum Speichern übergeben.</a:t>
+            </a:r>
+          </a:p>
+        </p:txBody>
+      </p:sp>
+      <p:pic>
+        <p:nvPicPr>
+          <p:cNvPr id="9" name="Grafik 8">
+            <a:extLst>
+              <a:ext uri="{FF2B5EF4-FFF2-40B4-BE49-F238E27FC236}">
+                <a16:creationId xmlns:a16="http://schemas.microsoft.com/office/drawing/2014/main" id="{DD2CC429-DA89-4BCA-9ED9-D91AEFC7C78D}"/>
+              </a:ext>
+            </a:extLst>
+          </p:cNvPr>
+          <p:cNvPicPr>
+            <a:picLocks noChangeAspect="1"/>
+          </p:cNvPicPr>
+          <p:nvPr/>
+        </p:nvPicPr>
+        <p:blipFill>
+          <a:blip r:embed="rId3"/>
+          <a:stretch>
+            <a:fillRect/>
+          </a:stretch>
+        </p:blipFill>
+        <p:spPr>
+          <a:xfrm>
+            <a:off x="9640389" y="6035040"/>
+            <a:ext cx="1828800" cy="675323"/>
+          </a:xfrm>
+          <a:prstGeom prst="rect">
+            <a:avLst/>
+          </a:prstGeom>
+        </p:spPr>
+      </p:pic>
+    </p:spTree>
+    <p:extLst>
+      <p:ext uri="{BB962C8B-B14F-4D97-AF65-F5344CB8AC3E}">
+        <p14:creationId xmlns:p14="http://schemas.microsoft.com/office/powerpoint/2010/main" val="3275505369"/>
+      </p:ext>
+    </p:extLst>
+  </p:cSld>
+  <p:clrMapOvr>
+    <a:masterClrMapping/>
+  </p:clrMapOvr>
+</p:sld>
+</file>
+
+<file path=ppt/slides/slide18.xml><?xml version="1.0" encoding="utf-8"?>
+<p:sld xmlns:a="http://schemas.openxmlformats.org/drawingml/2006/main" xmlns:r="http://schemas.openxmlformats.org/officeDocument/2006/relationships" xmlns:p="http://schemas.openxmlformats.org/presentationml/2006/main">
+  <p:cSld>
+    <p:spTree>
+      <p:nvGrpSpPr>
+        <p:cNvPr id="1" name=""/>
+        <p:cNvGrpSpPr/>
+        <p:nvPr/>
+      </p:nvGrpSpPr>
+      <p:grpSpPr>
+        <a:xfrm>
+          <a:off x="0" y="0"/>
+          <a:ext cx="0" cy="0"/>
+          <a:chOff x="0" y="0"/>
+          <a:chExt cx="0" cy="0"/>
+        </a:xfrm>
+      </p:grpSpPr>
+      <p:sp>
+        <p:nvSpPr>
+          <p:cNvPr id="2" name="Titel 1">
+            <a:extLst>
+              <a:ext uri="{FF2B5EF4-FFF2-40B4-BE49-F238E27FC236}">
+                <a16:creationId xmlns:a16="http://schemas.microsoft.com/office/drawing/2014/main" id="{30CEDC8F-C6BE-47F3-A8DC-EA1451CDA527}"/>
+              </a:ext>
+            </a:extLst>
+          </p:cNvPr>
+          <p:cNvSpPr>
+            <a:spLocks noGrp="1"/>
+          </p:cNvSpPr>
+          <p:nvPr>
+            <p:ph type="title"/>
+          </p:nvPr>
+        </p:nvSpPr>
+        <p:spPr/>
+        <p:txBody>
+          <a:bodyPr/>
+          <a:lstStyle/>
+          <a:p>
+            <a:endParaRPr lang="de-DE"/>
+          </a:p>
+        </p:txBody>
+      </p:sp>
+      <p:pic>
+        <p:nvPicPr>
+          <p:cNvPr id="7" name="Inhaltsplatzhalter 6">
+            <a:extLst>
+              <a:ext uri="{FF2B5EF4-FFF2-40B4-BE49-F238E27FC236}">
+                <a16:creationId xmlns:a16="http://schemas.microsoft.com/office/drawing/2014/main" id="{5014F4BD-E732-4245-8A5F-EECCE5D51343}"/>
+              </a:ext>
+            </a:extLst>
+          </p:cNvPr>
+          <p:cNvPicPr>
+            <a:picLocks noGrp="1" noChangeAspect="1"/>
+          </p:cNvPicPr>
+          <p:nvPr>
+            <p:ph idx="1"/>
+          </p:nvPr>
+        </p:nvPicPr>
+        <p:blipFill>
+          <a:blip r:embed="rId2">
+            <a:extLst>
+              <a:ext uri="{28A0092B-C50C-407E-A947-70E740481C1C}">
+                <a14:useLocalDpi xmlns:a14="http://schemas.microsoft.com/office/drawing/2010/main" val="0"/>
+              </a:ext>
+            </a:extLst>
+          </a:blip>
+          <a:stretch>
+            <a:fillRect/>
+          </a:stretch>
+        </p:blipFill>
+        <p:spPr>
+          <a:xfrm>
+            <a:off x="5413823" y="2981739"/>
+            <a:ext cx="6276658" cy="3728624"/>
+          </a:xfrm>
+        </p:spPr>
+      </p:pic>
+      <p:sp>
+        <p:nvSpPr>
+          <p:cNvPr id="4" name="Fußzeilenplatzhalter 3">
+            <a:extLst>
+              <a:ext uri="{FF2B5EF4-FFF2-40B4-BE49-F238E27FC236}">
+                <a16:creationId xmlns:a16="http://schemas.microsoft.com/office/drawing/2014/main" id="{1EB58D77-756A-45EB-ABF8-011CB585417E}"/>
+              </a:ext>
+            </a:extLst>
+          </p:cNvPr>
+          <p:cNvSpPr>
+            <a:spLocks noGrp="1"/>
+          </p:cNvSpPr>
+          <p:nvPr>
+            <p:ph type="ftr" sz="quarter" idx="10"/>
+          </p:nvPr>
+        </p:nvSpPr>
+        <p:spPr/>
+        <p:txBody>
+          <a:bodyPr/>
+          <a:lstStyle/>
+          <a:p>
+            <a:r>
+              <a:rPr lang="de-DE"/>
+              <a:t>Java EE - Übung 2 | Anwendungssysteme SS 2017</a:t>
+            </a:r>
+          </a:p>
+        </p:txBody>
+      </p:sp>
+      <p:sp>
+        <p:nvSpPr>
+          <p:cNvPr id="5" name="Foliennummernplatzhalter 4">
+            <a:extLst>
+              <a:ext uri="{FF2B5EF4-FFF2-40B4-BE49-F238E27FC236}">
+                <a16:creationId xmlns:a16="http://schemas.microsoft.com/office/drawing/2014/main" id="{7983DB9C-2D23-4DA2-A52F-245EEA0DFA09}"/>
+              </a:ext>
+            </a:extLst>
+          </p:cNvPr>
+          <p:cNvSpPr>
+            <a:spLocks noGrp="1"/>
+          </p:cNvSpPr>
+          <p:nvPr>
+            <p:ph type="sldNum" sz="quarter" idx="11"/>
+          </p:nvPr>
+        </p:nvSpPr>
+        <p:spPr/>
+        <p:txBody>
+          <a:bodyPr/>
+          <a:lstStyle/>
+          <a:p>
+            <a:fld id="{9C769D77-A6BD-4055-B1F5-206E3089995D}" type="slidenum">
+              <a:rPr lang="de-DE" smtClean="0"/>
+              <a:t>18</a:t>
+            </a:fld>
+            <a:endParaRPr lang="de-DE"/>
+          </a:p>
+        </p:txBody>
+      </p:sp>
+      <p:sp>
+        <p:nvSpPr>
+          <p:cNvPr id="8" name="Textfeld 7">
+            <a:extLst>
+              <a:ext uri="{FF2B5EF4-FFF2-40B4-BE49-F238E27FC236}">
+                <a16:creationId xmlns:a16="http://schemas.microsoft.com/office/drawing/2014/main" id="{3A1DE8F0-6243-48B0-AFC4-9E2EC9FDE96C}"/>
+              </a:ext>
+            </a:extLst>
+          </p:cNvPr>
+          <p:cNvSpPr txBox="1"/>
+          <p:nvPr/>
+        </p:nvSpPr>
+        <p:spPr>
+          <a:xfrm>
+            <a:off x="719667" y="2886323"/>
+            <a:ext cx="4082921" cy="1200329"/>
+          </a:xfrm>
+          <a:prstGeom prst="rect">
+            <a:avLst/>
+          </a:prstGeom>
+          <a:noFill/>
+        </p:spPr>
+        <p:txBody>
+          <a:bodyPr wrap="square" rtlCol="0">
+            <a:spAutoFit/>
+          </a:bodyPr>
+          <a:lstStyle/>
+          <a:p>
+            <a:pPr algn="l"/>
+            <a:r>
+              <a:rPr lang="de-DE" dirty="0"/>
+              <a:t>Die </a:t>
+            </a:r>
+            <a:r>
+              <a:rPr lang="de-DE" dirty="0" err="1"/>
+              <a:t>doPost</a:t>
+            </a:r>
+            <a:r>
+              <a:rPr lang="de-DE" dirty="0"/>
+              <a:t>() Methode verwaltet darüber hinaus den Login und Logout von Usern. Der Username wird dem </a:t>
+            </a:r>
+            <a:r>
+              <a:rPr lang="de-DE" dirty="0" err="1"/>
+              <a:t>Userdao</a:t>
+            </a:r>
+            <a:r>
+              <a:rPr lang="de-DE" dirty="0"/>
+              <a:t> übergeben, dieser überprüft ob der User bereits in der Usertabelle vorhanden ist. Falls ja wird er als </a:t>
+            </a:r>
+            <a:r>
+              <a:rPr lang="de-DE" dirty="0" err="1"/>
+              <a:t>Sessionattribut</a:t>
+            </a:r>
+            <a:r>
+              <a:rPr lang="de-DE" dirty="0"/>
+              <a:t> gesetzt. Falls nicht wird ein neuer User angelegt und in der Usertabelle gespeichert.</a:t>
+            </a:r>
+          </a:p>
+        </p:txBody>
+      </p:sp>
+      <p:sp>
+        <p:nvSpPr>
+          <p:cNvPr id="9" name="Textfeld 8">
+            <a:extLst>
+              <a:ext uri="{FF2B5EF4-FFF2-40B4-BE49-F238E27FC236}">
+                <a16:creationId xmlns:a16="http://schemas.microsoft.com/office/drawing/2014/main" id="{93A3C8B0-2FF1-417C-BB10-AA961B73119B}"/>
+              </a:ext>
+            </a:extLst>
+          </p:cNvPr>
+          <p:cNvSpPr txBox="1"/>
+          <p:nvPr/>
+        </p:nvSpPr>
+        <p:spPr>
+          <a:xfrm>
+            <a:off x="787180" y="5096786"/>
+            <a:ext cx="3919992" cy="461665"/>
+          </a:xfrm>
+          <a:prstGeom prst="rect">
+            <a:avLst/>
+          </a:prstGeom>
+          <a:noFill/>
+        </p:spPr>
+        <p:txBody>
+          <a:bodyPr wrap="square" rtlCol="0">
+            <a:spAutoFit/>
+          </a:bodyPr>
+          <a:lstStyle/>
+          <a:p>
+            <a:pPr algn="l"/>
+            <a:r>
+              <a:rPr lang="de-DE" dirty="0"/>
+              <a:t>Beim Logout eines Users wird der Zeitpunkt als </a:t>
+            </a:r>
+            <a:r>
+              <a:rPr lang="de-DE" dirty="0" err="1"/>
+              <a:t>lastLogin</a:t>
+            </a:r>
+            <a:r>
+              <a:rPr lang="de-DE" dirty="0"/>
+              <a:t> gespeichert.</a:t>
+            </a:r>
+          </a:p>
+        </p:txBody>
+      </p:sp>
+    </p:spTree>
+    <p:extLst>
+      <p:ext uri="{BB962C8B-B14F-4D97-AF65-F5344CB8AC3E}">
+        <p14:creationId xmlns:p14="http://schemas.microsoft.com/office/powerpoint/2010/main" val="945002695"/>
+      </p:ext>
+    </p:extLst>
+  </p:cSld>
+  <p:clrMapOvr>
+    <a:masterClrMapping/>
+  </p:clrMapOvr>
+</p:sld>
+</file>
+
+<file path=ppt/slides/slide19.xml><?xml version="1.0" encoding="utf-8"?>
+<p:sld xmlns:a="http://schemas.openxmlformats.org/drawingml/2006/main" xmlns:r="http://schemas.openxmlformats.org/officeDocument/2006/relationships" xmlns:p="http://schemas.openxmlformats.org/presentationml/2006/main">
+  <p:cSld>
+    <p:spTree>
+      <p:nvGrpSpPr>
+        <p:cNvPr id="1" name=""/>
+        <p:cNvGrpSpPr/>
+        <p:nvPr/>
+      </p:nvGrpSpPr>
+      <p:grpSpPr>
+        <a:xfrm>
+          <a:off x="0" y="0"/>
+          <a:ext cx="0" cy="0"/>
+          <a:chOff x="0" y="0"/>
+          <a:chExt cx="0" cy="0"/>
+        </a:xfrm>
+      </p:grpSpPr>
+      <p:sp>
+        <p:nvSpPr>
+          <p:cNvPr id="2" name="Titel 1">
+            <a:extLst>
+              <a:ext uri="{FF2B5EF4-FFF2-40B4-BE49-F238E27FC236}">
+                <a16:creationId xmlns:a16="http://schemas.microsoft.com/office/drawing/2014/main" id="{28164CDD-0CBB-41E5-AD11-E486866ECCCB}"/>
+              </a:ext>
+            </a:extLst>
+          </p:cNvPr>
+          <p:cNvSpPr>
+            <a:spLocks noGrp="1"/>
+          </p:cNvSpPr>
+          <p:nvPr>
+            <p:ph type="title"/>
+          </p:nvPr>
+        </p:nvSpPr>
+        <p:spPr>
+          <a:xfrm>
+            <a:off x="719668" y="1740115"/>
+            <a:ext cx="10748433" cy="358560"/>
+          </a:xfrm>
+        </p:spPr>
+        <p:txBody>
+          <a:bodyPr/>
+          <a:lstStyle/>
+          <a:p>
+            <a:r>
+              <a:rPr lang="de-DE" dirty="0"/>
+              <a:t>Detailansicht - </a:t>
+            </a:r>
+            <a:r>
+              <a:rPr lang="de-DE" dirty="0" err="1"/>
+              <a:t>DetailServlet</a:t>
+            </a:r>
+            <a:endParaRPr lang="de-DE" dirty="0"/>
+          </a:p>
+        </p:txBody>
+      </p:sp>
+      <p:pic>
+        <p:nvPicPr>
+          <p:cNvPr id="7" name="Inhaltsplatzhalter 6">
+            <a:extLst>
+              <a:ext uri="{FF2B5EF4-FFF2-40B4-BE49-F238E27FC236}">
+                <a16:creationId xmlns:a16="http://schemas.microsoft.com/office/drawing/2014/main" id="{FB22D4F4-ED28-45B2-AC30-3FF498D0ACD4}"/>
+              </a:ext>
+            </a:extLst>
+          </p:cNvPr>
+          <p:cNvPicPr>
+            <a:picLocks noGrp="1" noChangeAspect="1"/>
+          </p:cNvPicPr>
+          <p:nvPr>
+            <p:ph idx="1"/>
+          </p:nvPr>
+        </p:nvPicPr>
+        <p:blipFill>
+          <a:blip r:embed="rId2">
+            <a:extLst>
+              <a:ext uri="{28A0092B-C50C-407E-A947-70E740481C1C}">
+                <a14:useLocalDpi xmlns:a14="http://schemas.microsoft.com/office/drawing/2010/main" val="0"/>
+              </a:ext>
+            </a:extLst>
+          </a:blip>
+          <a:stretch>
+            <a:fillRect/>
+          </a:stretch>
+        </p:blipFill>
+        <p:spPr>
+          <a:xfrm>
+            <a:off x="6575361" y="2098675"/>
+            <a:ext cx="5004058" cy="4721521"/>
+          </a:xfrm>
+        </p:spPr>
+      </p:pic>
+      <p:sp>
+        <p:nvSpPr>
+          <p:cNvPr id="4" name="Fußzeilenplatzhalter 3">
+            <a:extLst>
+              <a:ext uri="{FF2B5EF4-FFF2-40B4-BE49-F238E27FC236}">
+                <a16:creationId xmlns:a16="http://schemas.microsoft.com/office/drawing/2014/main" id="{8C1FF25A-6137-47BF-B785-54A5ADE5629A}"/>
+              </a:ext>
+            </a:extLst>
+          </p:cNvPr>
+          <p:cNvSpPr>
+            <a:spLocks noGrp="1"/>
+          </p:cNvSpPr>
+          <p:nvPr>
+            <p:ph type="ftr" sz="quarter" idx="10"/>
+          </p:nvPr>
+        </p:nvSpPr>
+        <p:spPr/>
+        <p:txBody>
+          <a:bodyPr/>
+          <a:lstStyle/>
+          <a:p>
+            <a:r>
+              <a:rPr lang="de-DE"/>
+              <a:t>Java EE - Übung 2 | Anwendungssysteme SS 2017</a:t>
+            </a:r>
+          </a:p>
+        </p:txBody>
+      </p:sp>
+      <p:sp>
+        <p:nvSpPr>
+          <p:cNvPr id="5" name="Foliennummernplatzhalter 4">
+            <a:extLst>
+              <a:ext uri="{FF2B5EF4-FFF2-40B4-BE49-F238E27FC236}">
+                <a16:creationId xmlns:a16="http://schemas.microsoft.com/office/drawing/2014/main" id="{4C5FF7D5-4331-4E45-AF23-98A2F1B23A9F}"/>
+              </a:ext>
+            </a:extLst>
+          </p:cNvPr>
+          <p:cNvSpPr>
+            <a:spLocks noGrp="1"/>
+          </p:cNvSpPr>
+          <p:nvPr>
+            <p:ph type="sldNum" sz="quarter" idx="11"/>
+          </p:nvPr>
+        </p:nvSpPr>
+        <p:spPr/>
+        <p:txBody>
+          <a:bodyPr/>
+          <a:lstStyle/>
+          <a:p>
+            <a:fld id="{9C769D77-A6BD-4055-B1F5-206E3089995D}" type="slidenum">
+              <a:rPr lang="de-DE" smtClean="0"/>
+              <a:t>19</a:t>
+            </a:fld>
+            <a:endParaRPr lang="de-DE"/>
+          </a:p>
+        </p:txBody>
+      </p:sp>
+      <p:sp>
+        <p:nvSpPr>
+          <p:cNvPr id="8" name="Textfeld 7">
+            <a:extLst>
+              <a:ext uri="{FF2B5EF4-FFF2-40B4-BE49-F238E27FC236}">
+                <a16:creationId xmlns:a16="http://schemas.microsoft.com/office/drawing/2014/main" id="{F9F8A7BC-8A01-4AF0-8FBC-A9EBA1286409}"/>
+              </a:ext>
+            </a:extLst>
+          </p:cNvPr>
+          <p:cNvSpPr txBox="1"/>
+          <p:nvPr/>
+        </p:nvSpPr>
+        <p:spPr>
+          <a:xfrm>
+            <a:off x="719667" y="2576223"/>
+            <a:ext cx="4528194" cy="1754326"/>
+          </a:xfrm>
+          <a:prstGeom prst="rect">
+            <a:avLst/>
+          </a:prstGeom>
+          <a:noFill/>
+        </p:spPr>
+        <p:txBody>
+          <a:bodyPr wrap="square" rtlCol="0">
+            <a:spAutoFit/>
+          </a:bodyPr>
+          <a:lstStyle/>
+          <a:p>
+            <a:pPr algn="l"/>
+            <a:r>
+              <a:rPr lang="de-DE" dirty="0"/>
+              <a:t>Die </a:t>
+            </a:r>
+            <a:r>
+              <a:rPr lang="de-DE" dirty="0" err="1"/>
+              <a:t>doGet</a:t>
+            </a:r>
+            <a:r>
+              <a:rPr lang="de-DE" dirty="0"/>
+              <a:t>() Methode des </a:t>
+            </a:r>
+            <a:r>
+              <a:rPr lang="de-DE" dirty="0" err="1"/>
+              <a:t>DetailServlets</a:t>
+            </a:r>
+            <a:r>
+              <a:rPr lang="de-DE" dirty="0"/>
+              <a:t> ist zuständig für die Darstellung eines einzelnen Smartmeters. Zunächst wird dem </a:t>
+            </a:r>
+            <a:r>
+              <a:rPr lang="de-DE" dirty="0" err="1"/>
+              <a:t>SmartmeterDao</a:t>
+            </a:r>
+            <a:r>
+              <a:rPr lang="de-DE" dirty="0"/>
+              <a:t> angeforderte ID übergeben, dieser gibt dann das gesuchte Smartmeter aus der Smartmetertabelle zurück. Da sich die Zufallswerte für Strom und Spannung des Smartmeters bei jedem Aufruf ändern sollen, werden als Nächstes die entsprechenden Berechnungsfunktionen des Smartmeters aufgerufen. Danach wird das Smartmeter als </a:t>
+            </a:r>
+            <a:r>
+              <a:rPr lang="de-DE" dirty="0" err="1"/>
+              <a:t>Sessionattribut</a:t>
+            </a:r>
+            <a:r>
+              <a:rPr lang="de-DE" dirty="0"/>
+              <a:t> gesetzt.</a:t>
+            </a:r>
+          </a:p>
+        </p:txBody>
+      </p:sp>
+      <p:sp>
+        <p:nvSpPr>
+          <p:cNvPr id="9" name="Textfeld 8">
+            <a:extLst>
+              <a:ext uri="{FF2B5EF4-FFF2-40B4-BE49-F238E27FC236}">
+                <a16:creationId xmlns:a16="http://schemas.microsoft.com/office/drawing/2014/main" id="{0260D116-FC11-499F-9D60-94A962745B0B}"/>
+              </a:ext>
+            </a:extLst>
+          </p:cNvPr>
+          <p:cNvSpPr txBox="1"/>
+          <p:nvPr/>
+        </p:nvSpPr>
+        <p:spPr>
+          <a:xfrm>
+            <a:off x="811034" y="5295569"/>
+            <a:ext cx="4333460" cy="830997"/>
+          </a:xfrm>
+          <a:prstGeom prst="rect">
+            <a:avLst/>
+          </a:prstGeom>
+          <a:noFill/>
+        </p:spPr>
+        <p:txBody>
+          <a:bodyPr wrap="square" rtlCol="0">
+            <a:spAutoFit/>
+          </a:bodyPr>
+          <a:lstStyle/>
+          <a:p>
+            <a:pPr algn="l"/>
+            <a:r>
+              <a:rPr lang="de-DE" dirty="0"/>
+              <a:t>Bevor der User Ablesungen für das Smartmeter vornehmen kann, wird überprüft ob er angemeldet ist. Ist dies der Fall, wird die </a:t>
+            </a:r>
+            <a:r>
+              <a:rPr lang="de-DE" dirty="0" err="1"/>
+              <a:t>SmartmeterId</a:t>
+            </a:r>
+            <a:r>
+              <a:rPr lang="de-DE" dirty="0"/>
+              <a:t> als Hilfsvariable gesetzt. Nun kann es losgehen.</a:t>
+            </a:r>
+          </a:p>
+        </p:txBody>
+      </p:sp>
+    </p:spTree>
+    <p:extLst>
+      <p:ext uri="{BB962C8B-B14F-4D97-AF65-F5344CB8AC3E}">
+        <p14:creationId xmlns:p14="http://schemas.microsoft.com/office/powerpoint/2010/main" val="3699093949"/>
       </p:ext>
     </p:extLst>
   </p:cSld>
@@ -5495,6 +6489,287 @@
     <p:extLst>
       <p:ext uri="{BB962C8B-B14F-4D97-AF65-F5344CB8AC3E}">
         <p14:creationId xmlns:p14="http://schemas.microsoft.com/office/powerpoint/2010/main" val="3799276838"/>
+      </p:ext>
+    </p:extLst>
+  </p:cSld>
+  <p:clrMapOvr>
+    <a:masterClrMapping/>
+  </p:clrMapOvr>
+</p:sld>
+</file>
+
+<file path=ppt/slides/slide20.xml><?xml version="1.0" encoding="utf-8"?>
+<p:sld xmlns:a="http://schemas.openxmlformats.org/drawingml/2006/main" xmlns:r="http://schemas.openxmlformats.org/officeDocument/2006/relationships" xmlns:p="http://schemas.openxmlformats.org/presentationml/2006/main">
+  <p:cSld>
+    <p:spTree>
+      <p:nvGrpSpPr>
+        <p:cNvPr id="1" name=""/>
+        <p:cNvGrpSpPr/>
+        <p:nvPr/>
+      </p:nvGrpSpPr>
+      <p:grpSpPr>
+        <a:xfrm>
+          <a:off x="0" y="0"/>
+          <a:ext cx="0" cy="0"/>
+          <a:chOff x="0" y="0"/>
+          <a:chExt cx="0" cy="0"/>
+        </a:xfrm>
+      </p:grpSpPr>
+      <p:sp>
+        <p:nvSpPr>
+          <p:cNvPr id="2" name="Titel 1">
+            <a:extLst>
+              <a:ext uri="{FF2B5EF4-FFF2-40B4-BE49-F238E27FC236}">
+                <a16:creationId xmlns:a16="http://schemas.microsoft.com/office/drawing/2014/main" id="{1BD9BBC2-CFB6-4B9F-B00A-D8FDC0F89410}"/>
+              </a:ext>
+            </a:extLst>
+          </p:cNvPr>
+          <p:cNvSpPr>
+            <a:spLocks noGrp="1"/>
+          </p:cNvSpPr>
+          <p:nvPr>
+            <p:ph type="title"/>
+          </p:nvPr>
+        </p:nvSpPr>
+        <p:spPr/>
+        <p:txBody>
+          <a:bodyPr/>
+          <a:lstStyle/>
+          <a:p>
+            <a:endParaRPr lang="de-DE"/>
+          </a:p>
+        </p:txBody>
+      </p:sp>
+      <p:pic>
+        <p:nvPicPr>
+          <p:cNvPr id="7" name="Inhaltsplatzhalter 6">
+            <a:extLst>
+              <a:ext uri="{FF2B5EF4-FFF2-40B4-BE49-F238E27FC236}">
+                <a16:creationId xmlns:a16="http://schemas.microsoft.com/office/drawing/2014/main" id="{BC752A2D-C259-4F87-8AF2-D7F45168968A}"/>
+              </a:ext>
+            </a:extLst>
+          </p:cNvPr>
+          <p:cNvPicPr>
+            <a:picLocks noGrp="1" noChangeAspect="1"/>
+          </p:cNvPicPr>
+          <p:nvPr>
+            <p:ph idx="1"/>
+          </p:nvPr>
+        </p:nvPicPr>
+        <p:blipFill>
+          <a:blip r:embed="rId2">
+            <a:extLst>
+              <a:ext uri="{28A0092B-C50C-407E-A947-70E740481C1C}">
+                <a14:useLocalDpi xmlns:a14="http://schemas.microsoft.com/office/drawing/2010/main" val="0"/>
+              </a:ext>
+            </a:extLst>
+          </a:blip>
+          <a:stretch>
+            <a:fillRect/>
+          </a:stretch>
+        </p:blipFill>
+        <p:spPr>
+          <a:xfrm>
+            <a:off x="4928178" y="3215144"/>
+            <a:ext cx="7121223" cy="2703427"/>
+          </a:xfrm>
+        </p:spPr>
+      </p:pic>
+      <p:sp>
+        <p:nvSpPr>
+          <p:cNvPr id="4" name="Fußzeilenplatzhalter 3">
+            <a:extLst>
+              <a:ext uri="{FF2B5EF4-FFF2-40B4-BE49-F238E27FC236}">
+                <a16:creationId xmlns:a16="http://schemas.microsoft.com/office/drawing/2014/main" id="{B1CAC44D-9B3F-4E62-A224-144F5C6C6603}"/>
+              </a:ext>
+            </a:extLst>
+          </p:cNvPr>
+          <p:cNvSpPr>
+            <a:spLocks noGrp="1"/>
+          </p:cNvSpPr>
+          <p:nvPr>
+            <p:ph type="ftr" sz="quarter" idx="10"/>
+          </p:nvPr>
+        </p:nvSpPr>
+        <p:spPr/>
+        <p:txBody>
+          <a:bodyPr/>
+          <a:lstStyle/>
+          <a:p>
+            <a:r>
+              <a:rPr lang="de-DE"/>
+              <a:t>Java EE - Übung 2 | Anwendungssysteme SS 2017</a:t>
+            </a:r>
+          </a:p>
+        </p:txBody>
+      </p:sp>
+      <p:sp>
+        <p:nvSpPr>
+          <p:cNvPr id="5" name="Foliennummernplatzhalter 4">
+            <a:extLst>
+              <a:ext uri="{FF2B5EF4-FFF2-40B4-BE49-F238E27FC236}">
+                <a16:creationId xmlns:a16="http://schemas.microsoft.com/office/drawing/2014/main" id="{5BD108FC-08C6-4052-A79B-33E0B35E10D3}"/>
+              </a:ext>
+            </a:extLst>
+          </p:cNvPr>
+          <p:cNvSpPr>
+            <a:spLocks noGrp="1"/>
+          </p:cNvSpPr>
+          <p:nvPr>
+            <p:ph type="sldNum" sz="quarter" idx="11"/>
+          </p:nvPr>
+        </p:nvSpPr>
+        <p:spPr/>
+        <p:txBody>
+          <a:bodyPr/>
+          <a:lstStyle/>
+          <a:p>
+            <a:fld id="{9C769D77-A6BD-4055-B1F5-206E3089995D}" type="slidenum">
+              <a:rPr lang="de-DE" smtClean="0"/>
+              <a:t>20</a:t>
+            </a:fld>
+            <a:endParaRPr lang="de-DE"/>
+          </a:p>
+        </p:txBody>
+      </p:sp>
+      <p:sp>
+        <p:nvSpPr>
+          <p:cNvPr id="8" name="Textfeld 7">
+            <a:extLst>
+              <a:ext uri="{FF2B5EF4-FFF2-40B4-BE49-F238E27FC236}">
+                <a16:creationId xmlns:a16="http://schemas.microsoft.com/office/drawing/2014/main" id="{58AE4FDA-38E4-4472-970D-70EE51E61CF0}"/>
+              </a:ext>
+            </a:extLst>
+          </p:cNvPr>
+          <p:cNvSpPr txBox="1"/>
+          <p:nvPr/>
+        </p:nvSpPr>
+        <p:spPr>
+          <a:xfrm>
+            <a:off x="719667" y="3215144"/>
+            <a:ext cx="4067018" cy="1200329"/>
+          </a:xfrm>
+          <a:prstGeom prst="rect">
+            <a:avLst/>
+          </a:prstGeom>
+          <a:noFill/>
+        </p:spPr>
+        <p:txBody>
+          <a:bodyPr wrap="square" rtlCol="0">
+            <a:spAutoFit/>
+          </a:bodyPr>
+          <a:lstStyle/>
+          <a:p>
+            <a:pPr algn="l"/>
+            <a:r>
+              <a:rPr lang="de-DE" dirty="0"/>
+              <a:t>In der </a:t>
+            </a:r>
+            <a:r>
+              <a:rPr lang="de-DE" dirty="0" err="1"/>
+              <a:t>doPost</a:t>
+            </a:r>
+            <a:r>
+              <a:rPr lang="de-DE" dirty="0"/>
+              <a:t>() Methode wird die Erstellung von neuen Ablesungen veranlasst. Der eingegebene Verbrauchswert, das zugehörige Smartmeter und der ablesende User werden dem Konstruktor der Klasse </a:t>
+            </a:r>
+            <a:r>
+              <a:rPr lang="de-DE" dirty="0" err="1"/>
+              <a:t>Record</a:t>
+            </a:r>
+            <a:r>
+              <a:rPr lang="de-DE" dirty="0"/>
+              <a:t> übergeben und es wird ein neues </a:t>
+            </a:r>
+            <a:r>
+              <a:rPr lang="de-DE" dirty="0" err="1"/>
+              <a:t>Record</a:t>
+            </a:r>
+            <a:r>
+              <a:rPr lang="de-DE" dirty="0"/>
+              <a:t> Objekt erstellt. </a:t>
+            </a:r>
+          </a:p>
+        </p:txBody>
+      </p:sp>
+      <p:sp>
+        <p:nvSpPr>
+          <p:cNvPr id="9" name="Textfeld 8">
+            <a:extLst>
+              <a:ext uri="{FF2B5EF4-FFF2-40B4-BE49-F238E27FC236}">
+                <a16:creationId xmlns:a16="http://schemas.microsoft.com/office/drawing/2014/main" id="{8EB35D94-7DA1-4A37-9169-377FDB51FCB4}"/>
+              </a:ext>
+            </a:extLst>
+          </p:cNvPr>
+          <p:cNvSpPr txBox="1"/>
+          <p:nvPr/>
+        </p:nvSpPr>
+        <p:spPr>
+          <a:xfrm>
+            <a:off x="787179" y="4730627"/>
+            <a:ext cx="3840480" cy="461665"/>
+          </a:xfrm>
+          <a:prstGeom prst="rect">
+            <a:avLst/>
+          </a:prstGeom>
+          <a:noFill/>
+        </p:spPr>
+        <p:txBody>
+          <a:bodyPr wrap="square" rtlCol="0">
+            <a:spAutoFit/>
+          </a:bodyPr>
+          <a:lstStyle/>
+          <a:p>
+            <a:pPr algn="l"/>
+            <a:r>
+              <a:rPr lang="de-DE" dirty="0"/>
+              <a:t>Dieses wird vom </a:t>
+            </a:r>
+            <a:r>
+              <a:rPr lang="de-DE" dirty="0" err="1"/>
+              <a:t>RecordDao</a:t>
+            </a:r>
+            <a:r>
+              <a:rPr lang="de-DE" dirty="0"/>
+              <a:t> gespeichert und der Liste von Records des Smartmeters hinzugefügt.</a:t>
+            </a:r>
+          </a:p>
+        </p:txBody>
+      </p:sp>
+      <p:pic>
+        <p:nvPicPr>
+          <p:cNvPr id="10" name="Grafik 9">
+            <a:extLst>
+              <a:ext uri="{FF2B5EF4-FFF2-40B4-BE49-F238E27FC236}">
+                <a16:creationId xmlns:a16="http://schemas.microsoft.com/office/drawing/2014/main" id="{EA656438-8C58-4F86-9F26-2E4148E5F2A8}"/>
+              </a:ext>
+            </a:extLst>
+          </p:cNvPr>
+          <p:cNvPicPr>
+            <a:picLocks noChangeAspect="1"/>
+          </p:cNvPicPr>
+          <p:nvPr/>
+        </p:nvPicPr>
+        <p:blipFill>
+          <a:blip r:embed="rId3"/>
+          <a:stretch>
+            <a:fillRect/>
+          </a:stretch>
+        </p:blipFill>
+        <p:spPr>
+          <a:xfrm>
+            <a:off x="9640389" y="6035040"/>
+            <a:ext cx="1828800" cy="675323"/>
+          </a:xfrm>
+          <a:prstGeom prst="rect">
+            <a:avLst/>
+          </a:prstGeom>
+        </p:spPr>
+      </p:pic>
+    </p:spTree>
+    <p:extLst>
+      <p:ext uri="{BB962C8B-B14F-4D97-AF65-F5344CB8AC3E}">
+        <p14:creationId xmlns:p14="http://schemas.microsoft.com/office/powerpoint/2010/main" val="2938804235"/>
       </p:ext>
     </p:extLst>
   </p:cSld>

--- a/PräsentationJavaEE.pptx
+++ b/PräsentationJavaEE.pptx
@@ -5,7 +5,7 @@
     <p:sldMasterId id="2147483660" r:id="rId1"/>
   </p:sldMasterIdLst>
   <p:notesMasterIdLst>
-    <p:notesMasterId r:id="rId22"/>
+    <p:notesMasterId r:id="rId27"/>
   </p:notesMasterIdLst>
   <p:sldIdLst>
     <p:sldId id="256" r:id="rId2"/>
@@ -25,9 +25,14 @@
     <p:sldId id="273" r:id="rId16"/>
     <p:sldId id="274" r:id="rId17"/>
     <p:sldId id="275" r:id="rId18"/>
-    <p:sldId id="276" r:id="rId19"/>
-    <p:sldId id="277" r:id="rId20"/>
-    <p:sldId id="278" r:id="rId21"/>
+    <p:sldId id="281" r:id="rId19"/>
+    <p:sldId id="276" r:id="rId20"/>
+    <p:sldId id="282" r:id="rId21"/>
+    <p:sldId id="279" r:id="rId22"/>
+    <p:sldId id="283" r:id="rId23"/>
+    <p:sldId id="277" r:id="rId24"/>
+    <p:sldId id="278" r:id="rId25"/>
+    <p:sldId id="280" r:id="rId26"/>
   </p:sldIdLst>
   <p:sldSz cx="12192000" cy="6858000"/>
   <p:notesSz cx="6858000" cy="9144000"/>
@@ -730,7 +735,7 @@
           <a:graphicData uri="http://schemas.openxmlformats.org/presentationml/2006/ole">
             <mc:AlternateContent xmlns:mc="http://schemas.openxmlformats.org/markup-compatibility/2006">
               <mc:Choice xmlns:v="urn:schemas-microsoft-com:vml" Requires="v">
-                <p:oleObj spid="_x0000_s2083" r:id="rId9" imgW="0" imgH="0" progId="TCLayout.ActiveDocument.1">
+                <p:oleObj spid="_x0000_s2104" r:id="rId9" imgW="0" imgH="0" progId="TCLayout.ActiveDocument.1">
                   <p:embed/>
                 </p:oleObj>
               </mc:Choice>
@@ -2826,7 +2831,7 @@
           <a:graphicData uri="http://schemas.openxmlformats.org/presentationml/2006/ole">
             <mc:AlternateContent xmlns:mc="http://schemas.openxmlformats.org/markup-compatibility/2006">
               <mc:Choice xmlns:v="urn:schemas-microsoft-com:vml" Requires="v">
-                <p:oleObj spid="_x0000_s1059" r:id="rId20" imgW="0" imgH="0" progId="TCLayout.ActiveDocument.1">
+                <p:oleObj spid="_x0000_s1080" r:id="rId20" imgW="0" imgH="0" progId="TCLayout.ActiveDocument.1">
                   <p:embed/>
                 </p:oleObj>
               </mc:Choice>
@@ -4053,7 +4058,7 @@
         <p:spPr>
           <a:xfrm>
             <a:off x="719666" y="2516776"/>
-            <a:ext cx="4801567" cy="830997"/>
+            <a:ext cx="4801567" cy="1015663"/>
           </a:xfrm>
           <a:prstGeom prst="rect">
             <a:avLst/>
@@ -4104,7 +4109,15 @@
             </a:r>
             <a:r>
               <a:rPr lang="de-DE" dirty="0"/>
-              <a:t>. Dazu kommen noch die Attribute </a:t>
+              <a:t>. Dazu kommen noch die nicht </a:t>
+            </a:r>
+            <a:r>
+              <a:rPr lang="de-DE" dirty="0" err="1"/>
+              <a:t>peristenten</a:t>
+            </a:r>
+            <a:r>
+              <a:rPr lang="de-DE" dirty="0"/>
+              <a:t> Attribute </a:t>
             </a:r>
             <a:r>
               <a:rPr lang="de-DE" dirty="0" err="1"/>
@@ -4176,7 +4189,7 @@
           <a:bodyPr/>
           <a:lstStyle/>
           <a:p>
-            <a:endParaRPr lang="de-DE"/>
+            <a:endParaRPr lang="de-DE" dirty="0"/>
           </a:p>
         </p:txBody>
       </p:sp>
@@ -4630,15 +4643,23 @@
             </a:r>
             <a:r>
               <a:rPr lang="de-DE" dirty="0"/>
-              <a:t>. Der Ablesezeitpunkt wird im </a:t>
-            </a:r>
-            <a:r>
-              <a:rPr lang="de-DE" dirty="0" err="1"/>
-              <a:t>konstruktor</a:t>
-            </a:r>
-            <a:r>
-              <a:rPr lang="de-DE" dirty="0"/>
-              <a:t> gesetzt.</a:t>
+              <a:t>. Der Ablesezeitpunkt wird </a:t>
+            </a:r>
+            <a:r>
+              <a:rPr lang="de-DE"/>
+              <a:t>im </a:t>
+            </a:r>
+            <a:r>
+              <a:rPr lang="de-DE" dirty="0"/>
+              <a:t>K</a:t>
+            </a:r>
+            <a:r>
+              <a:rPr lang="de-DE"/>
+              <a:t>onstruktor </a:t>
+            </a:r>
+            <a:r>
+              <a:rPr lang="de-DE" dirty="0"/>
+              <a:t>gesetzt.</a:t>
             </a:r>
           </a:p>
         </p:txBody>
@@ -5788,10 +5809,67 @@
       </p:grpSpPr>
       <p:sp>
         <p:nvSpPr>
+          <p:cNvPr id="5" name="Foliennummernplatzhalter 4">
+            <a:extLst>
+              <a:ext uri="{FF2B5EF4-FFF2-40B4-BE49-F238E27FC236}">
+                <a16:creationId xmlns:a16="http://schemas.microsoft.com/office/drawing/2014/main" id="{B64D807F-CE9F-45F6-9A3B-364F7B7CBF38}"/>
+              </a:ext>
+            </a:extLst>
+          </p:cNvPr>
+          <p:cNvSpPr>
+            <a:spLocks noGrp="1"/>
+          </p:cNvSpPr>
+          <p:nvPr>
+            <p:ph type="sldNum" sz="quarter" idx="11"/>
+          </p:nvPr>
+        </p:nvSpPr>
+        <p:spPr/>
+        <p:txBody>
+          <a:bodyPr/>
+          <a:lstStyle/>
+          <a:p>
+            <a:fld id="{9C769D77-A6BD-4055-B1F5-206E3089995D}" type="slidenum">
+              <a:rPr lang="de-DE" smtClean="0"/>
+              <a:t>18</a:t>
+            </a:fld>
+            <a:endParaRPr lang="de-DE" dirty="0"/>
+          </a:p>
+        </p:txBody>
+      </p:sp>
+      <p:sp>
+        <p:nvSpPr>
+          <p:cNvPr id="4" name="Fußzeilenplatzhalter 3">
+            <a:extLst>
+              <a:ext uri="{FF2B5EF4-FFF2-40B4-BE49-F238E27FC236}">
+                <a16:creationId xmlns:a16="http://schemas.microsoft.com/office/drawing/2014/main" id="{5334C52A-6DA0-4173-9339-223A5706AF9A}"/>
+              </a:ext>
+            </a:extLst>
+          </p:cNvPr>
+          <p:cNvSpPr>
+            <a:spLocks noGrp="1"/>
+          </p:cNvSpPr>
+          <p:nvPr>
+            <p:ph type="ftr" sz="quarter" idx="10"/>
+          </p:nvPr>
+        </p:nvSpPr>
+        <p:spPr/>
+        <p:txBody>
+          <a:bodyPr/>
+          <a:lstStyle/>
+          <a:p>
+            <a:r>
+              <a:rPr lang="de-DE" dirty="0"/>
+              <a:t>Java EE - Übung 2 | Anwendungssysteme SS 2017</a:t>
+            </a:r>
+          </a:p>
+        </p:txBody>
+      </p:sp>
+      <p:sp>
+        <p:nvSpPr>
           <p:cNvPr id="2" name="Titel 1">
             <a:extLst>
               <a:ext uri="{FF2B5EF4-FFF2-40B4-BE49-F238E27FC236}">
-                <a16:creationId xmlns:a16="http://schemas.microsoft.com/office/drawing/2014/main" id="{30CEDC8F-C6BE-47F3-A8DC-EA1451CDA527}"/>
+                <a16:creationId xmlns:a16="http://schemas.microsoft.com/office/drawing/2014/main" id="{2BE9E56C-2728-49D2-9EDB-B65BD0BE6D39}"/>
               </a:ext>
             </a:extLst>
           </p:cNvPr>
@@ -5816,7 +5894,7 @@
           <p:cNvPr id="7" name="Inhaltsplatzhalter 6">
             <a:extLst>
               <a:ext uri="{FF2B5EF4-FFF2-40B4-BE49-F238E27FC236}">
-                <a16:creationId xmlns:a16="http://schemas.microsoft.com/office/drawing/2014/main" id="{5014F4BD-E732-4245-8A5F-EECCE5D51343}"/>
+                <a16:creationId xmlns:a16="http://schemas.microsoft.com/office/drawing/2014/main" id="{DF5488C1-F409-498C-8273-E3A955F600D2}"/>
               </a:ext>
             </a:extLst>
           </p:cNvPr>
@@ -5841,176 +5919,15 @@
         </p:blipFill>
         <p:spPr>
           <a:xfrm>
-            <a:off x="5413823" y="2981739"/>
-            <a:ext cx="6276658" cy="3728624"/>
+            <a:off x="1" y="0"/>
+            <a:ext cx="12192000" cy="6858000"/>
           </a:xfrm>
         </p:spPr>
       </p:pic>
-      <p:sp>
-        <p:nvSpPr>
-          <p:cNvPr id="4" name="Fußzeilenplatzhalter 3">
-            <a:extLst>
-              <a:ext uri="{FF2B5EF4-FFF2-40B4-BE49-F238E27FC236}">
-                <a16:creationId xmlns:a16="http://schemas.microsoft.com/office/drawing/2014/main" id="{1EB58D77-756A-45EB-ABF8-011CB585417E}"/>
-              </a:ext>
-            </a:extLst>
-          </p:cNvPr>
-          <p:cNvSpPr>
-            <a:spLocks noGrp="1"/>
-          </p:cNvSpPr>
-          <p:nvPr>
-            <p:ph type="ftr" sz="quarter" idx="10"/>
-          </p:nvPr>
-        </p:nvSpPr>
-        <p:spPr/>
-        <p:txBody>
-          <a:bodyPr/>
-          <a:lstStyle/>
-          <a:p>
-            <a:r>
-              <a:rPr lang="de-DE"/>
-              <a:t>Java EE - Übung 2 | Anwendungssysteme SS 2017</a:t>
-            </a:r>
-          </a:p>
-        </p:txBody>
-      </p:sp>
-      <p:sp>
-        <p:nvSpPr>
-          <p:cNvPr id="5" name="Foliennummernplatzhalter 4">
-            <a:extLst>
-              <a:ext uri="{FF2B5EF4-FFF2-40B4-BE49-F238E27FC236}">
-                <a16:creationId xmlns:a16="http://schemas.microsoft.com/office/drawing/2014/main" id="{7983DB9C-2D23-4DA2-A52F-245EEA0DFA09}"/>
-              </a:ext>
-            </a:extLst>
-          </p:cNvPr>
-          <p:cNvSpPr>
-            <a:spLocks noGrp="1"/>
-          </p:cNvSpPr>
-          <p:nvPr>
-            <p:ph type="sldNum" sz="quarter" idx="11"/>
-          </p:nvPr>
-        </p:nvSpPr>
-        <p:spPr/>
-        <p:txBody>
-          <a:bodyPr/>
-          <a:lstStyle/>
-          <a:p>
-            <a:fld id="{9C769D77-A6BD-4055-B1F5-206E3089995D}" type="slidenum">
-              <a:rPr lang="de-DE" smtClean="0"/>
-              <a:t>18</a:t>
-            </a:fld>
-            <a:endParaRPr lang="de-DE"/>
-          </a:p>
-        </p:txBody>
-      </p:sp>
-      <p:sp>
-        <p:nvSpPr>
-          <p:cNvPr id="8" name="Textfeld 7">
-            <a:extLst>
-              <a:ext uri="{FF2B5EF4-FFF2-40B4-BE49-F238E27FC236}">
-                <a16:creationId xmlns:a16="http://schemas.microsoft.com/office/drawing/2014/main" id="{3A1DE8F0-6243-48B0-AFC4-9E2EC9FDE96C}"/>
-              </a:ext>
-            </a:extLst>
-          </p:cNvPr>
-          <p:cNvSpPr txBox="1"/>
-          <p:nvPr/>
-        </p:nvSpPr>
-        <p:spPr>
-          <a:xfrm>
-            <a:off x="719667" y="2886323"/>
-            <a:ext cx="4082921" cy="1200329"/>
-          </a:xfrm>
-          <a:prstGeom prst="rect">
-            <a:avLst/>
-          </a:prstGeom>
-          <a:noFill/>
-        </p:spPr>
-        <p:txBody>
-          <a:bodyPr wrap="square" rtlCol="0">
-            <a:spAutoFit/>
-          </a:bodyPr>
-          <a:lstStyle/>
-          <a:p>
-            <a:pPr algn="l"/>
-            <a:r>
-              <a:rPr lang="de-DE" dirty="0"/>
-              <a:t>Die </a:t>
-            </a:r>
-            <a:r>
-              <a:rPr lang="de-DE" dirty="0" err="1"/>
-              <a:t>doPost</a:t>
-            </a:r>
-            <a:r>
-              <a:rPr lang="de-DE" dirty="0"/>
-              <a:t>() Methode verwaltet darüber hinaus den Login und Logout von Usern. Der Username wird dem </a:t>
-            </a:r>
-            <a:r>
-              <a:rPr lang="de-DE" dirty="0" err="1"/>
-              <a:t>Userdao</a:t>
-            </a:r>
-            <a:r>
-              <a:rPr lang="de-DE" dirty="0"/>
-              <a:t> übergeben, dieser überprüft ob der User bereits in der Usertabelle vorhanden ist. Falls ja wird er als </a:t>
-            </a:r>
-            <a:r>
-              <a:rPr lang="de-DE" dirty="0" err="1"/>
-              <a:t>Sessionattribut</a:t>
-            </a:r>
-            <a:r>
-              <a:rPr lang="de-DE" dirty="0"/>
-              <a:t> gesetzt. Falls nicht wird ein neuer User angelegt und in der Usertabelle gespeichert.</a:t>
-            </a:r>
-          </a:p>
-        </p:txBody>
-      </p:sp>
-      <p:sp>
-        <p:nvSpPr>
-          <p:cNvPr id="9" name="Textfeld 8">
-            <a:extLst>
-              <a:ext uri="{FF2B5EF4-FFF2-40B4-BE49-F238E27FC236}">
-                <a16:creationId xmlns:a16="http://schemas.microsoft.com/office/drawing/2014/main" id="{93A3C8B0-2FF1-417C-BB10-AA961B73119B}"/>
-              </a:ext>
-            </a:extLst>
-          </p:cNvPr>
-          <p:cNvSpPr txBox="1"/>
-          <p:nvPr/>
-        </p:nvSpPr>
-        <p:spPr>
-          <a:xfrm>
-            <a:off x="787180" y="5096786"/>
-            <a:ext cx="3919992" cy="461665"/>
-          </a:xfrm>
-          <a:prstGeom prst="rect">
-            <a:avLst/>
-          </a:prstGeom>
-          <a:noFill/>
-        </p:spPr>
-        <p:txBody>
-          <a:bodyPr wrap="square" rtlCol="0">
-            <a:spAutoFit/>
-          </a:bodyPr>
-          <a:lstStyle/>
-          <a:p>
-            <a:pPr algn="l"/>
-            <a:r>
-              <a:rPr lang="de-DE" dirty="0"/>
-              <a:t>Beim Logout eines Users wird der Zeitpunkt als </a:t>
-            </a:r>
-            <a:r>
-              <a:rPr lang="de-DE" dirty="0" err="1"/>
-              <a:t>lastLogin</a:t>
-            </a:r>
-            <a:r>
-              <a:rPr lang="de-DE" dirty="0"/>
-              <a:t> gespeichert.</a:t>
-            </a:r>
-          </a:p>
-        </p:txBody>
-      </p:sp>
     </p:spTree>
     <p:extLst>
       <p:ext uri="{BB962C8B-B14F-4D97-AF65-F5344CB8AC3E}">
-        <p14:creationId xmlns:p14="http://schemas.microsoft.com/office/powerpoint/2010/main" val="945002695"/>
+        <p14:creationId xmlns:p14="http://schemas.microsoft.com/office/powerpoint/2010/main" val="3628737279"/>
       </p:ext>
     </p:extLst>
   </p:cSld>
@@ -6042,7 +5959,7 @@
           <p:cNvPr id="2" name="Titel 1">
             <a:extLst>
               <a:ext uri="{FF2B5EF4-FFF2-40B4-BE49-F238E27FC236}">
-                <a16:creationId xmlns:a16="http://schemas.microsoft.com/office/drawing/2014/main" id="{28164CDD-0CBB-41E5-AD11-E486866ECCCB}"/>
+                <a16:creationId xmlns:a16="http://schemas.microsoft.com/office/drawing/2014/main" id="{30CEDC8F-C6BE-47F3-A8DC-EA1451CDA527}"/>
               </a:ext>
             </a:extLst>
           </p:cNvPr>
@@ -6069,18 +5986,135 @@
             </a:r>
             <a:r>
               <a:rPr lang="de-DE" dirty="0" err="1"/>
-              <a:t>DetailServlet</a:t>
+              <a:t>LoginServlet</a:t>
             </a:r>
             <a:endParaRPr lang="de-DE" dirty="0"/>
+          </a:p>
+        </p:txBody>
+      </p:sp>
+      <p:sp>
+        <p:nvSpPr>
+          <p:cNvPr id="4" name="Fußzeilenplatzhalter 3">
+            <a:extLst>
+              <a:ext uri="{FF2B5EF4-FFF2-40B4-BE49-F238E27FC236}">
+                <a16:creationId xmlns:a16="http://schemas.microsoft.com/office/drawing/2014/main" id="{1EB58D77-756A-45EB-ABF8-011CB585417E}"/>
+              </a:ext>
+            </a:extLst>
+          </p:cNvPr>
+          <p:cNvSpPr>
+            <a:spLocks noGrp="1"/>
+          </p:cNvSpPr>
+          <p:nvPr>
+            <p:ph type="ftr" sz="quarter" idx="10"/>
+          </p:nvPr>
+        </p:nvSpPr>
+        <p:spPr/>
+        <p:txBody>
+          <a:bodyPr/>
+          <a:lstStyle/>
+          <a:p>
+            <a:r>
+              <a:rPr lang="de-DE"/>
+              <a:t>Java EE - Übung 2 | Anwendungssysteme SS 2017</a:t>
+            </a:r>
+          </a:p>
+        </p:txBody>
+      </p:sp>
+      <p:sp>
+        <p:nvSpPr>
+          <p:cNvPr id="5" name="Foliennummernplatzhalter 4">
+            <a:extLst>
+              <a:ext uri="{FF2B5EF4-FFF2-40B4-BE49-F238E27FC236}">
+                <a16:creationId xmlns:a16="http://schemas.microsoft.com/office/drawing/2014/main" id="{7983DB9C-2D23-4DA2-A52F-245EEA0DFA09}"/>
+              </a:ext>
+            </a:extLst>
+          </p:cNvPr>
+          <p:cNvSpPr>
+            <a:spLocks noGrp="1"/>
+          </p:cNvSpPr>
+          <p:nvPr>
+            <p:ph type="sldNum" sz="quarter" idx="11"/>
+          </p:nvPr>
+        </p:nvSpPr>
+        <p:spPr/>
+        <p:txBody>
+          <a:bodyPr/>
+          <a:lstStyle/>
+          <a:p>
+            <a:fld id="{9C769D77-A6BD-4055-B1F5-206E3089995D}" type="slidenum">
+              <a:rPr lang="de-DE" smtClean="0"/>
+              <a:t>19</a:t>
+            </a:fld>
+            <a:endParaRPr lang="de-DE"/>
+          </a:p>
+        </p:txBody>
+      </p:sp>
+      <p:sp>
+        <p:nvSpPr>
+          <p:cNvPr id="8" name="Textfeld 7">
+            <a:extLst>
+              <a:ext uri="{FF2B5EF4-FFF2-40B4-BE49-F238E27FC236}">
+                <a16:creationId xmlns:a16="http://schemas.microsoft.com/office/drawing/2014/main" id="{3A1DE8F0-6243-48B0-AFC4-9E2EC9FDE96C}"/>
+              </a:ext>
+            </a:extLst>
+          </p:cNvPr>
+          <p:cNvSpPr txBox="1"/>
+          <p:nvPr/>
+        </p:nvSpPr>
+        <p:spPr>
+          <a:xfrm>
+            <a:off x="719667" y="2886323"/>
+            <a:ext cx="4671317" cy="1015663"/>
+          </a:xfrm>
+          <a:prstGeom prst="rect">
+            <a:avLst/>
+          </a:prstGeom>
+          <a:noFill/>
+        </p:spPr>
+        <p:txBody>
+          <a:bodyPr wrap="square" rtlCol="0">
+            <a:spAutoFit/>
+          </a:bodyPr>
+          <a:lstStyle/>
+          <a:p>
+            <a:pPr algn="l"/>
+            <a:r>
+              <a:rPr lang="de-DE" dirty="0"/>
+              <a:t>Das </a:t>
+            </a:r>
+            <a:r>
+              <a:rPr lang="de-DE" dirty="0" err="1"/>
+              <a:t>LoginServlet</a:t>
+            </a:r>
+            <a:r>
+              <a:rPr lang="de-DE" dirty="0"/>
+              <a:t> kümmert sich um den Login von Usern. Der Username wird dem </a:t>
+            </a:r>
+            <a:r>
+              <a:rPr lang="de-DE" dirty="0" err="1"/>
+              <a:t>Userdao</a:t>
+            </a:r>
+            <a:r>
+              <a:rPr lang="de-DE" dirty="0"/>
+              <a:t> übergeben, dieser überprüft ob der User bereits in der Usertabelle vorhanden ist. Falls ja wird er als </a:t>
+            </a:r>
+            <a:r>
+              <a:rPr lang="de-DE" dirty="0" err="1"/>
+              <a:t>Sessionattribut</a:t>
+            </a:r>
+            <a:r>
+              <a:rPr lang="de-DE" dirty="0"/>
+              <a:t> gesetzt. Falls nicht wird ein neuer User angelegt und in der Usertabelle gespeichert.</a:t>
+            </a:r>
           </a:p>
         </p:txBody>
       </p:sp>
       <p:pic>
         <p:nvPicPr>
-          <p:cNvPr id="7" name="Inhaltsplatzhalter 6">
-            <a:extLst>
-              <a:ext uri="{FF2B5EF4-FFF2-40B4-BE49-F238E27FC236}">
-                <a16:creationId xmlns:a16="http://schemas.microsoft.com/office/drawing/2014/main" id="{FB22D4F4-ED28-45B2-AC30-3FF498D0ACD4}"/>
+          <p:cNvPr id="13" name="Inhaltsplatzhalter 12">
+            <a:extLst>
+              <a:ext uri="{FF2B5EF4-FFF2-40B4-BE49-F238E27FC236}">
+                <a16:creationId xmlns:a16="http://schemas.microsoft.com/office/drawing/2014/main" id="{D3E517A7-DFC1-48D3-830E-BD03DD508CC3}"/>
               </a:ext>
             </a:extLst>
           </p:cNvPr>
@@ -6105,184 +6139,15 @@
         </p:blipFill>
         <p:spPr>
           <a:xfrm>
-            <a:off x="6575361" y="2098675"/>
-            <a:ext cx="5004058" cy="4721521"/>
+            <a:off x="6885973" y="2130480"/>
+            <a:ext cx="4754736" cy="4646240"/>
           </a:xfrm>
         </p:spPr>
       </p:pic>
-      <p:sp>
-        <p:nvSpPr>
-          <p:cNvPr id="4" name="Fußzeilenplatzhalter 3">
-            <a:extLst>
-              <a:ext uri="{FF2B5EF4-FFF2-40B4-BE49-F238E27FC236}">
-                <a16:creationId xmlns:a16="http://schemas.microsoft.com/office/drawing/2014/main" id="{8C1FF25A-6137-47BF-B785-54A5ADE5629A}"/>
-              </a:ext>
-            </a:extLst>
-          </p:cNvPr>
-          <p:cNvSpPr>
-            <a:spLocks noGrp="1"/>
-          </p:cNvSpPr>
-          <p:nvPr>
-            <p:ph type="ftr" sz="quarter" idx="10"/>
-          </p:nvPr>
-        </p:nvSpPr>
-        <p:spPr/>
-        <p:txBody>
-          <a:bodyPr/>
-          <a:lstStyle/>
-          <a:p>
-            <a:r>
-              <a:rPr lang="de-DE"/>
-              <a:t>Java EE - Übung 2 | Anwendungssysteme SS 2017</a:t>
-            </a:r>
-          </a:p>
-        </p:txBody>
-      </p:sp>
-      <p:sp>
-        <p:nvSpPr>
-          <p:cNvPr id="5" name="Foliennummernplatzhalter 4">
-            <a:extLst>
-              <a:ext uri="{FF2B5EF4-FFF2-40B4-BE49-F238E27FC236}">
-                <a16:creationId xmlns:a16="http://schemas.microsoft.com/office/drawing/2014/main" id="{4C5FF7D5-4331-4E45-AF23-98A2F1B23A9F}"/>
-              </a:ext>
-            </a:extLst>
-          </p:cNvPr>
-          <p:cNvSpPr>
-            <a:spLocks noGrp="1"/>
-          </p:cNvSpPr>
-          <p:nvPr>
-            <p:ph type="sldNum" sz="quarter" idx="11"/>
-          </p:nvPr>
-        </p:nvSpPr>
-        <p:spPr/>
-        <p:txBody>
-          <a:bodyPr/>
-          <a:lstStyle/>
-          <a:p>
-            <a:fld id="{9C769D77-A6BD-4055-B1F5-206E3089995D}" type="slidenum">
-              <a:rPr lang="de-DE" smtClean="0"/>
-              <a:t>19</a:t>
-            </a:fld>
-            <a:endParaRPr lang="de-DE"/>
-          </a:p>
-        </p:txBody>
-      </p:sp>
-      <p:sp>
-        <p:nvSpPr>
-          <p:cNvPr id="8" name="Textfeld 7">
-            <a:extLst>
-              <a:ext uri="{FF2B5EF4-FFF2-40B4-BE49-F238E27FC236}">
-                <a16:creationId xmlns:a16="http://schemas.microsoft.com/office/drawing/2014/main" id="{F9F8A7BC-8A01-4AF0-8FBC-A9EBA1286409}"/>
-              </a:ext>
-            </a:extLst>
-          </p:cNvPr>
-          <p:cNvSpPr txBox="1"/>
-          <p:nvPr/>
-        </p:nvSpPr>
-        <p:spPr>
-          <a:xfrm>
-            <a:off x="719667" y="2576223"/>
-            <a:ext cx="4528194" cy="1754326"/>
-          </a:xfrm>
-          <a:prstGeom prst="rect">
-            <a:avLst/>
-          </a:prstGeom>
-          <a:noFill/>
-        </p:spPr>
-        <p:txBody>
-          <a:bodyPr wrap="square" rtlCol="0">
-            <a:spAutoFit/>
-          </a:bodyPr>
-          <a:lstStyle/>
-          <a:p>
-            <a:pPr algn="l"/>
-            <a:r>
-              <a:rPr lang="de-DE" dirty="0"/>
-              <a:t>Die </a:t>
-            </a:r>
-            <a:r>
-              <a:rPr lang="de-DE" dirty="0" err="1"/>
-              <a:t>doGet</a:t>
-            </a:r>
-            <a:r>
-              <a:rPr lang="de-DE" dirty="0"/>
-              <a:t>() Methode des </a:t>
-            </a:r>
-            <a:r>
-              <a:rPr lang="de-DE" dirty="0" err="1"/>
-              <a:t>DetailServlets</a:t>
-            </a:r>
-            <a:r>
-              <a:rPr lang="de-DE" dirty="0"/>
-              <a:t> ist zuständig für die Darstellung eines einzelnen Smartmeters. Zunächst wird dem </a:t>
-            </a:r>
-            <a:r>
-              <a:rPr lang="de-DE" dirty="0" err="1"/>
-              <a:t>SmartmeterDao</a:t>
-            </a:r>
-            <a:r>
-              <a:rPr lang="de-DE" dirty="0"/>
-              <a:t> angeforderte ID übergeben, dieser gibt dann das gesuchte Smartmeter aus der Smartmetertabelle zurück. Da sich die Zufallswerte für Strom und Spannung des Smartmeters bei jedem Aufruf ändern sollen, werden als Nächstes die entsprechenden Berechnungsfunktionen des Smartmeters aufgerufen. Danach wird das Smartmeter als </a:t>
-            </a:r>
-            <a:r>
-              <a:rPr lang="de-DE" dirty="0" err="1"/>
-              <a:t>Sessionattribut</a:t>
-            </a:r>
-            <a:r>
-              <a:rPr lang="de-DE" dirty="0"/>
-              <a:t> gesetzt.</a:t>
-            </a:r>
-          </a:p>
-        </p:txBody>
-      </p:sp>
-      <p:sp>
-        <p:nvSpPr>
-          <p:cNvPr id="9" name="Textfeld 8">
-            <a:extLst>
-              <a:ext uri="{FF2B5EF4-FFF2-40B4-BE49-F238E27FC236}">
-                <a16:creationId xmlns:a16="http://schemas.microsoft.com/office/drawing/2014/main" id="{0260D116-FC11-499F-9D60-94A962745B0B}"/>
-              </a:ext>
-            </a:extLst>
-          </p:cNvPr>
-          <p:cNvSpPr txBox="1"/>
-          <p:nvPr/>
-        </p:nvSpPr>
-        <p:spPr>
-          <a:xfrm>
-            <a:off x="811034" y="5295569"/>
-            <a:ext cx="4333460" cy="830997"/>
-          </a:xfrm>
-          <a:prstGeom prst="rect">
-            <a:avLst/>
-          </a:prstGeom>
-          <a:noFill/>
-        </p:spPr>
-        <p:txBody>
-          <a:bodyPr wrap="square" rtlCol="0">
-            <a:spAutoFit/>
-          </a:bodyPr>
-          <a:lstStyle/>
-          <a:p>
-            <a:pPr algn="l"/>
-            <a:r>
-              <a:rPr lang="de-DE" dirty="0"/>
-              <a:t>Bevor der User Ablesungen für das Smartmeter vornehmen kann, wird überprüft ob er angemeldet ist. Ist dies der Fall, wird die </a:t>
-            </a:r>
-            <a:r>
-              <a:rPr lang="de-DE" dirty="0" err="1"/>
-              <a:t>SmartmeterId</a:t>
-            </a:r>
-            <a:r>
-              <a:rPr lang="de-DE" dirty="0"/>
-              <a:t> als Hilfsvariable gesetzt. Nun kann es losgehen.</a:t>
-            </a:r>
-          </a:p>
-        </p:txBody>
-      </p:sp>
     </p:spTree>
     <p:extLst>
       <p:ext uri="{BB962C8B-B14F-4D97-AF65-F5344CB8AC3E}">
-        <p14:creationId xmlns:p14="http://schemas.microsoft.com/office/powerpoint/2010/main" val="3699093949"/>
+        <p14:creationId xmlns:p14="http://schemas.microsoft.com/office/powerpoint/2010/main" val="945002695"/>
       </p:ext>
     </p:extLst>
   </p:cSld>
@@ -6517,10 +6382,67 @@
       </p:grpSpPr>
       <p:sp>
         <p:nvSpPr>
+          <p:cNvPr id="5" name="Foliennummernplatzhalter 4">
+            <a:extLst>
+              <a:ext uri="{FF2B5EF4-FFF2-40B4-BE49-F238E27FC236}">
+                <a16:creationId xmlns:a16="http://schemas.microsoft.com/office/drawing/2014/main" id="{9AD81650-6722-47BD-9746-D42FF4AB12C9}"/>
+              </a:ext>
+            </a:extLst>
+          </p:cNvPr>
+          <p:cNvSpPr>
+            <a:spLocks noGrp="1"/>
+          </p:cNvSpPr>
+          <p:nvPr>
+            <p:ph type="sldNum" sz="quarter" idx="11"/>
+          </p:nvPr>
+        </p:nvSpPr>
+        <p:spPr/>
+        <p:txBody>
+          <a:bodyPr/>
+          <a:lstStyle/>
+          <a:p>
+            <a:fld id="{9C769D77-A6BD-4055-B1F5-206E3089995D}" type="slidenum">
+              <a:rPr lang="de-DE" smtClean="0"/>
+              <a:t>20</a:t>
+            </a:fld>
+            <a:endParaRPr lang="de-DE" dirty="0"/>
+          </a:p>
+        </p:txBody>
+      </p:sp>
+      <p:sp>
+        <p:nvSpPr>
+          <p:cNvPr id="4" name="Fußzeilenplatzhalter 3">
+            <a:extLst>
+              <a:ext uri="{FF2B5EF4-FFF2-40B4-BE49-F238E27FC236}">
+                <a16:creationId xmlns:a16="http://schemas.microsoft.com/office/drawing/2014/main" id="{30E411EB-495D-42F7-8E46-B28092F720AE}"/>
+              </a:ext>
+            </a:extLst>
+          </p:cNvPr>
+          <p:cNvSpPr>
+            <a:spLocks noGrp="1"/>
+          </p:cNvSpPr>
+          <p:nvPr>
+            <p:ph type="ftr" sz="quarter" idx="10"/>
+          </p:nvPr>
+        </p:nvSpPr>
+        <p:spPr/>
+        <p:txBody>
+          <a:bodyPr/>
+          <a:lstStyle/>
+          <a:p>
+            <a:r>
+              <a:rPr lang="de-DE" dirty="0"/>
+              <a:t>Java EE - Übung 2 | Anwendungssysteme SS 2017</a:t>
+            </a:r>
+          </a:p>
+        </p:txBody>
+      </p:sp>
+      <p:sp>
+        <p:nvSpPr>
           <p:cNvPr id="2" name="Titel 1">
             <a:extLst>
               <a:ext uri="{FF2B5EF4-FFF2-40B4-BE49-F238E27FC236}">
-                <a16:creationId xmlns:a16="http://schemas.microsoft.com/office/drawing/2014/main" id="{1BD9BBC2-CFB6-4B9F-B00A-D8FDC0F89410}"/>
+                <a16:creationId xmlns:a16="http://schemas.microsoft.com/office/drawing/2014/main" id="{1ED9F112-9EC5-4614-A34F-F906ED5094CF}"/>
               </a:ext>
             </a:extLst>
           </p:cNvPr>
@@ -6545,7 +6467,7 @@
           <p:cNvPr id="7" name="Inhaltsplatzhalter 6">
             <a:extLst>
               <a:ext uri="{FF2B5EF4-FFF2-40B4-BE49-F238E27FC236}">
-                <a16:creationId xmlns:a16="http://schemas.microsoft.com/office/drawing/2014/main" id="{BC752A2D-C259-4F87-8AF2-D7F45168968A}"/>
+                <a16:creationId xmlns:a16="http://schemas.microsoft.com/office/drawing/2014/main" id="{E87A5303-4BC4-4220-B583-2F9E17B59871}"/>
               </a:ext>
             </a:extLst>
           </p:cNvPr>
@@ -6570,17 +6492,120 @@
         </p:blipFill>
         <p:spPr>
           <a:xfrm>
-            <a:off x="4928178" y="3215144"/>
-            <a:ext cx="7121223" cy="2703427"/>
+            <a:off x="1" y="0"/>
+            <a:ext cx="12192000" cy="6858000"/>
           </a:xfrm>
         </p:spPr>
       </p:pic>
+    </p:spTree>
+    <p:extLst>
+      <p:ext uri="{BB962C8B-B14F-4D97-AF65-F5344CB8AC3E}">
+        <p14:creationId xmlns:p14="http://schemas.microsoft.com/office/powerpoint/2010/main" val="1583862720"/>
+      </p:ext>
+    </p:extLst>
+  </p:cSld>
+  <p:clrMapOvr>
+    <a:masterClrMapping/>
+  </p:clrMapOvr>
+</p:sld>
+</file>
+
+<file path=ppt/slides/slide21.xml><?xml version="1.0" encoding="utf-8"?>
+<p:sld xmlns:a="http://schemas.openxmlformats.org/drawingml/2006/main" xmlns:r="http://schemas.openxmlformats.org/officeDocument/2006/relationships" xmlns:p="http://schemas.openxmlformats.org/presentationml/2006/main">
+  <p:cSld>
+    <p:spTree>
+      <p:nvGrpSpPr>
+        <p:cNvPr id="1" name=""/>
+        <p:cNvGrpSpPr/>
+        <p:nvPr/>
+      </p:nvGrpSpPr>
+      <p:grpSpPr>
+        <a:xfrm>
+          <a:off x="0" y="0"/>
+          <a:ext cx="0" cy="0"/>
+          <a:chOff x="0" y="0"/>
+          <a:chExt cx="0" cy="0"/>
+        </a:xfrm>
+      </p:grpSpPr>
+      <p:sp>
+        <p:nvSpPr>
+          <p:cNvPr id="2" name="Titel 1">
+            <a:extLst>
+              <a:ext uri="{FF2B5EF4-FFF2-40B4-BE49-F238E27FC236}">
+                <a16:creationId xmlns:a16="http://schemas.microsoft.com/office/drawing/2014/main" id="{6C6E2157-E2C5-4BD8-9C3F-B6055537E9EF}"/>
+              </a:ext>
+            </a:extLst>
+          </p:cNvPr>
+          <p:cNvSpPr>
+            <a:spLocks noGrp="1"/>
+          </p:cNvSpPr>
+          <p:nvPr>
+            <p:ph type="title"/>
+          </p:nvPr>
+        </p:nvSpPr>
+        <p:spPr>
+          <a:xfrm>
+            <a:off x="719668" y="1740115"/>
+            <a:ext cx="10748433" cy="358560"/>
+          </a:xfrm>
+        </p:spPr>
+        <p:txBody>
+          <a:bodyPr/>
+          <a:lstStyle/>
+          <a:p>
+            <a:r>
+              <a:rPr lang="de-DE" dirty="0"/>
+              <a:t>Detailansicht - </a:t>
+            </a:r>
+            <a:r>
+              <a:rPr lang="de-DE" dirty="0" err="1"/>
+              <a:t>LogoutServlet</a:t>
+            </a:r>
+            <a:endParaRPr lang="de-DE" dirty="0"/>
+          </a:p>
+        </p:txBody>
+      </p:sp>
+      <p:pic>
+        <p:nvPicPr>
+          <p:cNvPr id="7" name="Inhaltsplatzhalter 6">
+            <a:extLst>
+              <a:ext uri="{FF2B5EF4-FFF2-40B4-BE49-F238E27FC236}">
+                <a16:creationId xmlns:a16="http://schemas.microsoft.com/office/drawing/2014/main" id="{5165E217-B6C6-41C7-AC59-FF4B9C1C5A0B}"/>
+              </a:ext>
+            </a:extLst>
+          </p:cNvPr>
+          <p:cNvPicPr>
+            <a:picLocks noGrp="1" noChangeAspect="1"/>
+          </p:cNvPicPr>
+          <p:nvPr>
+            <p:ph idx="1"/>
+          </p:nvPr>
+        </p:nvPicPr>
+        <p:blipFill>
+          <a:blip r:embed="rId2">
+            <a:extLst>
+              <a:ext uri="{28A0092B-C50C-407E-A947-70E740481C1C}">
+                <a14:useLocalDpi xmlns:a14="http://schemas.microsoft.com/office/drawing/2010/main" val="0"/>
+              </a:ext>
+            </a:extLst>
+          </a:blip>
+          <a:stretch>
+            <a:fillRect/>
+          </a:stretch>
+        </p:blipFill>
+        <p:spPr>
+          <a:xfrm>
+            <a:off x="6093884" y="2157497"/>
+            <a:ext cx="5560467" cy="4552866"/>
+          </a:xfrm>
+        </p:spPr>
+      </p:pic>
       <p:sp>
         <p:nvSpPr>
           <p:cNvPr id="4" name="Fußzeilenplatzhalter 3">
             <a:extLst>
               <a:ext uri="{FF2B5EF4-FFF2-40B4-BE49-F238E27FC236}">
-                <a16:creationId xmlns:a16="http://schemas.microsoft.com/office/drawing/2014/main" id="{B1CAC44D-9B3F-4E62-A224-144F5C6C6603}"/>
+                <a16:creationId xmlns:a16="http://schemas.microsoft.com/office/drawing/2014/main" id="{4B08D107-2AE1-4A59-AC3F-765FC8A176FB}"/>
               </a:ext>
             </a:extLst>
           </p:cNvPr>
@@ -6608,7 +6633,7 @@
           <p:cNvPr id="5" name="Foliennummernplatzhalter 4">
             <a:extLst>
               <a:ext uri="{FF2B5EF4-FFF2-40B4-BE49-F238E27FC236}">
-                <a16:creationId xmlns:a16="http://schemas.microsoft.com/office/drawing/2014/main" id="{5BD108FC-08C6-4052-A79B-33E0B35E10D3}"/>
+                <a16:creationId xmlns:a16="http://schemas.microsoft.com/office/drawing/2014/main" id="{C78A3828-B23A-4781-9800-E1941D6A1956}"/>
               </a:ext>
             </a:extLst>
           </p:cNvPr>
@@ -6626,7 +6651,7 @@
           <a:p>
             <a:fld id="{9C769D77-A6BD-4055-B1F5-206E3089995D}" type="slidenum">
               <a:rPr lang="de-DE" smtClean="0"/>
-              <a:t>20</a:t>
+              <a:t>21</a:t>
             </a:fld>
             <a:endParaRPr lang="de-DE"/>
           </a:p>
@@ -6637,7 +6662,7 @@
           <p:cNvPr id="8" name="Textfeld 7">
             <a:extLst>
               <a:ext uri="{FF2B5EF4-FFF2-40B4-BE49-F238E27FC236}">
-                <a16:creationId xmlns:a16="http://schemas.microsoft.com/office/drawing/2014/main" id="{58AE4FDA-38E4-4472-970D-70EE51E61CF0}"/>
+                <a16:creationId xmlns:a16="http://schemas.microsoft.com/office/drawing/2014/main" id="{F5F1F3CD-3CFE-4AF7-B6C3-6C204AD3328B}"/>
               </a:ext>
             </a:extLst>
           </p:cNvPr>
@@ -6646,8 +6671,8 @@
         </p:nvSpPr>
         <p:spPr>
           <a:xfrm>
-            <a:off x="719667" y="3215144"/>
-            <a:ext cx="4067018" cy="1200329"/>
+            <a:off x="719667" y="2894275"/>
+            <a:ext cx="4051116" cy="646331"/>
           </a:xfrm>
           <a:prstGeom prst="rect">
             <a:avLst/>
@@ -6663,6 +6688,632 @@
             <a:pPr algn="l"/>
             <a:r>
               <a:rPr lang="de-DE" dirty="0"/>
+              <a:t>Das </a:t>
+            </a:r>
+            <a:r>
+              <a:rPr lang="de-DE" dirty="0" err="1"/>
+              <a:t>LogoutServlet</a:t>
+            </a:r>
+            <a:r>
+              <a:rPr lang="de-DE" dirty="0"/>
+              <a:t> übernimmt den Logout von Usern, der Zeitpunkt des Logouts wird als </a:t>
+            </a:r>
+            <a:r>
+              <a:rPr lang="de-DE" dirty="0" err="1"/>
+              <a:t>lastLogin</a:t>
+            </a:r>
+            <a:r>
+              <a:rPr lang="de-DE" dirty="0"/>
+              <a:t> vom </a:t>
+            </a:r>
+            <a:r>
+              <a:rPr lang="de-DE" dirty="0" err="1"/>
+              <a:t>UserDao</a:t>
+            </a:r>
+            <a:r>
+              <a:rPr lang="de-DE" dirty="0"/>
+              <a:t> gespeichert.</a:t>
+            </a:r>
+          </a:p>
+        </p:txBody>
+      </p:sp>
+    </p:spTree>
+    <p:extLst>
+      <p:ext uri="{BB962C8B-B14F-4D97-AF65-F5344CB8AC3E}">
+        <p14:creationId xmlns:p14="http://schemas.microsoft.com/office/powerpoint/2010/main" val="3162125621"/>
+      </p:ext>
+    </p:extLst>
+  </p:cSld>
+  <p:clrMapOvr>
+    <a:masterClrMapping/>
+  </p:clrMapOvr>
+</p:sld>
+</file>
+
+<file path=ppt/slides/slide22.xml><?xml version="1.0" encoding="utf-8"?>
+<p:sld xmlns:a="http://schemas.openxmlformats.org/drawingml/2006/main" xmlns:r="http://schemas.openxmlformats.org/officeDocument/2006/relationships" xmlns:p="http://schemas.openxmlformats.org/presentationml/2006/main">
+  <p:cSld>
+    <p:spTree>
+      <p:nvGrpSpPr>
+        <p:cNvPr id="1" name=""/>
+        <p:cNvGrpSpPr/>
+        <p:nvPr/>
+      </p:nvGrpSpPr>
+      <p:grpSpPr>
+        <a:xfrm>
+          <a:off x="0" y="0"/>
+          <a:ext cx="0" cy="0"/>
+          <a:chOff x="0" y="0"/>
+          <a:chExt cx="0" cy="0"/>
+        </a:xfrm>
+      </p:grpSpPr>
+      <p:sp>
+        <p:nvSpPr>
+          <p:cNvPr id="2" name="Titel 1">
+            <a:extLst>
+              <a:ext uri="{FF2B5EF4-FFF2-40B4-BE49-F238E27FC236}">
+                <a16:creationId xmlns:a16="http://schemas.microsoft.com/office/drawing/2014/main" id="{13BE5C3A-4643-4238-9513-845BA60F6ADE}"/>
+              </a:ext>
+            </a:extLst>
+          </p:cNvPr>
+          <p:cNvSpPr>
+            <a:spLocks noGrp="1"/>
+          </p:cNvSpPr>
+          <p:nvPr>
+            <p:ph type="title"/>
+          </p:nvPr>
+        </p:nvSpPr>
+        <p:spPr/>
+        <p:txBody>
+          <a:bodyPr/>
+          <a:lstStyle/>
+          <a:p>
+            <a:endParaRPr lang="de-DE"/>
+          </a:p>
+        </p:txBody>
+      </p:sp>
+      <p:sp>
+        <p:nvSpPr>
+          <p:cNvPr id="4" name="Fußzeilenplatzhalter 3">
+            <a:extLst>
+              <a:ext uri="{FF2B5EF4-FFF2-40B4-BE49-F238E27FC236}">
+                <a16:creationId xmlns:a16="http://schemas.microsoft.com/office/drawing/2014/main" id="{65DC6AA8-9619-4468-B7B8-460ECE2C4E54}"/>
+              </a:ext>
+            </a:extLst>
+          </p:cNvPr>
+          <p:cNvSpPr>
+            <a:spLocks noGrp="1"/>
+          </p:cNvSpPr>
+          <p:nvPr>
+            <p:ph type="ftr" sz="quarter" idx="10"/>
+          </p:nvPr>
+        </p:nvSpPr>
+        <p:spPr/>
+        <p:txBody>
+          <a:bodyPr/>
+          <a:lstStyle/>
+          <a:p>
+            <a:r>
+              <a:rPr lang="de-DE"/>
+              <a:t>Java EE - Übung 2 | Anwendungssysteme SS 2017</a:t>
+            </a:r>
+          </a:p>
+        </p:txBody>
+      </p:sp>
+      <p:sp>
+        <p:nvSpPr>
+          <p:cNvPr id="5" name="Foliennummernplatzhalter 4">
+            <a:extLst>
+              <a:ext uri="{FF2B5EF4-FFF2-40B4-BE49-F238E27FC236}">
+                <a16:creationId xmlns:a16="http://schemas.microsoft.com/office/drawing/2014/main" id="{96B31B16-6963-4E5B-934F-B06317D6B47D}"/>
+              </a:ext>
+            </a:extLst>
+          </p:cNvPr>
+          <p:cNvSpPr>
+            <a:spLocks noGrp="1"/>
+          </p:cNvSpPr>
+          <p:nvPr>
+            <p:ph type="sldNum" sz="quarter" idx="11"/>
+          </p:nvPr>
+        </p:nvSpPr>
+        <p:spPr/>
+        <p:txBody>
+          <a:bodyPr/>
+          <a:lstStyle/>
+          <a:p>
+            <a:fld id="{9C769D77-A6BD-4055-B1F5-206E3089995D}" type="slidenum">
+              <a:rPr lang="de-DE" smtClean="0"/>
+              <a:t>22</a:t>
+            </a:fld>
+            <a:endParaRPr lang="de-DE"/>
+          </a:p>
+        </p:txBody>
+      </p:sp>
+      <p:pic>
+        <p:nvPicPr>
+          <p:cNvPr id="11" name="Inhaltsplatzhalter 10">
+            <a:extLst>
+              <a:ext uri="{FF2B5EF4-FFF2-40B4-BE49-F238E27FC236}">
+                <a16:creationId xmlns:a16="http://schemas.microsoft.com/office/drawing/2014/main" id="{8B5E81B2-FF80-4CBA-9858-41316A3C2D18}"/>
+              </a:ext>
+            </a:extLst>
+          </p:cNvPr>
+          <p:cNvPicPr>
+            <a:picLocks noGrp="1" noChangeAspect="1"/>
+          </p:cNvPicPr>
+          <p:nvPr>
+            <p:ph idx="1"/>
+          </p:nvPr>
+        </p:nvPicPr>
+        <p:blipFill>
+          <a:blip r:embed="rId2">
+            <a:extLst>
+              <a:ext uri="{28A0092B-C50C-407E-A947-70E740481C1C}">
+                <a14:useLocalDpi xmlns:a14="http://schemas.microsoft.com/office/drawing/2010/main" val="0"/>
+              </a:ext>
+            </a:extLst>
+          </a:blip>
+          <a:stretch>
+            <a:fillRect/>
+          </a:stretch>
+        </p:blipFill>
+        <p:spPr>
+          <a:xfrm>
+            <a:off x="-12149" y="0"/>
+            <a:ext cx="12204149" cy="6858000"/>
+          </a:xfrm>
+        </p:spPr>
+      </p:pic>
+    </p:spTree>
+    <p:extLst>
+      <p:ext uri="{BB962C8B-B14F-4D97-AF65-F5344CB8AC3E}">
+        <p14:creationId xmlns:p14="http://schemas.microsoft.com/office/powerpoint/2010/main" val="114720587"/>
+      </p:ext>
+    </p:extLst>
+  </p:cSld>
+  <p:clrMapOvr>
+    <a:masterClrMapping/>
+  </p:clrMapOvr>
+</p:sld>
+</file>
+
+<file path=ppt/slides/slide23.xml><?xml version="1.0" encoding="utf-8"?>
+<p:sld xmlns:a="http://schemas.openxmlformats.org/drawingml/2006/main" xmlns:r="http://schemas.openxmlformats.org/officeDocument/2006/relationships" xmlns:p="http://schemas.openxmlformats.org/presentationml/2006/main">
+  <p:cSld>
+    <p:spTree>
+      <p:nvGrpSpPr>
+        <p:cNvPr id="1" name=""/>
+        <p:cNvGrpSpPr/>
+        <p:nvPr/>
+      </p:nvGrpSpPr>
+      <p:grpSpPr>
+        <a:xfrm>
+          <a:off x="0" y="0"/>
+          <a:ext cx="0" cy="0"/>
+          <a:chOff x="0" y="0"/>
+          <a:chExt cx="0" cy="0"/>
+        </a:xfrm>
+      </p:grpSpPr>
+      <p:sp>
+        <p:nvSpPr>
+          <p:cNvPr id="2" name="Titel 1">
+            <a:extLst>
+              <a:ext uri="{FF2B5EF4-FFF2-40B4-BE49-F238E27FC236}">
+                <a16:creationId xmlns:a16="http://schemas.microsoft.com/office/drawing/2014/main" id="{28164CDD-0CBB-41E5-AD11-E486866ECCCB}"/>
+              </a:ext>
+            </a:extLst>
+          </p:cNvPr>
+          <p:cNvSpPr>
+            <a:spLocks noGrp="1"/>
+          </p:cNvSpPr>
+          <p:nvPr>
+            <p:ph type="title"/>
+          </p:nvPr>
+        </p:nvSpPr>
+        <p:spPr>
+          <a:xfrm>
+            <a:off x="719668" y="1740115"/>
+            <a:ext cx="10748433" cy="358560"/>
+          </a:xfrm>
+        </p:spPr>
+        <p:txBody>
+          <a:bodyPr/>
+          <a:lstStyle/>
+          <a:p>
+            <a:r>
+              <a:rPr lang="de-DE" dirty="0"/>
+              <a:t>Detailansicht - </a:t>
+            </a:r>
+            <a:r>
+              <a:rPr lang="de-DE" dirty="0" err="1"/>
+              <a:t>DetailServlet</a:t>
+            </a:r>
+            <a:endParaRPr lang="de-DE" dirty="0"/>
+          </a:p>
+        </p:txBody>
+      </p:sp>
+      <p:pic>
+        <p:nvPicPr>
+          <p:cNvPr id="7" name="Inhaltsplatzhalter 6">
+            <a:extLst>
+              <a:ext uri="{FF2B5EF4-FFF2-40B4-BE49-F238E27FC236}">
+                <a16:creationId xmlns:a16="http://schemas.microsoft.com/office/drawing/2014/main" id="{FB22D4F4-ED28-45B2-AC30-3FF498D0ACD4}"/>
+              </a:ext>
+            </a:extLst>
+          </p:cNvPr>
+          <p:cNvPicPr>
+            <a:picLocks noGrp="1" noChangeAspect="1"/>
+          </p:cNvPicPr>
+          <p:nvPr>
+            <p:ph idx="1"/>
+          </p:nvPr>
+        </p:nvPicPr>
+        <p:blipFill>
+          <a:blip r:embed="rId2">
+            <a:extLst>
+              <a:ext uri="{28A0092B-C50C-407E-A947-70E740481C1C}">
+                <a14:useLocalDpi xmlns:a14="http://schemas.microsoft.com/office/drawing/2010/main" val="0"/>
+              </a:ext>
+            </a:extLst>
+          </a:blip>
+          <a:stretch>
+            <a:fillRect/>
+          </a:stretch>
+        </p:blipFill>
+        <p:spPr>
+          <a:xfrm>
+            <a:off x="6575361" y="2098675"/>
+            <a:ext cx="5004058" cy="4721521"/>
+          </a:xfrm>
+        </p:spPr>
+      </p:pic>
+      <p:sp>
+        <p:nvSpPr>
+          <p:cNvPr id="4" name="Fußzeilenplatzhalter 3">
+            <a:extLst>
+              <a:ext uri="{FF2B5EF4-FFF2-40B4-BE49-F238E27FC236}">
+                <a16:creationId xmlns:a16="http://schemas.microsoft.com/office/drawing/2014/main" id="{8C1FF25A-6137-47BF-B785-54A5ADE5629A}"/>
+              </a:ext>
+            </a:extLst>
+          </p:cNvPr>
+          <p:cNvSpPr>
+            <a:spLocks noGrp="1"/>
+          </p:cNvSpPr>
+          <p:nvPr>
+            <p:ph type="ftr" sz="quarter" idx="10"/>
+          </p:nvPr>
+        </p:nvSpPr>
+        <p:spPr/>
+        <p:txBody>
+          <a:bodyPr/>
+          <a:lstStyle/>
+          <a:p>
+            <a:r>
+              <a:rPr lang="de-DE"/>
+              <a:t>Java EE - Übung 2 | Anwendungssysteme SS 2017</a:t>
+            </a:r>
+          </a:p>
+        </p:txBody>
+      </p:sp>
+      <p:sp>
+        <p:nvSpPr>
+          <p:cNvPr id="5" name="Foliennummernplatzhalter 4">
+            <a:extLst>
+              <a:ext uri="{FF2B5EF4-FFF2-40B4-BE49-F238E27FC236}">
+                <a16:creationId xmlns:a16="http://schemas.microsoft.com/office/drawing/2014/main" id="{4C5FF7D5-4331-4E45-AF23-98A2F1B23A9F}"/>
+              </a:ext>
+            </a:extLst>
+          </p:cNvPr>
+          <p:cNvSpPr>
+            <a:spLocks noGrp="1"/>
+          </p:cNvSpPr>
+          <p:nvPr>
+            <p:ph type="sldNum" sz="quarter" idx="11"/>
+          </p:nvPr>
+        </p:nvSpPr>
+        <p:spPr/>
+        <p:txBody>
+          <a:bodyPr/>
+          <a:lstStyle/>
+          <a:p>
+            <a:fld id="{9C769D77-A6BD-4055-B1F5-206E3089995D}" type="slidenum">
+              <a:rPr lang="de-DE" smtClean="0"/>
+              <a:t>23</a:t>
+            </a:fld>
+            <a:endParaRPr lang="de-DE"/>
+          </a:p>
+        </p:txBody>
+      </p:sp>
+      <p:sp>
+        <p:nvSpPr>
+          <p:cNvPr id="8" name="Textfeld 7">
+            <a:extLst>
+              <a:ext uri="{FF2B5EF4-FFF2-40B4-BE49-F238E27FC236}">
+                <a16:creationId xmlns:a16="http://schemas.microsoft.com/office/drawing/2014/main" id="{F9F8A7BC-8A01-4AF0-8FBC-A9EBA1286409}"/>
+              </a:ext>
+            </a:extLst>
+          </p:cNvPr>
+          <p:cNvSpPr txBox="1"/>
+          <p:nvPr/>
+        </p:nvSpPr>
+        <p:spPr>
+          <a:xfrm>
+            <a:off x="719667" y="2576223"/>
+            <a:ext cx="4528194" cy="1754326"/>
+          </a:xfrm>
+          <a:prstGeom prst="rect">
+            <a:avLst/>
+          </a:prstGeom>
+          <a:noFill/>
+        </p:spPr>
+        <p:txBody>
+          <a:bodyPr wrap="square" rtlCol="0">
+            <a:spAutoFit/>
+          </a:bodyPr>
+          <a:lstStyle/>
+          <a:p>
+            <a:pPr algn="l"/>
+            <a:r>
+              <a:rPr lang="de-DE" dirty="0"/>
+              <a:t>Die </a:t>
+            </a:r>
+            <a:r>
+              <a:rPr lang="de-DE" dirty="0" err="1"/>
+              <a:t>doGet</a:t>
+            </a:r>
+            <a:r>
+              <a:rPr lang="de-DE" dirty="0"/>
+              <a:t>() Methode des </a:t>
+            </a:r>
+            <a:r>
+              <a:rPr lang="de-DE" dirty="0" err="1"/>
+              <a:t>DetailServlets</a:t>
+            </a:r>
+            <a:r>
+              <a:rPr lang="de-DE" dirty="0"/>
+              <a:t> ist zuständig für die Darstellung eines einzelnen Smartmeters. Zunächst wird dem </a:t>
+            </a:r>
+            <a:r>
+              <a:rPr lang="de-DE" dirty="0" err="1"/>
+              <a:t>SmartmeterDao</a:t>
+            </a:r>
+            <a:r>
+              <a:rPr lang="de-DE" dirty="0"/>
+              <a:t> angeforderte ID übergeben, dieser gibt dann das gesuchte Smartmeter aus der Smartmetertabelle zurück. Da sich die Zufallswerte für Strom und Spannung des Smartmeters bei jedem Aufruf ändern sollen, werden als Nächstes die entsprechenden Berechnungsfunktionen des Smartmeters aufgerufen. Danach wird das Smartmeter als </a:t>
+            </a:r>
+            <a:r>
+              <a:rPr lang="de-DE" dirty="0" err="1"/>
+              <a:t>Sessionattribut</a:t>
+            </a:r>
+            <a:r>
+              <a:rPr lang="de-DE" dirty="0"/>
+              <a:t> gesetzt.</a:t>
+            </a:r>
+          </a:p>
+        </p:txBody>
+      </p:sp>
+      <p:sp>
+        <p:nvSpPr>
+          <p:cNvPr id="9" name="Textfeld 8">
+            <a:extLst>
+              <a:ext uri="{FF2B5EF4-FFF2-40B4-BE49-F238E27FC236}">
+                <a16:creationId xmlns:a16="http://schemas.microsoft.com/office/drawing/2014/main" id="{0260D116-FC11-499F-9D60-94A962745B0B}"/>
+              </a:ext>
+            </a:extLst>
+          </p:cNvPr>
+          <p:cNvSpPr txBox="1"/>
+          <p:nvPr/>
+        </p:nvSpPr>
+        <p:spPr>
+          <a:xfrm>
+            <a:off x="719667" y="5295569"/>
+            <a:ext cx="4424827" cy="830997"/>
+          </a:xfrm>
+          <a:prstGeom prst="rect">
+            <a:avLst/>
+          </a:prstGeom>
+          <a:noFill/>
+        </p:spPr>
+        <p:txBody>
+          <a:bodyPr wrap="square" rtlCol="0">
+            <a:spAutoFit/>
+          </a:bodyPr>
+          <a:lstStyle/>
+          <a:p>
+            <a:pPr algn="l"/>
+            <a:r>
+              <a:rPr lang="de-DE" dirty="0"/>
+              <a:t>Bevor der User Ablesungen für das Smartmeter vornehmen kann, wird überprüft ob er angemeldet ist. Ist dies der Fall, wird die </a:t>
+            </a:r>
+            <a:r>
+              <a:rPr lang="de-DE" dirty="0" err="1"/>
+              <a:t>SmartmeterId</a:t>
+            </a:r>
+            <a:r>
+              <a:rPr lang="de-DE" dirty="0"/>
+              <a:t> als Hilfsvariable gesetzt. Nun kann es losgehen.</a:t>
+            </a:r>
+          </a:p>
+        </p:txBody>
+      </p:sp>
+    </p:spTree>
+    <p:extLst>
+      <p:ext uri="{BB962C8B-B14F-4D97-AF65-F5344CB8AC3E}">
+        <p14:creationId xmlns:p14="http://schemas.microsoft.com/office/powerpoint/2010/main" val="3699093949"/>
+      </p:ext>
+    </p:extLst>
+  </p:cSld>
+  <p:clrMapOvr>
+    <a:masterClrMapping/>
+  </p:clrMapOvr>
+</p:sld>
+</file>
+
+<file path=ppt/slides/slide24.xml><?xml version="1.0" encoding="utf-8"?>
+<p:sld xmlns:a="http://schemas.openxmlformats.org/drawingml/2006/main" xmlns:r="http://schemas.openxmlformats.org/officeDocument/2006/relationships" xmlns:p="http://schemas.openxmlformats.org/presentationml/2006/main">
+  <p:cSld>
+    <p:spTree>
+      <p:nvGrpSpPr>
+        <p:cNvPr id="1" name=""/>
+        <p:cNvGrpSpPr/>
+        <p:nvPr/>
+      </p:nvGrpSpPr>
+      <p:grpSpPr>
+        <a:xfrm>
+          <a:off x="0" y="0"/>
+          <a:ext cx="0" cy="0"/>
+          <a:chOff x="0" y="0"/>
+          <a:chExt cx="0" cy="0"/>
+        </a:xfrm>
+      </p:grpSpPr>
+      <p:sp>
+        <p:nvSpPr>
+          <p:cNvPr id="2" name="Titel 1">
+            <a:extLst>
+              <a:ext uri="{FF2B5EF4-FFF2-40B4-BE49-F238E27FC236}">
+                <a16:creationId xmlns:a16="http://schemas.microsoft.com/office/drawing/2014/main" id="{1BD9BBC2-CFB6-4B9F-B00A-D8FDC0F89410}"/>
+              </a:ext>
+            </a:extLst>
+          </p:cNvPr>
+          <p:cNvSpPr>
+            <a:spLocks noGrp="1"/>
+          </p:cNvSpPr>
+          <p:nvPr>
+            <p:ph type="title"/>
+          </p:nvPr>
+        </p:nvSpPr>
+        <p:spPr/>
+        <p:txBody>
+          <a:bodyPr/>
+          <a:lstStyle/>
+          <a:p>
+            <a:endParaRPr lang="de-DE"/>
+          </a:p>
+        </p:txBody>
+      </p:sp>
+      <p:pic>
+        <p:nvPicPr>
+          <p:cNvPr id="7" name="Inhaltsplatzhalter 6">
+            <a:extLst>
+              <a:ext uri="{FF2B5EF4-FFF2-40B4-BE49-F238E27FC236}">
+                <a16:creationId xmlns:a16="http://schemas.microsoft.com/office/drawing/2014/main" id="{BC752A2D-C259-4F87-8AF2-D7F45168968A}"/>
+              </a:ext>
+            </a:extLst>
+          </p:cNvPr>
+          <p:cNvPicPr>
+            <a:picLocks noGrp="1" noChangeAspect="1"/>
+          </p:cNvPicPr>
+          <p:nvPr>
+            <p:ph idx="1"/>
+          </p:nvPr>
+        </p:nvPicPr>
+        <p:blipFill>
+          <a:blip r:embed="rId2">
+            <a:extLst>
+              <a:ext uri="{28A0092B-C50C-407E-A947-70E740481C1C}">
+                <a14:useLocalDpi xmlns:a14="http://schemas.microsoft.com/office/drawing/2010/main" val="0"/>
+              </a:ext>
+            </a:extLst>
+          </a:blip>
+          <a:stretch>
+            <a:fillRect/>
+          </a:stretch>
+        </p:blipFill>
+        <p:spPr>
+          <a:xfrm>
+            <a:off x="4928178" y="3215144"/>
+            <a:ext cx="7121223" cy="2703427"/>
+          </a:xfrm>
+        </p:spPr>
+      </p:pic>
+      <p:sp>
+        <p:nvSpPr>
+          <p:cNvPr id="4" name="Fußzeilenplatzhalter 3">
+            <a:extLst>
+              <a:ext uri="{FF2B5EF4-FFF2-40B4-BE49-F238E27FC236}">
+                <a16:creationId xmlns:a16="http://schemas.microsoft.com/office/drawing/2014/main" id="{B1CAC44D-9B3F-4E62-A224-144F5C6C6603}"/>
+              </a:ext>
+            </a:extLst>
+          </p:cNvPr>
+          <p:cNvSpPr>
+            <a:spLocks noGrp="1"/>
+          </p:cNvSpPr>
+          <p:nvPr>
+            <p:ph type="ftr" sz="quarter" idx="10"/>
+          </p:nvPr>
+        </p:nvSpPr>
+        <p:spPr/>
+        <p:txBody>
+          <a:bodyPr/>
+          <a:lstStyle/>
+          <a:p>
+            <a:r>
+              <a:rPr lang="de-DE"/>
+              <a:t>Java EE - Übung 2 | Anwendungssysteme SS 2017</a:t>
+            </a:r>
+          </a:p>
+        </p:txBody>
+      </p:sp>
+      <p:sp>
+        <p:nvSpPr>
+          <p:cNvPr id="5" name="Foliennummernplatzhalter 4">
+            <a:extLst>
+              <a:ext uri="{FF2B5EF4-FFF2-40B4-BE49-F238E27FC236}">
+                <a16:creationId xmlns:a16="http://schemas.microsoft.com/office/drawing/2014/main" id="{5BD108FC-08C6-4052-A79B-33E0B35E10D3}"/>
+              </a:ext>
+            </a:extLst>
+          </p:cNvPr>
+          <p:cNvSpPr>
+            <a:spLocks noGrp="1"/>
+          </p:cNvSpPr>
+          <p:nvPr>
+            <p:ph type="sldNum" sz="quarter" idx="11"/>
+          </p:nvPr>
+        </p:nvSpPr>
+        <p:spPr/>
+        <p:txBody>
+          <a:bodyPr/>
+          <a:lstStyle/>
+          <a:p>
+            <a:fld id="{9C769D77-A6BD-4055-B1F5-206E3089995D}" type="slidenum">
+              <a:rPr lang="de-DE" smtClean="0"/>
+              <a:t>24</a:t>
+            </a:fld>
+            <a:endParaRPr lang="de-DE"/>
+          </a:p>
+        </p:txBody>
+      </p:sp>
+      <p:sp>
+        <p:nvSpPr>
+          <p:cNvPr id="8" name="Textfeld 7">
+            <a:extLst>
+              <a:ext uri="{FF2B5EF4-FFF2-40B4-BE49-F238E27FC236}">
+                <a16:creationId xmlns:a16="http://schemas.microsoft.com/office/drawing/2014/main" id="{58AE4FDA-38E4-4472-970D-70EE51E61CF0}"/>
+              </a:ext>
+            </a:extLst>
+          </p:cNvPr>
+          <p:cNvSpPr txBox="1"/>
+          <p:nvPr/>
+        </p:nvSpPr>
+        <p:spPr>
+          <a:xfrm>
+            <a:off x="719667" y="3215144"/>
+            <a:ext cx="4067018" cy="1200329"/>
+          </a:xfrm>
+          <a:prstGeom prst="rect">
+            <a:avLst/>
+          </a:prstGeom>
+          <a:noFill/>
+        </p:spPr>
+        <p:txBody>
+          <a:bodyPr wrap="square" rtlCol="0">
+            <a:spAutoFit/>
+          </a:bodyPr>
+          <a:lstStyle/>
+          <a:p>
+            <a:pPr algn="l"/>
+            <a:r>
+              <a:rPr lang="de-DE" dirty="0"/>
               <a:t>In der </a:t>
             </a:r>
             <a:r>
@@ -6706,8 +7357,8 @@
         </p:nvSpPr>
         <p:spPr>
           <a:xfrm>
-            <a:off x="787179" y="4730627"/>
-            <a:ext cx="3840480" cy="461665"/>
+            <a:off x="719667" y="4730627"/>
+            <a:ext cx="3907992" cy="461665"/>
           </a:xfrm>
           <a:prstGeom prst="rect">
             <a:avLst/>
@@ -6770,6 +7421,153 @@
     <p:extLst>
       <p:ext uri="{BB962C8B-B14F-4D97-AF65-F5344CB8AC3E}">
         <p14:creationId xmlns:p14="http://schemas.microsoft.com/office/powerpoint/2010/main" val="2938804235"/>
+      </p:ext>
+    </p:extLst>
+  </p:cSld>
+  <p:clrMapOvr>
+    <a:masterClrMapping/>
+  </p:clrMapOvr>
+</p:sld>
+</file>
+
+<file path=ppt/slides/slide25.xml><?xml version="1.0" encoding="utf-8"?>
+<p:sld xmlns:a="http://schemas.openxmlformats.org/drawingml/2006/main" xmlns:r="http://schemas.openxmlformats.org/officeDocument/2006/relationships" xmlns:p="http://schemas.openxmlformats.org/presentationml/2006/main">
+  <p:cSld>
+    <p:spTree>
+      <p:nvGrpSpPr>
+        <p:cNvPr id="1" name=""/>
+        <p:cNvGrpSpPr/>
+        <p:nvPr/>
+      </p:nvGrpSpPr>
+      <p:grpSpPr>
+        <a:xfrm>
+          <a:off x="0" y="0"/>
+          <a:ext cx="0" cy="0"/>
+          <a:chOff x="0" y="0"/>
+          <a:chExt cx="0" cy="0"/>
+        </a:xfrm>
+      </p:grpSpPr>
+      <p:sp>
+        <p:nvSpPr>
+          <p:cNvPr id="5" name="Foliennummernplatzhalter 4">
+            <a:extLst>
+              <a:ext uri="{FF2B5EF4-FFF2-40B4-BE49-F238E27FC236}">
+                <a16:creationId xmlns:a16="http://schemas.microsoft.com/office/drawing/2014/main" id="{AEEA0FEA-444C-4A68-B91E-803FA62B6450}"/>
+              </a:ext>
+            </a:extLst>
+          </p:cNvPr>
+          <p:cNvSpPr>
+            <a:spLocks noGrp="1"/>
+          </p:cNvSpPr>
+          <p:nvPr>
+            <p:ph type="sldNum" sz="quarter" idx="11"/>
+          </p:nvPr>
+        </p:nvSpPr>
+        <p:spPr/>
+        <p:txBody>
+          <a:bodyPr/>
+          <a:lstStyle/>
+          <a:p>
+            <a:endParaRPr lang="de-DE" dirty="0"/>
+          </a:p>
+        </p:txBody>
+      </p:sp>
+      <p:sp>
+        <p:nvSpPr>
+          <p:cNvPr id="4" name="Fußzeilenplatzhalter 3">
+            <a:extLst>
+              <a:ext uri="{FF2B5EF4-FFF2-40B4-BE49-F238E27FC236}">
+                <a16:creationId xmlns:a16="http://schemas.microsoft.com/office/drawing/2014/main" id="{4EE79678-7A21-4C1C-9771-FD920C9A870B}"/>
+              </a:ext>
+            </a:extLst>
+          </p:cNvPr>
+          <p:cNvSpPr>
+            <a:spLocks noGrp="1"/>
+          </p:cNvSpPr>
+          <p:nvPr>
+            <p:ph type="ftr" sz="quarter" idx="10"/>
+          </p:nvPr>
+        </p:nvSpPr>
+        <p:spPr/>
+        <p:txBody>
+          <a:bodyPr/>
+          <a:lstStyle/>
+          <a:p>
+            <a:r>
+              <a:rPr lang="de-DE" dirty="0" err="1"/>
+              <a:t>Jav</a:t>
+            </a:r>
+            <a:r>
+              <a:rPr lang="de-DE" dirty="0"/>
+              <a:t> E - Übung 2 | Anwendungssysteme SS 2017</a:t>
+            </a:r>
+          </a:p>
+        </p:txBody>
+      </p:sp>
+      <p:sp>
+        <p:nvSpPr>
+          <p:cNvPr id="2" name="Titel 1">
+            <a:extLst>
+              <a:ext uri="{FF2B5EF4-FFF2-40B4-BE49-F238E27FC236}">
+                <a16:creationId xmlns:a16="http://schemas.microsoft.com/office/drawing/2014/main" id="{FA967CCD-16D6-40CC-8E37-CFF4AEFD2F1C}"/>
+              </a:ext>
+            </a:extLst>
+          </p:cNvPr>
+          <p:cNvSpPr>
+            <a:spLocks noGrp="1"/>
+          </p:cNvSpPr>
+          <p:nvPr>
+            <p:ph type="title"/>
+          </p:nvPr>
+        </p:nvSpPr>
+        <p:spPr/>
+        <p:txBody>
+          <a:bodyPr/>
+          <a:lstStyle/>
+          <a:p>
+            <a:endParaRPr lang="de-DE"/>
+          </a:p>
+        </p:txBody>
+      </p:sp>
+      <p:pic>
+        <p:nvPicPr>
+          <p:cNvPr id="7" name="Inhaltsplatzhalter 6">
+            <a:extLst>
+              <a:ext uri="{FF2B5EF4-FFF2-40B4-BE49-F238E27FC236}">
+                <a16:creationId xmlns:a16="http://schemas.microsoft.com/office/drawing/2014/main" id="{BDDECA5D-EB67-4D90-8664-56045ADE608E}"/>
+              </a:ext>
+            </a:extLst>
+          </p:cNvPr>
+          <p:cNvPicPr>
+            <a:picLocks noGrp="1" noChangeAspect="1"/>
+          </p:cNvPicPr>
+          <p:nvPr>
+            <p:ph idx="1"/>
+          </p:nvPr>
+        </p:nvPicPr>
+        <p:blipFill>
+          <a:blip r:embed="rId2">
+            <a:extLst>
+              <a:ext uri="{28A0092B-C50C-407E-A947-70E740481C1C}">
+                <a14:useLocalDpi xmlns:a14="http://schemas.microsoft.com/office/drawing/2010/main" val="0"/>
+              </a:ext>
+            </a:extLst>
+          </a:blip>
+          <a:stretch>
+            <a:fillRect/>
+          </a:stretch>
+        </p:blipFill>
+        <p:spPr>
+          <a:xfrm>
+            <a:off x="0" y="0"/>
+            <a:ext cx="12192000" cy="6858000"/>
+          </a:xfrm>
+        </p:spPr>
+      </p:pic>
+    </p:spTree>
+    <p:extLst>
+      <p:ext uri="{BB962C8B-B14F-4D97-AF65-F5344CB8AC3E}">
+        <p14:creationId xmlns:p14="http://schemas.microsoft.com/office/powerpoint/2010/main" val="465759368"/>
       </p:ext>
     </p:extLst>
   </p:cSld>
@@ -7078,7 +7876,7 @@
           <a:p>
             <a:r>
               <a:rPr lang="de-DE" dirty="0"/>
-              <a:t>	User: 		Zusätzlich zu den vorgegebenen Methoden enthält die Klasse User Methoden zum Login und Logout von 		Benutzern.</a:t>
+              <a:t>	User: 		Zusätzlich zu den vorgegebenen Methoden enthält die Klasse User Methoden die Formulare zum Login und 		Logout von Usern bereitstellen, sowie zum Hinzufügen von Smartmetern und Ablesungen.</a:t>
             </a:r>
           </a:p>
           <a:p>
@@ -7158,7 +7956,7 @@
             </a:r>
             <a:r>
               <a:rPr lang="de-DE" dirty="0"/>
-              <a:t>-		Beziehung. Die Zeitpunkte der Ablesungen werden mitgespeichert.	</a:t>
+              <a:t>-		Beziehung. Die Zeitpunkte der Ablesungen werden im Konstruktor mitgespeichert.	</a:t>
             </a:r>
           </a:p>
           <a:p>
@@ -7350,12 +8148,16 @@
           <a:lstStyle/>
           <a:p>
             <a:r>
+              <a:rPr lang="de-DE" dirty="0"/>
+              <a:t>	</a:t>
+            </a:r>
+            <a:r>
               <a:rPr lang="de-DE" dirty="0" err="1"/>
               <a:t>UserDao</a:t>
             </a:r>
             <a:r>
               <a:rPr lang="de-DE" dirty="0"/>
-              <a:t>:		Der </a:t>
+              <a:t>:	Der </a:t>
             </a:r>
             <a:r>
               <a:rPr lang="de-DE" dirty="0" err="1"/>
@@ -7363,7 +8165,7 @@
             </a:r>
             <a:r>
               <a:rPr lang="de-DE" dirty="0"/>
-              <a:t> kann neue User speichern, User finden, eine Liste aller User zurückgeben sowie das letzte 		</a:t>
+              <a:t> kann neue User in der Usertabelle speichern, User finden, eine Liste aller User 	zurückgeben sowie 		das letzte </a:t>
             </a:r>
             <a:r>
               <a:rPr lang="de-DE" dirty="0" err="1"/>
@@ -7379,6 +8181,10 @@
           </a:p>
           <a:p>
             <a:r>
+              <a:rPr lang="de-DE" dirty="0"/>
+              <a:t>	</a:t>
+            </a:r>
+            <a:r>
               <a:rPr lang="de-DE" dirty="0" err="1"/>
               <a:t>SmartMeterDao</a:t>
             </a:r>
@@ -7392,13 +8198,17 @@
             </a:r>
             <a:r>
               <a:rPr lang="de-DE" dirty="0"/>
-              <a:t> kann neue Smartmeter speichern, Smartmeter finden und eine Liste aller Smartmeter 		zurückgeben.</a:t>
+              <a:t> kann neue Smartmeter in der Smartmetertabelle speichern, Smartmeter finden und eine 		Liste aller Smartmeter 	zurückgeben.</a:t>
             </a:r>
           </a:p>
           <a:p>
             <a:endParaRPr lang="de-DE" dirty="0"/>
           </a:p>
           <a:p>
+            <a:r>
+              <a:rPr lang="de-DE" dirty="0"/>
+              <a:t>	</a:t>
+            </a:r>
             <a:r>
               <a:rPr lang="de-DE" dirty="0" err="1"/>
               <a:t>RecordDao</a:t>
@@ -7413,7 +8223,15 @@
             </a:r>
             <a:r>
               <a:rPr lang="de-DE" dirty="0"/>
-              <a:t> kann neue Records speichern und eine Liste aller Records zurückgeben.	</a:t>
+              <a:t> kann neue Records in der </a:t>
+            </a:r>
+            <a:r>
+              <a:rPr lang="de-DE" dirty="0" err="1"/>
+              <a:t>Recordtabelle</a:t>
+            </a:r>
+            <a:r>
+              <a:rPr lang="de-DE" dirty="0"/>
+              <a:t> speichern und eine Liste aller Records zurückgeben.	</a:t>
             </a:r>
           </a:p>
         </p:txBody>
@@ -7590,50 +8408,79 @@
           <a:lstStyle/>
           <a:p>
             <a:r>
+              <a:rPr lang="de-DE" dirty="0"/>
+              <a:t>	</a:t>
+            </a:r>
+            <a:r>
               <a:rPr lang="de-DE" dirty="0" err="1"/>
               <a:t>SmartMeterServlet</a:t>
             </a:r>
             <a:r>
               <a:rPr lang="de-DE" dirty="0"/>
+              <a:t>: Das </a:t>
+            </a:r>
+            <a:r>
+              <a:rPr lang="de-DE" dirty="0" err="1"/>
+              <a:t>SmartmeterServlet</a:t>
+            </a:r>
+            <a:r>
+              <a:rPr lang="de-DE" dirty="0"/>
+              <a:t> übernimmt die Aufgabe, die Liste von angelegten Smartmeters anzuzeigen. 			Zudem wird hier die Erstellung von neuen Smartmetern veranlasst. </a:t>
+            </a:r>
+          </a:p>
+          <a:p>
+            <a:endParaRPr lang="de-DE" dirty="0"/>
+          </a:p>
+          <a:p>
+            <a:r>
+              <a:rPr lang="de-DE" dirty="0"/>
+              <a:t>	</a:t>
+            </a:r>
+            <a:r>
+              <a:rPr lang="de-DE" dirty="0" err="1"/>
+              <a:t>LoginServlet</a:t>
+            </a:r>
+            <a:r>
+              <a:rPr lang="de-DE" dirty="0"/>
+              <a:t>:	Setzt den Login um, zudem können von hier aus neue User angelegt werden.</a:t>
+            </a:r>
+          </a:p>
+          <a:p>
+            <a:r>
+              <a:rPr lang="de-DE" dirty="0"/>
+              <a:t>	</a:t>
+            </a:r>
+          </a:p>
+          <a:p>
+            <a:r>
+              <a:rPr lang="de-DE" dirty="0"/>
+              <a:t>	</a:t>
+            </a:r>
+            <a:r>
+              <a:rPr lang="de-DE" dirty="0" err="1"/>
+              <a:t>LogoutServlet</a:t>
+            </a:r>
+            <a:r>
+              <a:rPr lang="de-DE" dirty="0"/>
               <a:t>: 	Das </a:t>
             </a:r>
             <a:r>
               <a:rPr lang="de-DE" dirty="0" err="1"/>
-              <a:t>SmartMeterServlet</a:t>
-            </a:r>
-            <a:r>
-              <a:rPr lang="de-DE" dirty="0"/>
-              <a:t> übernimmt die Aufgabe, die Liste von </a:t>
-            </a:r>
-            <a:r>
-              <a:rPr lang="de-DE" dirty="0" err="1"/>
-              <a:t>angelgten</a:t>
-            </a:r>
-            <a:r>
-              <a:rPr lang="de-DE" dirty="0"/>
-              <a:t> </a:t>
-            </a:r>
-            <a:r>
-              <a:rPr lang="de-DE" dirty="0" err="1"/>
-              <a:t>SmartMeters</a:t>
-            </a:r>
-            <a:r>
-              <a:rPr lang="de-DE" dirty="0"/>
-              <a:t> anzuzeigen. Zudem 		können neue Smartmeter erstellt werden. Auch der Userlogin/</a:t>
-            </a:r>
-            <a:r>
-              <a:rPr lang="de-DE" dirty="0" err="1"/>
-              <a:t>logout</a:t>
-            </a:r>
-            <a:r>
-              <a:rPr lang="de-DE" dirty="0"/>
-              <a:t>  werden hier umgesetzt sowie die Erstellung 		von neuen Usern.</a:t>
+              <a:t>LogoutServlet</a:t>
+            </a:r>
+            <a:r>
+              <a:rPr lang="de-DE" dirty="0"/>
+              <a:t> kümmert sich um den Logout von Usern.</a:t>
             </a:r>
           </a:p>
           <a:p>
             <a:endParaRPr lang="de-DE" dirty="0"/>
           </a:p>
           <a:p>
+            <a:r>
+              <a:rPr lang="de-DE" dirty="0"/>
+              <a:t>	</a:t>
+            </a:r>
             <a:r>
               <a:rPr lang="de-DE" dirty="0" err="1"/>
               <a:t>DetailServlet</a:t>
@@ -7648,7 +8495,7 @@
             </a:r>
             <a:r>
               <a:rPr lang="de-DE" dirty="0"/>
-              <a:t> übernimmt die Darstellung eines spezifischen Smartmeters mit dessen Attributen. Es prüft 		zudem, ob ein User angemeldet ist. Ist dies der Fall kann der User neue Ablesungen vornehmen, welche erstellt 		und gespeichert werden.</a:t>
+              <a:t> übernimmt die Darstellung eines spezifischen Smartmeters mit dessen Attributen. Es prüft 		zudem, ob ein User angemeldet ist. Ist dies der Fall kann der User neue Ablesungen vornehmen, welche mit Hilfe 		der EJBs erstellt und gespeichert werden.</a:t>
             </a:r>
           </a:p>
         </p:txBody>
@@ -7875,7 +8722,7 @@
         <p:spPr>
           <a:xfrm>
             <a:off x="641291" y="2280792"/>
-            <a:ext cx="3164356" cy="830997"/>
+            <a:ext cx="3164356" cy="1015663"/>
           </a:xfrm>
           <a:prstGeom prst="rect">
             <a:avLst/>
@@ -7907,7 +8754,7 @@
             </a:r>
             <a:r>
               <a:rPr lang="de-DE" dirty="0"/>
-              <a:t> zwischengespeichert wird.</a:t>
+              <a:t> als Hilfsvariable eingetragen wird.</a:t>
             </a:r>
           </a:p>
         </p:txBody>
@@ -8059,12 +8906,100 @@
           </a:p>
         </p:txBody>
       </p:sp>
+      <p:sp>
+        <p:nvSpPr>
+          <p:cNvPr id="12" name="Textfeld 11">
+            <a:extLst>
+              <a:ext uri="{FF2B5EF4-FFF2-40B4-BE49-F238E27FC236}">
+                <a16:creationId xmlns:a16="http://schemas.microsoft.com/office/drawing/2014/main" id="{3F809EB4-4F26-463D-BAE7-CA4C65ED9FA7}"/>
+              </a:ext>
+            </a:extLst>
+          </p:cNvPr>
+          <p:cNvSpPr txBox="1"/>
+          <p:nvPr/>
+        </p:nvSpPr>
+        <p:spPr>
+          <a:xfrm>
+            <a:off x="719667" y="2899954"/>
+            <a:ext cx="2937933" cy="461665"/>
+          </a:xfrm>
+          <a:prstGeom prst="rect">
+            <a:avLst/>
+          </a:prstGeom>
+          <a:noFill/>
+        </p:spPr>
+        <p:txBody>
+          <a:bodyPr wrap="square" rtlCol="0">
+            <a:spAutoFit/>
+          </a:bodyPr>
+          <a:lstStyle/>
+          <a:p>
+            <a:pPr algn="l"/>
+            <a:r>
+              <a:rPr lang="de-DE" dirty="0"/>
+              <a:t>Zur Anmeldung der User wird eine </a:t>
+            </a:r>
+            <a:r>
+              <a:rPr lang="de-DE" dirty="0" err="1"/>
+              <a:t>Loginform</a:t>
+            </a:r>
+            <a:r>
+              <a:rPr lang="de-DE" dirty="0"/>
+              <a:t> verwendet.</a:t>
+            </a:r>
+          </a:p>
+        </p:txBody>
+      </p:sp>
+      <p:sp>
+        <p:nvSpPr>
+          <p:cNvPr id="13" name="Textfeld 12">
+            <a:extLst>
+              <a:ext uri="{FF2B5EF4-FFF2-40B4-BE49-F238E27FC236}">
+                <a16:creationId xmlns:a16="http://schemas.microsoft.com/office/drawing/2014/main" id="{69138EA9-B62E-482F-BF14-C55319A28ADF}"/>
+              </a:ext>
+            </a:extLst>
+          </p:cNvPr>
+          <p:cNvSpPr txBox="1"/>
+          <p:nvPr/>
+        </p:nvSpPr>
+        <p:spPr>
+          <a:xfrm>
+            <a:off x="719667" y="5225142"/>
+            <a:ext cx="2937933" cy="461665"/>
+          </a:xfrm>
+          <a:prstGeom prst="rect">
+            <a:avLst/>
+          </a:prstGeom>
+          <a:noFill/>
+        </p:spPr>
+        <p:txBody>
+          <a:bodyPr wrap="square" rtlCol="0">
+            <a:spAutoFit/>
+          </a:bodyPr>
+          <a:lstStyle/>
+          <a:p>
+            <a:pPr algn="l"/>
+            <a:r>
+              <a:rPr lang="de-DE" dirty="0"/>
+              <a:t>Es gibt eine </a:t>
+            </a:r>
+            <a:r>
+              <a:rPr lang="de-DE" dirty="0" err="1"/>
+              <a:t>addDevicesform</a:t>
+            </a:r>
+            <a:r>
+              <a:rPr lang="de-DE" dirty="0"/>
+              <a:t>, um neue Smartmeters einzutragen.</a:t>
+            </a:r>
+          </a:p>
+        </p:txBody>
+      </p:sp>
       <p:pic>
         <p:nvPicPr>
-          <p:cNvPr id="11" name="Inhaltsplatzhalter 10">
-            <a:extLst>
-              <a:ext uri="{FF2B5EF4-FFF2-40B4-BE49-F238E27FC236}">
-                <a16:creationId xmlns:a16="http://schemas.microsoft.com/office/drawing/2014/main" id="{D392C78C-639A-4F8B-B2F4-F313D31296AA}"/>
+          <p:cNvPr id="8" name="Inhaltsplatzhalter 7">
+            <a:extLst>
+              <a:ext uri="{FF2B5EF4-FFF2-40B4-BE49-F238E27FC236}">
+                <a16:creationId xmlns:a16="http://schemas.microsoft.com/office/drawing/2014/main" id="{4DB74401-BDAD-487A-AE7D-744D3B8A64A2}"/>
               </a:ext>
             </a:extLst>
           </p:cNvPr>
@@ -8089,99 +9024,11 @@
         </p:blipFill>
         <p:spPr>
           <a:xfrm>
-            <a:off x="4026333" y="2403565"/>
-            <a:ext cx="7997413" cy="4306797"/>
+            <a:off x="3865742" y="2592125"/>
+            <a:ext cx="8196301" cy="4118238"/>
           </a:xfrm>
         </p:spPr>
       </p:pic>
-      <p:sp>
-        <p:nvSpPr>
-          <p:cNvPr id="12" name="Textfeld 11">
-            <a:extLst>
-              <a:ext uri="{FF2B5EF4-FFF2-40B4-BE49-F238E27FC236}">
-                <a16:creationId xmlns:a16="http://schemas.microsoft.com/office/drawing/2014/main" id="{3F809EB4-4F26-463D-BAE7-CA4C65ED9FA7}"/>
-              </a:ext>
-            </a:extLst>
-          </p:cNvPr>
-          <p:cNvSpPr txBox="1"/>
-          <p:nvPr/>
-        </p:nvSpPr>
-        <p:spPr>
-          <a:xfrm>
-            <a:off x="719667" y="2899954"/>
-            <a:ext cx="2937933" cy="461665"/>
-          </a:xfrm>
-          <a:prstGeom prst="rect">
-            <a:avLst/>
-          </a:prstGeom>
-          <a:noFill/>
-        </p:spPr>
-        <p:txBody>
-          <a:bodyPr wrap="square" rtlCol="0">
-            <a:spAutoFit/>
-          </a:bodyPr>
-          <a:lstStyle/>
-          <a:p>
-            <a:pPr algn="l"/>
-            <a:r>
-              <a:rPr lang="de-DE" dirty="0"/>
-              <a:t>Zur Anmeldung der User wird eine </a:t>
-            </a:r>
-            <a:r>
-              <a:rPr lang="de-DE" dirty="0" err="1"/>
-              <a:t>Loginform</a:t>
-            </a:r>
-            <a:r>
-              <a:rPr lang="de-DE" dirty="0"/>
-              <a:t> verwendet.</a:t>
-            </a:r>
-          </a:p>
-        </p:txBody>
-      </p:sp>
-      <p:sp>
-        <p:nvSpPr>
-          <p:cNvPr id="13" name="Textfeld 12">
-            <a:extLst>
-              <a:ext uri="{FF2B5EF4-FFF2-40B4-BE49-F238E27FC236}">
-                <a16:creationId xmlns:a16="http://schemas.microsoft.com/office/drawing/2014/main" id="{69138EA9-B62E-482F-BF14-C55319A28ADF}"/>
-              </a:ext>
-            </a:extLst>
-          </p:cNvPr>
-          <p:cNvSpPr txBox="1"/>
-          <p:nvPr/>
-        </p:nvSpPr>
-        <p:spPr>
-          <a:xfrm>
-            <a:off x="719667" y="5225142"/>
-            <a:ext cx="2937933" cy="461665"/>
-          </a:xfrm>
-          <a:prstGeom prst="rect">
-            <a:avLst/>
-          </a:prstGeom>
-          <a:noFill/>
-        </p:spPr>
-        <p:txBody>
-          <a:bodyPr wrap="square" rtlCol="0">
-            <a:spAutoFit/>
-          </a:bodyPr>
-          <a:lstStyle/>
-          <a:p>
-            <a:pPr algn="l"/>
-            <a:r>
-              <a:rPr lang="de-DE" dirty="0"/>
-              <a:t>Es gibt eine </a:t>
-            </a:r>
-            <a:r>
-              <a:rPr lang="de-DE" dirty="0" err="1"/>
-              <a:t>addDevicesform</a:t>
-            </a:r>
-            <a:r>
-              <a:rPr lang="de-DE" dirty="0"/>
-              <a:t>, um neue Smartmeters einzutragen.</a:t>
-            </a:r>
-          </a:p>
-        </p:txBody>
-      </p:sp>
     </p:spTree>
     <p:extLst>
       <p:ext uri="{BB962C8B-B14F-4D97-AF65-F5344CB8AC3E}">
@@ -8237,12 +9084,105 @@
           </a:p>
         </p:txBody>
       </p:sp>
+      <p:sp>
+        <p:nvSpPr>
+          <p:cNvPr id="4" name="Fußzeilenplatzhalter 3">
+            <a:extLst>
+              <a:ext uri="{FF2B5EF4-FFF2-40B4-BE49-F238E27FC236}">
+                <a16:creationId xmlns:a16="http://schemas.microsoft.com/office/drawing/2014/main" id="{92E69F91-055A-4471-B849-9245D06D9698}"/>
+              </a:ext>
+            </a:extLst>
+          </p:cNvPr>
+          <p:cNvSpPr>
+            <a:spLocks noGrp="1"/>
+          </p:cNvSpPr>
+          <p:nvPr>
+            <p:ph type="ftr" sz="quarter" idx="10"/>
+          </p:nvPr>
+        </p:nvSpPr>
+        <p:spPr/>
+        <p:txBody>
+          <a:bodyPr/>
+          <a:lstStyle/>
+          <a:p>
+            <a:r>
+              <a:rPr lang="de-DE"/>
+              <a:t>Java EE - Übung 2 | Anwendungssysteme SS 2017</a:t>
+            </a:r>
+          </a:p>
+        </p:txBody>
+      </p:sp>
+      <p:sp>
+        <p:nvSpPr>
+          <p:cNvPr id="5" name="Foliennummernplatzhalter 4">
+            <a:extLst>
+              <a:ext uri="{FF2B5EF4-FFF2-40B4-BE49-F238E27FC236}">
+                <a16:creationId xmlns:a16="http://schemas.microsoft.com/office/drawing/2014/main" id="{F8BCD1D1-4C69-4370-9B8D-24FB92D07CE9}"/>
+              </a:ext>
+            </a:extLst>
+          </p:cNvPr>
+          <p:cNvSpPr>
+            <a:spLocks noGrp="1"/>
+          </p:cNvSpPr>
+          <p:nvPr>
+            <p:ph type="sldNum" sz="quarter" idx="11"/>
+          </p:nvPr>
+        </p:nvSpPr>
+        <p:spPr/>
+        <p:txBody>
+          <a:bodyPr/>
+          <a:lstStyle/>
+          <a:p>
+            <a:fld id="{9C769D77-A6BD-4055-B1F5-206E3089995D}" type="slidenum">
+              <a:rPr lang="de-DE" smtClean="0"/>
+              <a:t>9</a:t>
+            </a:fld>
+            <a:endParaRPr lang="de-DE"/>
+          </a:p>
+        </p:txBody>
+      </p:sp>
+      <p:sp>
+        <p:nvSpPr>
+          <p:cNvPr id="8" name="Textfeld 7">
+            <a:extLst>
+              <a:ext uri="{FF2B5EF4-FFF2-40B4-BE49-F238E27FC236}">
+                <a16:creationId xmlns:a16="http://schemas.microsoft.com/office/drawing/2014/main" id="{8881B5FD-53E5-401C-98FE-28F5EA18E4B0}"/>
+              </a:ext>
+            </a:extLst>
+          </p:cNvPr>
+          <p:cNvSpPr txBox="1"/>
+          <p:nvPr/>
+        </p:nvSpPr>
+        <p:spPr>
+          <a:xfrm>
+            <a:off x="719667" y="2751909"/>
+            <a:ext cx="3721703" cy="461665"/>
+          </a:xfrm>
+          <a:prstGeom prst="rect">
+            <a:avLst/>
+          </a:prstGeom>
+          <a:noFill/>
+        </p:spPr>
+        <p:txBody>
+          <a:bodyPr wrap="square" rtlCol="0">
+            <a:spAutoFit/>
+          </a:bodyPr>
+          <a:lstStyle/>
+          <a:p>
+            <a:pPr algn="l"/>
+            <a:r>
+              <a:rPr lang="de-DE" dirty="0"/>
+              <a:t>Zudem gibt es natürlich auch eine Logoutform und eine Ableseform um Ablesungen einzutragen.</a:t>
+            </a:r>
+          </a:p>
+        </p:txBody>
+      </p:sp>
       <p:pic>
         <p:nvPicPr>
-          <p:cNvPr id="7" name="Inhaltsplatzhalter 6">
-            <a:extLst>
-              <a:ext uri="{FF2B5EF4-FFF2-40B4-BE49-F238E27FC236}">
-                <a16:creationId xmlns:a16="http://schemas.microsoft.com/office/drawing/2014/main" id="{C5A58A50-8D67-4F19-949C-7765AB2EF1E0}"/>
+          <p:cNvPr id="10" name="Inhaltsplatzhalter 9">
+            <a:extLst>
+              <a:ext uri="{FF2B5EF4-FFF2-40B4-BE49-F238E27FC236}">
+                <a16:creationId xmlns:a16="http://schemas.microsoft.com/office/drawing/2014/main" id="{342F8750-6BC3-4B4E-83D3-C69FAA9AAE10}"/>
               </a:ext>
             </a:extLst>
           </p:cNvPr>
@@ -8267,104 +9207,11 @@
         </p:blipFill>
         <p:spPr>
           <a:xfrm>
-            <a:off x="4813874" y="1538858"/>
-            <a:ext cx="7047199" cy="5171505"/>
+            <a:off x="5532163" y="2274223"/>
+            <a:ext cx="6323232" cy="4583777"/>
           </a:xfrm>
         </p:spPr>
       </p:pic>
-      <p:sp>
-        <p:nvSpPr>
-          <p:cNvPr id="4" name="Fußzeilenplatzhalter 3">
-            <a:extLst>
-              <a:ext uri="{FF2B5EF4-FFF2-40B4-BE49-F238E27FC236}">
-                <a16:creationId xmlns:a16="http://schemas.microsoft.com/office/drawing/2014/main" id="{92E69F91-055A-4471-B849-9245D06D9698}"/>
-              </a:ext>
-            </a:extLst>
-          </p:cNvPr>
-          <p:cNvSpPr>
-            <a:spLocks noGrp="1"/>
-          </p:cNvSpPr>
-          <p:nvPr>
-            <p:ph type="ftr" sz="quarter" idx="10"/>
-          </p:nvPr>
-        </p:nvSpPr>
-        <p:spPr/>
-        <p:txBody>
-          <a:bodyPr/>
-          <a:lstStyle/>
-          <a:p>
-            <a:r>
-              <a:rPr lang="de-DE"/>
-              <a:t>Java EE - Übung 2 | Anwendungssysteme SS 2017</a:t>
-            </a:r>
-          </a:p>
-        </p:txBody>
-      </p:sp>
-      <p:sp>
-        <p:nvSpPr>
-          <p:cNvPr id="5" name="Foliennummernplatzhalter 4">
-            <a:extLst>
-              <a:ext uri="{FF2B5EF4-FFF2-40B4-BE49-F238E27FC236}">
-                <a16:creationId xmlns:a16="http://schemas.microsoft.com/office/drawing/2014/main" id="{F8BCD1D1-4C69-4370-9B8D-24FB92D07CE9}"/>
-              </a:ext>
-            </a:extLst>
-          </p:cNvPr>
-          <p:cNvSpPr>
-            <a:spLocks noGrp="1"/>
-          </p:cNvSpPr>
-          <p:nvPr>
-            <p:ph type="sldNum" sz="quarter" idx="11"/>
-          </p:nvPr>
-        </p:nvSpPr>
-        <p:spPr/>
-        <p:txBody>
-          <a:bodyPr/>
-          <a:lstStyle/>
-          <a:p>
-            <a:fld id="{9C769D77-A6BD-4055-B1F5-206E3089995D}" type="slidenum">
-              <a:rPr lang="de-DE" smtClean="0"/>
-              <a:t>9</a:t>
-            </a:fld>
-            <a:endParaRPr lang="de-DE"/>
-          </a:p>
-        </p:txBody>
-      </p:sp>
-      <p:sp>
-        <p:nvSpPr>
-          <p:cNvPr id="8" name="Textfeld 7">
-            <a:extLst>
-              <a:ext uri="{FF2B5EF4-FFF2-40B4-BE49-F238E27FC236}">
-                <a16:creationId xmlns:a16="http://schemas.microsoft.com/office/drawing/2014/main" id="{8881B5FD-53E5-401C-98FE-28F5EA18E4B0}"/>
-              </a:ext>
-            </a:extLst>
-          </p:cNvPr>
-          <p:cNvSpPr txBox="1"/>
-          <p:nvPr/>
-        </p:nvSpPr>
-        <p:spPr>
-          <a:xfrm>
-            <a:off x="719667" y="2751909"/>
-            <a:ext cx="3721703" cy="461665"/>
-          </a:xfrm>
-          <a:prstGeom prst="rect">
-            <a:avLst/>
-          </a:prstGeom>
-          <a:noFill/>
-        </p:spPr>
-        <p:txBody>
-          <a:bodyPr wrap="square" rtlCol="0">
-            <a:spAutoFit/>
-          </a:bodyPr>
-          <a:lstStyle/>
-          <a:p>
-            <a:pPr algn="l"/>
-            <a:r>
-              <a:rPr lang="de-DE" dirty="0"/>
-              <a:t>Zudem gibt es natürlich auch eine Logoutform und eine Ableseform um Ablesungen einzutragen.</a:t>
-            </a:r>
-          </a:p>
-        </p:txBody>
-      </p:sp>
     </p:spTree>
     <p:extLst>
       <p:ext uri="{BB962C8B-B14F-4D97-AF65-F5344CB8AC3E}">

--- a/PräsentationJavaEE.pptx
+++ b/PräsentationJavaEE.pptx
@@ -5,7 +5,7 @@
     <p:sldMasterId id="2147483660" r:id="rId1"/>
   </p:sldMasterIdLst>
   <p:notesMasterIdLst>
-    <p:notesMasterId r:id="rId27"/>
+    <p:notesMasterId r:id="rId34"/>
   </p:notesMasterIdLst>
   <p:sldIdLst>
     <p:sldId id="256" r:id="rId2"/>
@@ -33,6 +33,13 @@
     <p:sldId id="277" r:id="rId24"/>
     <p:sldId id="278" r:id="rId25"/>
     <p:sldId id="280" r:id="rId26"/>
+    <p:sldId id="284" r:id="rId27"/>
+    <p:sldId id="285" r:id="rId28"/>
+    <p:sldId id="286" r:id="rId29"/>
+    <p:sldId id="287" r:id="rId30"/>
+    <p:sldId id="288" r:id="rId31"/>
+    <p:sldId id="289" r:id="rId32"/>
+    <p:sldId id="290" r:id="rId33"/>
   </p:sldIdLst>
   <p:sldSz cx="12192000" cy="6858000"/>
   <p:notesSz cx="6858000" cy="9144000"/>
@@ -735,7 +742,7 @@
           <a:graphicData uri="http://schemas.openxmlformats.org/presentationml/2006/ole">
             <mc:AlternateContent xmlns:mc="http://schemas.openxmlformats.org/markup-compatibility/2006">
               <mc:Choice xmlns:v="urn:schemas-microsoft-com:vml" Requires="v">
-                <p:oleObj spid="_x0000_s2104" r:id="rId9" imgW="0" imgH="0" progId="TCLayout.ActiveDocument.1">
+                <p:oleObj spid="_x0000_s2114" r:id="rId9" imgW="0" imgH="0" progId="TCLayout.ActiveDocument.1">
                   <p:embed/>
                 </p:oleObj>
               </mc:Choice>
@@ -2831,7 +2838,7 @@
           <a:graphicData uri="http://schemas.openxmlformats.org/presentationml/2006/ole">
             <mc:AlternateContent xmlns:mc="http://schemas.openxmlformats.org/markup-compatibility/2006">
               <mc:Choice xmlns:v="urn:schemas-microsoft-com:vml" Requires="v">
-                <p:oleObj spid="_x0000_s1080" r:id="rId20" imgW="0" imgH="0" progId="TCLayout.ActiveDocument.1">
+                <p:oleObj spid="_x0000_s1090" r:id="rId20" imgW="0" imgH="0" progId="TCLayout.ActiveDocument.1">
                   <p:embed/>
                 </p:oleObj>
               </mc:Choice>
@@ -4643,23 +4650,7 @@
             </a:r>
             <a:r>
               <a:rPr lang="de-DE" dirty="0"/>
-              <a:t>. Der Ablesezeitpunkt wird </a:t>
-            </a:r>
-            <a:r>
-              <a:rPr lang="de-DE"/>
-              <a:t>im </a:t>
-            </a:r>
-            <a:r>
-              <a:rPr lang="de-DE" dirty="0"/>
-              <a:t>K</a:t>
-            </a:r>
-            <a:r>
-              <a:rPr lang="de-DE"/>
-              <a:t>onstruktor </a:t>
-            </a:r>
-            <a:r>
-              <a:rPr lang="de-DE" dirty="0"/>
-              <a:t>gesetzt.</a:t>
+              <a:t>. Der Ablesezeitpunkt wird im Konstruktor gesetzt.</a:t>
             </a:r>
           </a:p>
         </p:txBody>
@@ -7577,6 +7568,795 @@
 </p:sld>
 </file>
 
+<file path=ppt/slides/slide26.xml><?xml version="1.0" encoding="utf-8"?>
+<p:sld xmlns:a="http://schemas.openxmlformats.org/drawingml/2006/main" xmlns:r="http://schemas.openxmlformats.org/officeDocument/2006/relationships" xmlns:p="http://schemas.openxmlformats.org/presentationml/2006/main">
+  <p:cSld>
+    <p:spTree>
+      <p:nvGrpSpPr>
+        <p:cNvPr id="1" name=""/>
+        <p:cNvGrpSpPr/>
+        <p:nvPr/>
+      </p:nvGrpSpPr>
+      <p:grpSpPr>
+        <a:xfrm>
+          <a:off x="0" y="0"/>
+          <a:ext cx="0" cy="0"/>
+          <a:chOff x="0" y="0"/>
+          <a:chExt cx="0" cy="0"/>
+        </a:xfrm>
+      </p:grpSpPr>
+      <p:sp>
+        <p:nvSpPr>
+          <p:cNvPr id="2" name="Titel 1">
+            <a:extLst>
+              <a:ext uri="{FF2B5EF4-FFF2-40B4-BE49-F238E27FC236}">
+                <a16:creationId xmlns:a16="http://schemas.microsoft.com/office/drawing/2014/main" id="{E0B24F67-633F-4D7F-BD8C-1142343EDB97}"/>
+              </a:ext>
+            </a:extLst>
+          </p:cNvPr>
+          <p:cNvSpPr>
+            <a:spLocks noGrp="1"/>
+          </p:cNvSpPr>
+          <p:nvPr>
+            <p:ph type="title"/>
+          </p:nvPr>
+        </p:nvSpPr>
+        <p:spPr>
+          <a:xfrm>
+            <a:off x="719668" y="1740115"/>
+            <a:ext cx="10748433" cy="358560"/>
+          </a:xfrm>
+        </p:spPr>
+        <p:txBody>
+          <a:bodyPr/>
+          <a:lstStyle/>
+          <a:p>
+            <a:r>
+              <a:rPr lang="de-DE" dirty="0"/>
+              <a:t>JSPs – </a:t>
+            </a:r>
+            <a:r>
+              <a:rPr lang="de-DE" dirty="0" err="1"/>
+              <a:t>index.jsp</a:t>
+            </a:r>
+            <a:endParaRPr lang="de-DE" dirty="0"/>
+          </a:p>
+        </p:txBody>
+      </p:sp>
+      <p:sp>
+        <p:nvSpPr>
+          <p:cNvPr id="4" name="Fußzeilenplatzhalter 3">
+            <a:extLst>
+              <a:ext uri="{FF2B5EF4-FFF2-40B4-BE49-F238E27FC236}">
+                <a16:creationId xmlns:a16="http://schemas.microsoft.com/office/drawing/2014/main" id="{A30313BD-05BF-4E51-ACDC-83C76288A26F}"/>
+              </a:ext>
+            </a:extLst>
+          </p:cNvPr>
+          <p:cNvSpPr>
+            <a:spLocks noGrp="1"/>
+          </p:cNvSpPr>
+          <p:nvPr>
+            <p:ph type="ftr" sz="quarter" idx="10"/>
+          </p:nvPr>
+        </p:nvSpPr>
+        <p:spPr/>
+        <p:txBody>
+          <a:bodyPr/>
+          <a:lstStyle/>
+          <a:p>
+            <a:r>
+              <a:rPr lang="de-DE"/>
+              <a:t>Java EE - Übung 2 | Anwendungssysteme SS 2017</a:t>
+            </a:r>
+          </a:p>
+        </p:txBody>
+      </p:sp>
+      <p:sp>
+        <p:nvSpPr>
+          <p:cNvPr id="5" name="Foliennummernplatzhalter 4">
+            <a:extLst>
+              <a:ext uri="{FF2B5EF4-FFF2-40B4-BE49-F238E27FC236}">
+                <a16:creationId xmlns:a16="http://schemas.microsoft.com/office/drawing/2014/main" id="{E1A2EB18-A293-4F7E-933D-ED605E83A1CA}"/>
+              </a:ext>
+            </a:extLst>
+          </p:cNvPr>
+          <p:cNvSpPr>
+            <a:spLocks noGrp="1"/>
+          </p:cNvSpPr>
+          <p:nvPr>
+            <p:ph type="sldNum" sz="quarter" idx="11"/>
+          </p:nvPr>
+        </p:nvSpPr>
+        <p:spPr/>
+        <p:txBody>
+          <a:bodyPr/>
+          <a:lstStyle/>
+          <a:p>
+            <a:fld id="{9C769D77-A6BD-4055-B1F5-206E3089995D}" type="slidenum">
+              <a:rPr lang="de-DE" smtClean="0"/>
+              <a:t>26</a:t>
+            </a:fld>
+            <a:endParaRPr lang="de-DE"/>
+          </a:p>
+        </p:txBody>
+      </p:sp>
+      <p:pic>
+        <p:nvPicPr>
+          <p:cNvPr id="11" name="Inhaltsplatzhalter 10">
+            <a:extLst>
+              <a:ext uri="{FF2B5EF4-FFF2-40B4-BE49-F238E27FC236}">
+                <a16:creationId xmlns:a16="http://schemas.microsoft.com/office/drawing/2014/main" id="{4F731F81-EABD-41AF-9A72-7AF877ABDF6B}"/>
+              </a:ext>
+            </a:extLst>
+          </p:cNvPr>
+          <p:cNvPicPr>
+            <a:picLocks noGrp="1" noChangeAspect="1"/>
+          </p:cNvPicPr>
+          <p:nvPr>
+            <p:ph idx="1"/>
+          </p:nvPr>
+        </p:nvPicPr>
+        <p:blipFill>
+          <a:blip r:embed="rId2">
+            <a:extLst>
+              <a:ext uri="{28A0092B-C50C-407E-A947-70E740481C1C}">
+                <a14:useLocalDpi xmlns:a14="http://schemas.microsoft.com/office/drawing/2010/main" val="0"/>
+              </a:ext>
+            </a:extLst>
+          </a:blip>
+          <a:stretch>
+            <a:fillRect/>
+          </a:stretch>
+        </p:blipFill>
+        <p:spPr>
+          <a:xfrm>
+            <a:off x="266441" y="2297926"/>
+            <a:ext cx="5140472" cy="4482274"/>
+          </a:xfrm>
+        </p:spPr>
+      </p:pic>
+      <p:pic>
+        <p:nvPicPr>
+          <p:cNvPr id="14" name="Grafik 13">
+            <a:extLst>
+              <a:ext uri="{FF2B5EF4-FFF2-40B4-BE49-F238E27FC236}">
+                <a16:creationId xmlns:a16="http://schemas.microsoft.com/office/drawing/2014/main" id="{45C4F2AC-6B5D-4ECC-B0A6-73C96092D021}"/>
+              </a:ext>
+            </a:extLst>
+          </p:cNvPr>
+          <p:cNvPicPr>
+            <a:picLocks noChangeAspect="1"/>
+          </p:cNvPicPr>
+          <p:nvPr/>
+        </p:nvPicPr>
+        <p:blipFill>
+          <a:blip r:embed="rId3"/>
+          <a:stretch>
+            <a:fillRect/>
+          </a:stretch>
+        </p:blipFill>
+        <p:spPr>
+          <a:xfrm>
+            <a:off x="6631388" y="2369418"/>
+            <a:ext cx="4993419" cy="4416110"/>
+          </a:xfrm>
+          <a:prstGeom prst="rect">
+            <a:avLst/>
+          </a:prstGeom>
+        </p:spPr>
+      </p:pic>
+    </p:spTree>
+    <p:extLst>
+      <p:ext uri="{BB962C8B-B14F-4D97-AF65-F5344CB8AC3E}">
+        <p14:creationId xmlns:p14="http://schemas.microsoft.com/office/powerpoint/2010/main" val="830769965"/>
+      </p:ext>
+    </p:extLst>
+  </p:cSld>
+  <p:clrMapOvr>
+    <a:masterClrMapping/>
+  </p:clrMapOvr>
+</p:sld>
+</file>
+
+<file path=ppt/slides/slide27.xml><?xml version="1.0" encoding="utf-8"?>
+<p:sld xmlns:a="http://schemas.openxmlformats.org/drawingml/2006/main" xmlns:r="http://schemas.openxmlformats.org/officeDocument/2006/relationships" xmlns:p="http://schemas.openxmlformats.org/presentationml/2006/main">
+  <p:cSld>
+    <p:spTree>
+      <p:nvGrpSpPr>
+        <p:cNvPr id="1" name=""/>
+        <p:cNvGrpSpPr/>
+        <p:nvPr/>
+      </p:nvGrpSpPr>
+      <p:grpSpPr>
+        <a:xfrm>
+          <a:off x="0" y="0"/>
+          <a:ext cx="0" cy="0"/>
+          <a:chOff x="0" y="0"/>
+          <a:chExt cx="0" cy="0"/>
+        </a:xfrm>
+      </p:grpSpPr>
+      <p:sp>
+        <p:nvSpPr>
+          <p:cNvPr id="5" name="Foliennummernplatzhalter 4">
+            <a:extLst>
+              <a:ext uri="{FF2B5EF4-FFF2-40B4-BE49-F238E27FC236}">
+                <a16:creationId xmlns:a16="http://schemas.microsoft.com/office/drawing/2014/main" id="{D88860AD-FD94-4165-B678-BCF635658E62}"/>
+              </a:ext>
+            </a:extLst>
+          </p:cNvPr>
+          <p:cNvSpPr>
+            <a:spLocks noGrp="1"/>
+          </p:cNvSpPr>
+          <p:nvPr>
+            <p:ph type="sldNum" sz="quarter" idx="11"/>
+          </p:nvPr>
+        </p:nvSpPr>
+        <p:spPr/>
+        <p:txBody>
+          <a:bodyPr/>
+          <a:lstStyle/>
+          <a:p>
+            <a:fld id="{9C769D77-A6BD-4055-B1F5-206E3089995D}" type="slidenum">
+              <a:rPr lang="de-DE" smtClean="0"/>
+              <a:t>27</a:t>
+            </a:fld>
+            <a:endParaRPr lang="de-DE" dirty="0"/>
+          </a:p>
+        </p:txBody>
+      </p:sp>
+      <p:sp>
+        <p:nvSpPr>
+          <p:cNvPr id="4" name="Fußzeilenplatzhalter 3">
+            <a:extLst>
+              <a:ext uri="{FF2B5EF4-FFF2-40B4-BE49-F238E27FC236}">
+                <a16:creationId xmlns:a16="http://schemas.microsoft.com/office/drawing/2014/main" id="{67DC286F-EE2A-48FD-BFA4-08224A87A796}"/>
+              </a:ext>
+            </a:extLst>
+          </p:cNvPr>
+          <p:cNvSpPr>
+            <a:spLocks noGrp="1"/>
+          </p:cNvSpPr>
+          <p:nvPr>
+            <p:ph type="ftr" sz="quarter" idx="10"/>
+          </p:nvPr>
+        </p:nvSpPr>
+        <p:spPr/>
+        <p:txBody>
+          <a:bodyPr/>
+          <a:lstStyle/>
+          <a:p>
+            <a:r>
+              <a:rPr lang="de-DE" dirty="0"/>
+              <a:t>Java EE - Übung 2 | Anwendungssysteme SS 2017</a:t>
+            </a:r>
+          </a:p>
+        </p:txBody>
+      </p:sp>
+      <p:sp>
+        <p:nvSpPr>
+          <p:cNvPr id="2" name="Titel 1">
+            <a:extLst>
+              <a:ext uri="{FF2B5EF4-FFF2-40B4-BE49-F238E27FC236}">
+                <a16:creationId xmlns:a16="http://schemas.microsoft.com/office/drawing/2014/main" id="{7A0C1303-B868-49B8-A19C-A64042C56845}"/>
+              </a:ext>
+            </a:extLst>
+          </p:cNvPr>
+          <p:cNvSpPr>
+            <a:spLocks noGrp="1"/>
+          </p:cNvSpPr>
+          <p:nvPr>
+            <p:ph type="title"/>
+          </p:nvPr>
+        </p:nvSpPr>
+        <p:spPr/>
+        <p:txBody>
+          <a:bodyPr/>
+          <a:lstStyle/>
+          <a:p>
+            <a:endParaRPr lang="de-DE"/>
+          </a:p>
+        </p:txBody>
+      </p:sp>
+      <p:pic>
+        <p:nvPicPr>
+          <p:cNvPr id="7" name="Inhaltsplatzhalter 6">
+            <a:extLst>
+              <a:ext uri="{FF2B5EF4-FFF2-40B4-BE49-F238E27FC236}">
+                <a16:creationId xmlns:a16="http://schemas.microsoft.com/office/drawing/2014/main" id="{EBE9FDBB-D35B-4DD0-A631-417B312F25C1}"/>
+              </a:ext>
+            </a:extLst>
+          </p:cNvPr>
+          <p:cNvPicPr>
+            <a:picLocks noGrp="1" noChangeAspect="1"/>
+          </p:cNvPicPr>
+          <p:nvPr>
+            <p:ph idx="1"/>
+          </p:nvPr>
+        </p:nvPicPr>
+        <p:blipFill>
+          <a:blip r:embed="rId2">
+            <a:extLst>
+              <a:ext uri="{28A0092B-C50C-407E-A947-70E740481C1C}">
+                <a14:useLocalDpi xmlns:a14="http://schemas.microsoft.com/office/drawing/2010/main" val="0"/>
+              </a:ext>
+            </a:extLst>
+          </a:blip>
+          <a:stretch>
+            <a:fillRect/>
+          </a:stretch>
+        </p:blipFill>
+        <p:spPr>
+          <a:xfrm>
+            <a:off x="719667" y="1717675"/>
+            <a:ext cx="4936573" cy="4289632"/>
+          </a:xfrm>
+        </p:spPr>
+      </p:pic>
+      <p:pic>
+        <p:nvPicPr>
+          <p:cNvPr id="9" name="Grafik 8">
+            <a:extLst>
+              <a:ext uri="{FF2B5EF4-FFF2-40B4-BE49-F238E27FC236}">
+                <a16:creationId xmlns:a16="http://schemas.microsoft.com/office/drawing/2014/main" id="{DDAF5518-4E0C-4D94-89D6-B20B8B4ACF90}"/>
+              </a:ext>
+            </a:extLst>
+          </p:cNvPr>
+          <p:cNvPicPr>
+            <a:picLocks noChangeAspect="1"/>
+          </p:cNvPicPr>
+          <p:nvPr/>
+        </p:nvPicPr>
+        <p:blipFill>
+          <a:blip r:embed="rId3">
+            <a:extLst>
+              <a:ext uri="{28A0092B-C50C-407E-A947-70E740481C1C}">
+                <a14:useLocalDpi xmlns:a14="http://schemas.microsoft.com/office/drawing/2010/main" val="0"/>
+              </a:ext>
+            </a:extLst>
+          </a:blip>
+          <a:stretch>
+            <a:fillRect/>
+          </a:stretch>
+        </p:blipFill>
+        <p:spPr>
+          <a:xfrm>
+            <a:off x="7178746" y="1717675"/>
+            <a:ext cx="3911835" cy="1875143"/>
+          </a:xfrm>
+          <a:prstGeom prst="rect">
+            <a:avLst/>
+          </a:prstGeom>
+        </p:spPr>
+      </p:pic>
+      <p:pic>
+        <p:nvPicPr>
+          <p:cNvPr id="10" name="Grafik 9">
+            <a:extLst>
+              <a:ext uri="{FF2B5EF4-FFF2-40B4-BE49-F238E27FC236}">
+                <a16:creationId xmlns:a16="http://schemas.microsoft.com/office/drawing/2014/main" id="{4F0CAC34-6CCB-45E2-A58D-60A0F2C0AFCA}"/>
+              </a:ext>
+            </a:extLst>
+          </p:cNvPr>
+          <p:cNvPicPr>
+            <a:picLocks noChangeAspect="1"/>
+          </p:cNvPicPr>
+          <p:nvPr/>
+        </p:nvPicPr>
+        <p:blipFill>
+          <a:blip r:embed="rId4"/>
+          <a:stretch>
+            <a:fillRect/>
+          </a:stretch>
+        </p:blipFill>
+        <p:spPr>
+          <a:xfrm>
+            <a:off x="9640389" y="6035040"/>
+            <a:ext cx="1828800" cy="675323"/>
+          </a:xfrm>
+          <a:prstGeom prst="rect">
+            <a:avLst/>
+          </a:prstGeom>
+        </p:spPr>
+      </p:pic>
+    </p:spTree>
+    <p:extLst>
+      <p:ext uri="{BB962C8B-B14F-4D97-AF65-F5344CB8AC3E}">
+        <p14:creationId xmlns:p14="http://schemas.microsoft.com/office/powerpoint/2010/main" val="2587672981"/>
+      </p:ext>
+    </p:extLst>
+  </p:cSld>
+  <p:clrMapOvr>
+    <a:masterClrMapping/>
+  </p:clrMapOvr>
+</p:sld>
+</file>
+
+<file path=ppt/slides/slide28.xml><?xml version="1.0" encoding="utf-8"?>
+<p:sld xmlns:a="http://schemas.openxmlformats.org/drawingml/2006/main" xmlns:r="http://schemas.openxmlformats.org/officeDocument/2006/relationships" xmlns:p="http://schemas.openxmlformats.org/presentationml/2006/main">
+  <p:cSld>
+    <p:spTree>
+      <p:nvGrpSpPr>
+        <p:cNvPr id="1" name=""/>
+        <p:cNvGrpSpPr/>
+        <p:nvPr/>
+      </p:nvGrpSpPr>
+      <p:grpSpPr>
+        <a:xfrm>
+          <a:off x="0" y="0"/>
+          <a:ext cx="0" cy="0"/>
+          <a:chOff x="0" y="0"/>
+          <a:chExt cx="0" cy="0"/>
+        </a:xfrm>
+      </p:grpSpPr>
+      <p:sp>
+        <p:nvSpPr>
+          <p:cNvPr id="5" name="Foliennummernplatzhalter 4">
+            <a:extLst>
+              <a:ext uri="{FF2B5EF4-FFF2-40B4-BE49-F238E27FC236}">
+                <a16:creationId xmlns:a16="http://schemas.microsoft.com/office/drawing/2014/main" id="{9479E92B-765C-44E7-B27E-BFE7BD4E8212}"/>
+              </a:ext>
+            </a:extLst>
+          </p:cNvPr>
+          <p:cNvSpPr>
+            <a:spLocks noGrp="1"/>
+          </p:cNvSpPr>
+          <p:nvPr>
+            <p:ph type="sldNum" sz="quarter" idx="11"/>
+          </p:nvPr>
+        </p:nvSpPr>
+        <p:spPr/>
+        <p:txBody>
+          <a:bodyPr/>
+          <a:lstStyle/>
+          <a:p>
+            <a:fld id="{9C769D77-A6BD-4055-B1F5-206E3089995D}" type="slidenum">
+              <a:rPr lang="de-DE" smtClean="0"/>
+              <a:t>28</a:t>
+            </a:fld>
+            <a:endParaRPr lang="de-DE" dirty="0"/>
+          </a:p>
+        </p:txBody>
+      </p:sp>
+      <p:sp>
+        <p:nvSpPr>
+          <p:cNvPr id="4" name="Fußzeilenplatzhalter 3">
+            <a:extLst>
+              <a:ext uri="{FF2B5EF4-FFF2-40B4-BE49-F238E27FC236}">
+                <a16:creationId xmlns:a16="http://schemas.microsoft.com/office/drawing/2014/main" id="{4B07C131-C57D-4259-ACE7-6FDF2439F1B0}"/>
+              </a:ext>
+            </a:extLst>
+          </p:cNvPr>
+          <p:cNvSpPr>
+            <a:spLocks noGrp="1"/>
+          </p:cNvSpPr>
+          <p:nvPr>
+            <p:ph type="ftr" sz="quarter" idx="10"/>
+          </p:nvPr>
+        </p:nvSpPr>
+        <p:spPr/>
+        <p:txBody>
+          <a:bodyPr/>
+          <a:lstStyle/>
+          <a:p>
+            <a:r>
+              <a:rPr lang="de-DE" dirty="0"/>
+              <a:t>Java EE - Übung 2 | Anwendungssysteme SS 2017</a:t>
+            </a:r>
+          </a:p>
+        </p:txBody>
+      </p:sp>
+      <p:sp>
+        <p:nvSpPr>
+          <p:cNvPr id="2" name="Titel 1">
+            <a:extLst>
+              <a:ext uri="{FF2B5EF4-FFF2-40B4-BE49-F238E27FC236}">
+                <a16:creationId xmlns:a16="http://schemas.microsoft.com/office/drawing/2014/main" id="{1B419D4C-D421-4A42-AC91-AF2DB776BE36}"/>
+              </a:ext>
+            </a:extLst>
+          </p:cNvPr>
+          <p:cNvSpPr>
+            <a:spLocks noGrp="1"/>
+          </p:cNvSpPr>
+          <p:nvPr>
+            <p:ph type="title"/>
+          </p:nvPr>
+        </p:nvSpPr>
+        <p:spPr>
+          <a:xfrm>
+            <a:off x="719668" y="1740115"/>
+            <a:ext cx="10748433" cy="358560"/>
+          </a:xfrm>
+        </p:spPr>
+        <p:txBody>
+          <a:bodyPr/>
+          <a:lstStyle/>
+          <a:p>
+            <a:r>
+              <a:rPr lang="de-DE" dirty="0"/>
+              <a:t>JSPs – </a:t>
+            </a:r>
+            <a:r>
+              <a:rPr lang="de-DE" dirty="0" err="1"/>
+              <a:t>user.jsp</a:t>
+            </a:r>
+            <a:endParaRPr lang="de-DE" dirty="0"/>
+          </a:p>
+        </p:txBody>
+      </p:sp>
+      <p:pic>
+        <p:nvPicPr>
+          <p:cNvPr id="7" name="Inhaltsplatzhalter 6">
+            <a:extLst>
+              <a:ext uri="{FF2B5EF4-FFF2-40B4-BE49-F238E27FC236}">
+                <a16:creationId xmlns:a16="http://schemas.microsoft.com/office/drawing/2014/main" id="{5B566191-56A0-4BB2-A889-3F8655D2FD10}"/>
+              </a:ext>
+            </a:extLst>
+          </p:cNvPr>
+          <p:cNvPicPr>
+            <a:picLocks noGrp="1" noChangeAspect="1"/>
+          </p:cNvPicPr>
+          <p:nvPr>
+            <p:ph idx="1"/>
+          </p:nvPr>
+        </p:nvPicPr>
+        <p:blipFill>
+          <a:blip r:embed="rId2">
+            <a:extLst>
+              <a:ext uri="{28A0092B-C50C-407E-A947-70E740481C1C}">
+                <a14:useLocalDpi xmlns:a14="http://schemas.microsoft.com/office/drawing/2010/main" val="0"/>
+              </a:ext>
+            </a:extLst>
+          </a:blip>
+          <a:stretch>
+            <a:fillRect/>
+          </a:stretch>
+        </p:blipFill>
+        <p:spPr>
+          <a:xfrm>
+            <a:off x="719667" y="2329732"/>
+            <a:ext cx="5915418" cy="4380631"/>
+          </a:xfrm>
+        </p:spPr>
+      </p:pic>
+      <p:pic>
+        <p:nvPicPr>
+          <p:cNvPr id="8" name="Grafik 7">
+            <a:extLst>
+              <a:ext uri="{FF2B5EF4-FFF2-40B4-BE49-F238E27FC236}">
+                <a16:creationId xmlns:a16="http://schemas.microsoft.com/office/drawing/2014/main" id="{4BF00EC2-55FF-43A9-A94C-3085883D06C9}"/>
+              </a:ext>
+            </a:extLst>
+          </p:cNvPr>
+          <p:cNvPicPr>
+            <a:picLocks noChangeAspect="1"/>
+          </p:cNvPicPr>
+          <p:nvPr/>
+        </p:nvPicPr>
+        <p:blipFill>
+          <a:blip r:embed="rId3"/>
+          <a:stretch>
+            <a:fillRect/>
+          </a:stretch>
+        </p:blipFill>
+        <p:spPr>
+          <a:xfrm>
+            <a:off x="9640389" y="6035040"/>
+            <a:ext cx="1828800" cy="675323"/>
+          </a:xfrm>
+          <a:prstGeom prst="rect">
+            <a:avLst/>
+          </a:prstGeom>
+        </p:spPr>
+      </p:pic>
+    </p:spTree>
+    <p:extLst>
+      <p:ext uri="{BB962C8B-B14F-4D97-AF65-F5344CB8AC3E}">
+        <p14:creationId xmlns:p14="http://schemas.microsoft.com/office/powerpoint/2010/main" val="3638025696"/>
+      </p:ext>
+    </p:extLst>
+  </p:cSld>
+  <p:clrMapOvr>
+    <a:masterClrMapping/>
+  </p:clrMapOvr>
+</p:sld>
+</file>
+
+<file path=ppt/slides/slide29.xml><?xml version="1.0" encoding="utf-8"?>
+<p:sld xmlns:a="http://schemas.openxmlformats.org/drawingml/2006/main" xmlns:r="http://schemas.openxmlformats.org/officeDocument/2006/relationships" xmlns:p="http://schemas.openxmlformats.org/presentationml/2006/main">
+  <p:cSld>
+    <p:spTree>
+      <p:nvGrpSpPr>
+        <p:cNvPr id="1" name=""/>
+        <p:cNvGrpSpPr/>
+        <p:nvPr/>
+      </p:nvGrpSpPr>
+      <p:grpSpPr>
+        <a:xfrm>
+          <a:off x="0" y="0"/>
+          <a:ext cx="0" cy="0"/>
+          <a:chOff x="0" y="0"/>
+          <a:chExt cx="0" cy="0"/>
+        </a:xfrm>
+      </p:grpSpPr>
+      <p:sp>
+        <p:nvSpPr>
+          <p:cNvPr id="5" name="Foliennummernplatzhalter 4">
+            <a:extLst>
+              <a:ext uri="{FF2B5EF4-FFF2-40B4-BE49-F238E27FC236}">
+                <a16:creationId xmlns:a16="http://schemas.microsoft.com/office/drawing/2014/main" id="{78F72DF3-47C7-4BE0-AD95-598505C71901}"/>
+              </a:ext>
+            </a:extLst>
+          </p:cNvPr>
+          <p:cNvSpPr>
+            <a:spLocks noGrp="1"/>
+          </p:cNvSpPr>
+          <p:nvPr>
+            <p:ph type="sldNum" sz="quarter" idx="11"/>
+          </p:nvPr>
+        </p:nvSpPr>
+        <p:spPr/>
+        <p:txBody>
+          <a:bodyPr/>
+          <a:lstStyle/>
+          <a:p>
+            <a:fld id="{9C769D77-A6BD-4055-B1F5-206E3089995D}" type="slidenum">
+              <a:rPr lang="de-DE" smtClean="0"/>
+              <a:t>29</a:t>
+            </a:fld>
+            <a:endParaRPr lang="de-DE" dirty="0"/>
+          </a:p>
+        </p:txBody>
+      </p:sp>
+      <p:sp>
+        <p:nvSpPr>
+          <p:cNvPr id="4" name="Fußzeilenplatzhalter 3">
+            <a:extLst>
+              <a:ext uri="{FF2B5EF4-FFF2-40B4-BE49-F238E27FC236}">
+                <a16:creationId xmlns:a16="http://schemas.microsoft.com/office/drawing/2014/main" id="{7A85CF86-2223-4954-8735-35C3B7C36B73}"/>
+              </a:ext>
+            </a:extLst>
+          </p:cNvPr>
+          <p:cNvSpPr>
+            <a:spLocks noGrp="1"/>
+          </p:cNvSpPr>
+          <p:nvPr>
+            <p:ph type="ftr" sz="quarter" idx="10"/>
+          </p:nvPr>
+        </p:nvSpPr>
+        <p:spPr/>
+        <p:txBody>
+          <a:bodyPr/>
+          <a:lstStyle/>
+          <a:p>
+            <a:r>
+              <a:rPr lang="de-DE" dirty="0"/>
+              <a:t>Java EE - Übung 2 | Anwendungssysteme SS 2017</a:t>
+            </a:r>
+          </a:p>
+        </p:txBody>
+      </p:sp>
+      <p:sp>
+        <p:nvSpPr>
+          <p:cNvPr id="2" name="Titel 1">
+            <a:extLst>
+              <a:ext uri="{FF2B5EF4-FFF2-40B4-BE49-F238E27FC236}">
+                <a16:creationId xmlns:a16="http://schemas.microsoft.com/office/drawing/2014/main" id="{BB3AD028-A1BA-4BD0-9403-2E350E6A4D18}"/>
+              </a:ext>
+            </a:extLst>
+          </p:cNvPr>
+          <p:cNvSpPr>
+            <a:spLocks noGrp="1"/>
+          </p:cNvSpPr>
+          <p:nvPr>
+            <p:ph type="title"/>
+          </p:nvPr>
+        </p:nvSpPr>
+        <p:spPr>
+          <a:xfrm>
+            <a:off x="719668" y="1740115"/>
+            <a:ext cx="10748433" cy="358560"/>
+          </a:xfrm>
+        </p:spPr>
+        <p:txBody>
+          <a:bodyPr/>
+          <a:lstStyle/>
+          <a:p>
+            <a:r>
+              <a:rPr lang="de-DE" dirty="0"/>
+              <a:t>JSPs – </a:t>
+            </a:r>
+            <a:r>
+              <a:rPr lang="de-DE" dirty="0" err="1"/>
+              <a:t>verwalten.jsp</a:t>
+            </a:r>
+            <a:endParaRPr lang="de-DE" dirty="0"/>
+          </a:p>
+        </p:txBody>
+      </p:sp>
+      <p:pic>
+        <p:nvPicPr>
+          <p:cNvPr id="7" name="Inhaltsplatzhalter 6">
+            <a:extLst>
+              <a:ext uri="{FF2B5EF4-FFF2-40B4-BE49-F238E27FC236}">
+                <a16:creationId xmlns:a16="http://schemas.microsoft.com/office/drawing/2014/main" id="{38E9567F-9595-4A62-8A01-B989FEAEBA75}"/>
+              </a:ext>
+            </a:extLst>
+          </p:cNvPr>
+          <p:cNvPicPr>
+            <a:picLocks noGrp="1" noChangeAspect="1"/>
+          </p:cNvPicPr>
+          <p:nvPr>
+            <p:ph idx="1"/>
+          </p:nvPr>
+        </p:nvPicPr>
+        <p:blipFill>
+          <a:blip r:embed="rId2">
+            <a:extLst>
+              <a:ext uri="{28A0092B-C50C-407E-A947-70E740481C1C}">
+                <a14:useLocalDpi xmlns:a14="http://schemas.microsoft.com/office/drawing/2010/main" val="0"/>
+              </a:ext>
+            </a:extLst>
+          </a:blip>
+          <a:stretch>
+            <a:fillRect/>
+          </a:stretch>
+        </p:blipFill>
+        <p:spPr>
+          <a:xfrm>
+            <a:off x="719666" y="2313830"/>
+            <a:ext cx="5061869" cy="4396534"/>
+          </a:xfrm>
+        </p:spPr>
+      </p:pic>
+      <p:pic>
+        <p:nvPicPr>
+          <p:cNvPr id="9" name="Grafik 8">
+            <a:extLst>
+              <a:ext uri="{FF2B5EF4-FFF2-40B4-BE49-F238E27FC236}">
+                <a16:creationId xmlns:a16="http://schemas.microsoft.com/office/drawing/2014/main" id="{53042D4E-48CB-48B8-AAFF-E05AF5CD8068}"/>
+              </a:ext>
+            </a:extLst>
+          </p:cNvPr>
+          <p:cNvPicPr>
+            <a:picLocks noChangeAspect="1"/>
+          </p:cNvPicPr>
+          <p:nvPr/>
+        </p:nvPicPr>
+        <p:blipFill>
+          <a:blip r:embed="rId3">
+            <a:extLst>
+              <a:ext uri="{28A0092B-C50C-407E-A947-70E740481C1C}">
+                <a14:useLocalDpi xmlns:a14="http://schemas.microsoft.com/office/drawing/2010/main" val="0"/>
+              </a:ext>
+            </a:extLst>
+          </a:blip>
+          <a:stretch>
+            <a:fillRect/>
+          </a:stretch>
+        </p:blipFill>
+        <p:spPr>
+          <a:xfrm>
+            <a:off x="6289482" y="2313832"/>
+            <a:ext cx="5542436" cy="4463477"/>
+          </a:xfrm>
+          <a:prstGeom prst="rect">
+            <a:avLst/>
+          </a:prstGeom>
+        </p:spPr>
+      </p:pic>
+    </p:spTree>
+    <p:extLst>
+      <p:ext uri="{BB962C8B-B14F-4D97-AF65-F5344CB8AC3E}">
+        <p14:creationId xmlns:p14="http://schemas.microsoft.com/office/powerpoint/2010/main" val="3503356871"/>
+      </p:ext>
+    </p:extLst>
+  </p:cSld>
+  <p:clrMapOvr>
+    <a:masterClrMapping/>
+  </p:clrMapOvr>
+</p:sld>
+</file>
+
 <file path=ppt/slides/slide3.xml><?xml version="1.0" encoding="utf-8"?>
 <p:sld xmlns:a="http://schemas.openxmlformats.org/drawingml/2006/main" xmlns:r="http://schemas.openxmlformats.org/officeDocument/2006/relationships" xmlns:p="http://schemas.openxmlformats.org/presentationml/2006/main">
   <p:cSld>
@@ -7701,6 +8481,15 @@
           <a:p>
             <a:endParaRPr lang="de-DE" dirty="0"/>
           </a:p>
+          <a:p>
+            <a:r>
+              <a:rPr lang="de-DE" dirty="0"/>
+              <a:t>JSPs</a:t>
+            </a:r>
+          </a:p>
+          <a:p>
+            <a:endParaRPr lang="de-DE" dirty="0"/>
+          </a:p>
         </p:txBody>
       </p:sp>
       <p:sp>
@@ -7794,6 +8583,556 @@
     <p:extLst>
       <p:ext uri="{BB962C8B-B14F-4D97-AF65-F5344CB8AC3E}">
         <p14:creationId xmlns:p14="http://schemas.microsoft.com/office/powerpoint/2010/main" val="3858155718"/>
+      </p:ext>
+    </p:extLst>
+  </p:cSld>
+  <p:clrMapOvr>
+    <a:masterClrMapping/>
+  </p:clrMapOvr>
+</p:sld>
+</file>
+
+<file path=ppt/slides/slide30.xml><?xml version="1.0" encoding="utf-8"?>
+<p:sld xmlns:a="http://schemas.openxmlformats.org/drawingml/2006/main" xmlns:r="http://schemas.openxmlformats.org/officeDocument/2006/relationships" xmlns:p="http://schemas.openxmlformats.org/presentationml/2006/main">
+  <p:cSld>
+    <p:spTree>
+      <p:nvGrpSpPr>
+        <p:cNvPr id="1" name=""/>
+        <p:cNvGrpSpPr/>
+        <p:nvPr/>
+      </p:nvGrpSpPr>
+      <p:grpSpPr>
+        <a:xfrm>
+          <a:off x="0" y="0"/>
+          <a:ext cx="0" cy="0"/>
+          <a:chOff x="0" y="0"/>
+          <a:chExt cx="0" cy="0"/>
+        </a:xfrm>
+      </p:grpSpPr>
+      <p:sp>
+        <p:nvSpPr>
+          <p:cNvPr id="5" name="Foliennummernplatzhalter 4">
+            <a:extLst>
+              <a:ext uri="{FF2B5EF4-FFF2-40B4-BE49-F238E27FC236}">
+                <a16:creationId xmlns:a16="http://schemas.microsoft.com/office/drawing/2014/main" id="{1EB02A3A-D7AD-47A0-AB9F-47D788823EB1}"/>
+              </a:ext>
+            </a:extLst>
+          </p:cNvPr>
+          <p:cNvSpPr>
+            <a:spLocks noGrp="1"/>
+          </p:cNvSpPr>
+          <p:nvPr>
+            <p:ph type="sldNum" sz="quarter" idx="11"/>
+          </p:nvPr>
+        </p:nvSpPr>
+        <p:spPr/>
+        <p:txBody>
+          <a:bodyPr/>
+          <a:lstStyle/>
+          <a:p>
+            <a:fld id="{9C769D77-A6BD-4055-B1F5-206E3089995D}" type="slidenum">
+              <a:rPr lang="de-DE" smtClean="0"/>
+              <a:t>30</a:t>
+            </a:fld>
+            <a:endParaRPr lang="de-DE" dirty="0"/>
+          </a:p>
+        </p:txBody>
+      </p:sp>
+      <p:sp>
+        <p:nvSpPr>
+          <p:cNvPr id="4" name="Fußzeilenplatzhalter 3">
+            <a:extLst>
+              <a:ext uri="{FF2B5EF4-FFF2-40B4-BE49-F238E27FC236}">
+                <a16:creationId xmlns:a16="http://schemas.microsoft.com/office/drawing/2014/main" id="{461BADE4-5601-4763-8AD4-8D9A75876435}"/>
+              </a:ext>
+            </a:extLst>
+          </p:cNvPr>
+          <p:cNvSpPr>
+            <a:spLocks noGrp="1"/>
+          </p:cNvSpPr>
+          <p:nvPr>
+            <p:ph type="ftr" sz="quarter" idx="10"/>
+          </p:nvPr>
+        </p:nvSpPr>
+        <p:spPr/>
+        <p:txBody>
+          <a:bodyPr/>
+          <a:lstStyle/>
+          <a:p>
+            <a:r>
+              <a:rPr lang="de-DE" dirty="0"/>
+              <a:t>Java EE - Übung 2 | Anwendungssysteme SS 2017</a:t>
+            </a:r>
+          </a:p>
+        </p:txBody>
+      </p:sp>
+      <p:sp>
+        <p:nvSpPr>
+          <p:cNvPr id="2" name="Titel 1">
+            <a:extLst>
+              <a:ext uri="{FF2B5EF4-FFF2-40B4-BE49-F238E27FC236}">
+                <a16:creationId xmlns:a16="http://schemas.microsoft.com/office/drawing/2014/main" id="{ECE18060-60D5-41D8-ADF0-12AFA191BE20}"/>
+              </a:ext>
+            </a:extLst>
+          </p:cNvPr>
+          <p:cNvSpPr>
+            <a:spLocks noGrp="1"/>
+          </p:cNvSpPr>
+          <p:nvPr>
+            <p:ph type="title"/>
+          </p:nvPr>
+        </p:nvSpPr>
+        <p:spPr/>
+        <p:txBody>
+          <a:bodyPr/>
+          <a:lstStyle/>
+          <a:p>
+            <a:endParaRPr lang="de-DE"/>
+          </a:p>
+        </p:txBody>
+      </p:sp>
+      <p:pic>
+        <p:nvPicPr>
+          <p:cNvPr id="7" name="Inhaltsplatzhalter 6">
+            <a:extLst>
+              <a:ext uri="{FF2B5EF4-FFF2-40B4-BE49-F238E27FC236}">
+                <a16:creationId xmlns:a16="http://schemas.microsoft.com/office/drawing/2014/main" id="{A3C6CB7F-45A5-4B1C-A049-9E9ADAD9F9CB}"/>
+              </a:ext>
+            </a:extLst>
+          </p:cNvPr>
+          <p:cNvPicPr>
+            <a:picLocks noGrp="1" noChangeAspect="1"/>
+          </p:cNvPicPr>
+          <p:nvPr>
+            <p:ph idx="1"/>
+          </p:nvPr>
+        </p:nvPicPr>
+        <p:blipFill>
+          <a:blip r:embed="rId2">
+            <a:extLst>
+              <a:ext uri="{28A0092B-C50C-407E-A947-70E740481C1C}">
+                <a14:useLocalDpi xmlns:a14="http://schemas.microsoft.com/office/drawing/2010/main" val="0"/>
+              </a:ext>
+            </a:extLst>
+          </a:blip>
+          <a:stretch>
+            <a:fillRect/>
+          </a:stretch>
+        </p:blipFill>
+        <p:spPr>
+          <a:xfrm>
+            <a:off x="719667" y="1599154"/>
+            <a:ext cx="3775937" cy="2487279"/>
+          </a:xfrm>
+        </p:spPr>
+      </p:pic>
+      <p:pic>
+        <p:nvPicPr>
+          <p:cNvPr id="8" name="Grafik 7">
+            <a:extLst>
+              <a:ext uri="{FF2B5EF4-FFF2-40B4-BE49-F238E27FC236}">
+                <a16:creationId xmlns:a16="http://schemas.microsoft.com/office/drawing/2014/main" id="{D9B2E91A-C376-4035-9741-D77AB6FC3234}"/>
+              </a:ext>
+            </a:extLst>
+          </p:cNvPr>
+          <p:cNvPicPr>
+            <a:picLocks noChangeAspect="1"/>
+          </p:cNvPicPr>
+          <p:nvPr/>
+        </p:nvPicPr>
+        <p:blipFill>
+          <a:blip r:embed="rId3"/>
+          <a:stretch>
+            <a:fillRect/>
+          </a:stretch>
+        </p:blipFill>
+        <p:spPr>
+          <a:xfrm>
+            <a:off x="9640389" y="6035040"/>
+            <a:ext cx="1828800" cy="675323"/>
+          </a:xfrm>
+          <a:prstGeom prst="rect">
+            <a:avLst/>
+          </a:prstGeom>
+        </p:spPr>
+      </p:pic>
+    </p:spTree>
+    <p:extLst>
+      <p:ext uri="{BB962C8B-B14F-4D97-AF65-F5344CB8AC3E}">
+        <p14:creationId xmlns:p14="http://schemas.microsoft.com/office/powerpoint/2010/main" val="3633438539"/>
+      </p:ext>
+    </p:extLst>
+  </p:cSld>
+  <p:clrMapOvr>
+    <a:masterClrMapping/>
+  </p:clrMapOvr>
+</p:sld>
+</file>
+
+<file path=ppt/slides/slide31.xml><?xml version="1.0" encoding="utf-8"?>
+<p:sld xmlns:a="http://schemas.openxmlformats.org/drawingml/2006/main" xmlns:r="http://schemas.openxmlformats.org/officeDocument/2006/relationships" xmlns:p="http://schemas.openxmlformats.org/presentationml/2006/main">
+  <p:cSld>
+    <p:spTree>
+      <p:nvGrpSpPr>
+        <p:cNvPr id="1" name=""/>
+        <p:cNvGrpSpPr/>
+        <p:nvPr/>
+      </p:nvGrpSpPr>
+      <p:grpSpPr>
+        <a:xfrm>
+          <a:off x="0" y="0"/>
+          <a:ext cx="0" cy="0"/>
+          <a:chOff x="0" y="0"/>
+          <a:chExt cx="0" cy="0"/>
+        </a:xfrm>
+      </p:grpSpPr>
+      <p:sp>
+        <p:nvSpPr>
+          <p:cNvPr id="5" name="Foliennummernplatzhalter 4">
+            <a:extLst>
+              <a:ext uri="{FF2B5EF4-FFF2-40B4-BE49-F238E27FC236}">
+                <a16:creationId xmlns:a16="http://schemas.microsoft.com/office/drawing/2014/main" id="{F9B017FB-8221-421D-9E70-0282CE34C17A}"/>
+              </a:ext>
+            </a:extLst>
+          </p:cNvPr>
+          <p:cNvSpPr>
+            <a:spLocks noGrp="1"/>
+          </p:cNvSpPr>
+          <p:nvPr>
+            <p:ph type="sldNum" sz="quarter" idx="11"/>
+          </p:nvPr>
+        </p:nvSpPr>
+        <p:spPr/>
+        <p:txBody>
+          <a:bodyPr/>
+          <a:lstStyle/>
+          <a:p>
+            <a:fld id="{9C769D77-A6BD-4055-B1F5-206E3089995D}" type="slidenum">
+              <a:rPr lang="de-DE" smtClean="0"/>
+              <a:t>31</a:t>
+            </a:fld>
+            <a:endParaRPr lang="de-DE" dirty="0"/>
+          </a:p>
+        </p:txBody>
+      </p:sp>
+      <p:sp>
+        <p:nvSpPr>
+          <p:cNvPr id="4" name="Fußzeilenplatzhalter 3">
+            <a:extLst>
+              <a:ext uri="{FF2B5EF4-FFF2-40B4-BE49-F238E27FC236}">
+                <a16:creationId xmlns:a16="http://schemas.microsoft.com/office/drawing/2014/main" id="{123E445C-B322-4B5E-B979-DCF5043B0C5C}"/>
+              </a:ext>
+            </a:extLst>
+          </p:cNvPr>
+          <p:cNvSpPr>
+            <a:spLocks noGrp="1"/>
+          </p:cNvSpPr>
+          <p:nvPr>
+            <p:ph type="ftr" sz="quarter" idx="10"/>
+          </p:nvPr>
+        </p:nvSpPr>
+        <p:spPr/>
+        <p:txBody>
+          <a:bodyPr/>
+          <a:lstStyle/>
+          <a:p>
+            <a:r>
+              <a:rPr lang="de-DE" dirty="0"/>
+              <a:t>Java EE - Übung 2 | Anwendungssysteme SS 2017</a:t>
+            </a:r>
+          </a:p>
+        </p:txBody>
+      </p:sp>
+      <p:sp>
+        <p:nvSpPr>
+          <p:cNvPr id="2" name="Titel 1">
+            <a:extLst>
+              <a:ext uri="{FF2B5EF4-FFF2-40B4-BE49-F238E27FC236}">
+                <a16:creationId xmlns:a16="http://schemas.microsoft.com/office/drawing/2014/main" id="{55ED5CFB-C6F2-45F1-9279-18353EE1E067}"/>
+              </a:ext>
+            </a:extLst>
+          </p:cNvPr>
+          <p:cNvSpPr>
+            <a:spLocks noGrp="1"/>
+          </p:cNvSpPr>
+          <p:nvPr>
+            <p:ph type="title"/>
+          </p:nvPr>
+        </p:nvSpPr>
+        <p:spPr>
+          <a:xfrm>
+            <a:off x="719668" y="1740115"/>
+            <a:ext cx="10748433" cy="358560"/>
+          </a:xfrm>
+        </p:spPr>
+        <p:txBody>
+          <a:bodyPr/>
+          <a:lstStyle/>
+          <a:p>
+            <a:r>
+              <a:rPr lang="de-DE" dirty="0"/>
+              <a:t>JSPs – </a:t>
+            </a:r>
+            <a:r>
+              <a:rPr lang="de-DE" dirty="0" err="1"/>
+              <a:t>detail.jsp</a:t>
+            </a:r>
+            <a:endParaRPr lang="de-DE" dirty="0"/>
+          </a:p>
+        </p:txBody>
+      </p:sp>
+      <p:pic>
+        <p:nvPicPr>
+          <p:cNvPr id="7" name="Inhaltsplatzhalter 6">
+            <a:extLst>
+              <a:ext uri="{FF2B5EF4-FFF2-40B4-BE49-F238E27FC236}">
+                <a16:creationId xmlns:a16="http://schemas.microsoft.com/office/drawing/2014/main" id="{09764023-890C-4741-969B-29D4B0E45A3A}"/>
+              </a:ext>
+            </a:extLst>
+          </p:cNvPr>
+          <p:cNvPicPr>
+            <a:picLocks noGrp="1" noChangeAspect="1"/>
+          </p:cNvPicPr>
+          <p:nvPr>
+            <p:ph idx="1"/>
+          </p:nvPr>
+        </p:nvPicPr>
+        <p:blipFill>
+          <a:blip r:embed="rId2">
+            <a:extLst>
+              <a:ext uri="{28A0092B-C50C-407E-A947-70E740481C1C}">
+                <a14:useLocalDpi xmlns:a14="http://schemas.microsoft.com/office/drawing/2010/main" val="0"/>
+              </a:ext>
+            </a:extLst>
+          </a:blip>
+          <a:stretch>
+            <a:fillRect/>
+          </a:stretch>
+        </p:blipFill>
+        <p:spPr>
+          <a:xfrm>
+            <a:off x="719667" y="2258170"/>
+            <a:ext cx="5724248" cy="4452193"/>
+          </a:xfrm>
+        </p:spPr>
+      </p:pic>
+      <p:pic>
+        <p:nvPicPr>
+          <p:cNvPr id="9" name="Grafik 8">
+            <a:extLst>
+              <a:ext uri="{FF2B5EF4-FFF2-40B4-BE49-F238E27FC236}">
+                <a16:creationId xmlns:a16="http://schemas.microsoft.com/office/drawing/2014/main" id="{B1E3B48B-DD7E-4FFD-A0E3-12A75DAFC440}"/>
+              </a:ext>
+            </a:extLst>
+          </p:cNvPr>
+          <p:cNvPicPr>
+            <a:picLocks noChangeAspect="1"/>
+          </p:cNvPicPr>
+          <p:nvPr/>
+        </p:nvPicPr>
+        <p:blipFill>
+          <a:blip r:embed="rId3">
+            <a:extLst>
+              <a:ext uri="{28A0092B-C50C-407E-A947-70E740481C1C}">
+                <a14:useLocalDpi xmlns:a14="http://schemas.microsoft.com/office/drawing/2010/main" val="0"/>
+              </a:ext>
+            </a:extLst>
+          </a:blip>
+          <a:stretch>
+            <a:fillRect/>
+          </a:stretch>
+        </p:blipFill>
+        <p:spPr>
+          <a:xfrm>
+            <a:off x="7227736" y="2248842"/>
+            <a:ext cx="4428875" cy="4461521"/>
+          </a:xfrm>
+          <a:prstGeom prst="rect">
+            <a:avLst/>
+          </a:prstGeom>
+        </p:spPr>
+      </p:pic>
+    </p:spTree>
+    <p:extLst>
+      <p:ext uri="{BB962C8B-B14F-4D97-AF65-F5344CB8AC3E}">
+        <p14:creationId xmlns:p14="http://schemas.microsoft.com/office/powerpoint/2010/main" val="2082818228"/>
+      </p:ext>
+    </p:extLst>
+  </p:cSld>
+  <p:clrMapOvr>
+    <a:masterClrMapping/>
+  </p:clrMapOvr>
+</p:sld>
+</file>
+
+<file path=ppt/slides/slide32.xml><?xml version="1.0" encoding="utf-8"?>
+<p:sld xmlns:a="http://schemas.openxmlformats.org/drawingml/2006/main" xmlns:r="http://schemas.openxmlformats.org/officeDocument/2006/relationships" xmlns:p="http://schemas.openxmlformats.org/presentationml/2006/main">
+  <p:cSld>
+    <p:spTree>
+      <p:nvGrpSpPr>
+        <p:cNvPr id="1" name=""/>
+        <p:cNvGrpSpPr/>
+        <p:nvPr/>
+      </p:nvGrpSpPr>
+      <p:grpSpPr>
+        <a:xfrm>
+          <a:off x="0" y="0"/>
+          <a:ext cx="0" cy="0"/>
+          <a:chOff x="0" y="0"/>
+          <a:chExt cx="0" cy="0"/>
+        </a:xfrm>
+      </p:grpSpPr>
+      <p:sp>
+        <p:nvSpPr>
+          <p:cNvPr id="5" name="Foliennummernplatzhalter 4">
+            <a:extLst>
+              <a:ext uri="{FF2B5EF4-FFF2-40B4-BE49-F238E27FC236}">
+                <a16:creationId xmlns:a16="http://schemas.microsoft.com/office/drawing/2014/main" id="{1DA7AB34-549C-4B07-86AD-0B94BC9108EA}"/>
+              </a:ext>
+            </a:extLst>
+          </p:cNvPr>
+          <p:cNvSpPr>
+            <a:spLocks noGrp="1"/>
+          </p:cNvSpPr>
+          <p:nvPr>
+            <p:ph type="sldNum" sz="quarter" idx="11"/>
+          </p:nvPr>
+        </p:nvSpPr>
+        <p:spPr/>
+        <p:txBody>
+          <a:bodyPr/>
+          <a:lstStyle/>
+          <a:p>
+            <a:fld id="{9C769D77-A6BD-4055-B1F5-206E3089995D}" type="slidenum">
+              <a:rPr lang="de-DE" smtClean="0"/>
+              <a:t>32</a:t>
+            </a:fld>
+            <a:endParaRPr lang="de-DE" dirty="0"/>
+          </a:p>
+        </p:txBody>
+      </p:sp>
+      <p:sp>
+        <p:nvSpPr>
+          <p:cNvPr id="4" name="Fußzeilenplatzhalter 3">
+            <a:extLst>
+              <a:ext uri="{FF2B5EF4-FFF2-40B4-BE49-F238E27FC236}">
+                <a16:creationId xmlns:a16="http://schemas.microsoft.com/office/drawing/2014/main" id="{9530129E-A790-4709-A10D-983E52D0EDC2}"/>
+              </a:ext>
+            </a:extLst>
+          </p:cNvPr>
+          <p:cNvSpPr>
+            <a:spLocks noGrp="1"/>
+          </p:cNvSpPr>
+          <p:nvPr>
+            <p:ph type="ftr" sz="quarter" idx="10"/>
+          </p:nvPr>
+        </p:nvSpPr>
+        <p:spPr/>
+        <p:txBody>
+          <a:bodyPr/>
+          <a:lstStyle/>
+          <a:p>
+            <a:r>
+              <a:rPr lang="de-DE" dirty="0"/>
+              <a:t>Java EE - Übung 2 | Anwendungssysteme SS 2017</a:t>
+            </a:r>
+          </a:p>
+        </p:txBody>
+      </p:sp>
+      <p:sp>
+        <p:nvSpPr>
+          <p:cNvPr id="2" name="Titel 1">
+            <a:extLst>
+              <a:ext uri="{FF2B5EF4-FFF2-40B4-BE49-F238E27FC236}">
+                <a16:creationId xmlns:a16="http://schemas.microsoft.com/office/drawing/2014/main" id="{3B686BEE-7F9E-4947-8A9F-9CC6F020EE38}"/>
+              </a:ext>
+            </a:extLst>
+          </p:cNvPr>
+          <p:cNvSpPr>
+            <a:spLocks noGrp="1"/>
+          </p:cNvSpPr>
+          <p:nvPr>
+            <p:ph type="title"/>
+          </p:nvPr>
+        </p:nvSpPr>
+        <p:spPr/>
+        <p:txBody>
+          <a:bodyPr/>
+          <a:lstStyle/>
+          <a:p>
+            <a:endParaRPr lang="de-DE"/>
+          </a:p>
+        </p:txBody>
+      </p:sp>
+      <p:pic>
+        <p:nvPicPr>
+          <p:cNvPr id="7" name="Inhaltsplatzhalter 6">
+            <a:extLst>
+              <a:ext uri="{FF2B5EF4-FFF2-40B4-BE49-F238E27FC236}">
+                <a16:creationId xmlns:a16="http://schemas.microsoft.com/office/drawing/2014/main" id="{7A11AF31-B8F5-472B-B92E-D60948948216}"/>
+              </a:ext>
+            </a:extLst>
+          </p:cNvPr>
+          <p:cNvPicPr>
+            <a:picLocks noGrp="1" noChangeAspect="1"/>
+          </p:cNvPicPr>
+          <p:nvPr>
+            <p:ph idx="1"/>
+          </p:nvPr>
+        </p:nvPicPr>
+        <p:blipFill>
+          <a:blip r:embed="rId2">
+            <a:extLst>
+              <a:ext uri="{28A0092B-C50C-407E-A947-70E740481C1C}">
+                <a14:useLocalDpi xmlns:a14="http://schemas.microsoft.com/office/drawing/2010/main" val="0"/>
+              </a:ext>
+            </a:extLst>
+          </a:blip>
+          <a:stretch>
+            <a:fillRect/>
+          </a:stretch>
+        </p:blipFill>
+        <p:spPr>
+          <a:xfrm>
+            <a:off x="648106" y="1717675"/>
+            <a:ext cx="5096218" cy="3839942"/>
+          </a:xfrm>
+        </p:spPr>
+      </p:pic>
+      <p:pic>
+        <p:nvPicPr>
+          <p:cNvPr id="8" name="Grafik 7">
+            <a:extLst>
+              <a:ext uri="{FF2B5EF4-FFF2-40B4-BE49-F238E27FC236}">
+                <a16:creationId xmlns:a16="http://schemas.microsoft.com/office/drawing/2014/main" id="{41BBEE8C-146F-4F69-A0C1-CF9477FC3AE1}"/>
+              </a:ext>
+            </a:extLst>
+          </p:cNvPr>
+          <p:cNvPicPr>
+            <a:picLocks noChangeAspect="1"/>
+          </p:cNvPicPr>
+          <p:nvPr/>
+        </p:nvPicPr>
+        <p:blipFill>
+          <a:blip r:embed="rId3"/>
+          <a:stretch>
+            <a:fillRect/>
+          </a:stretch>
+        </p:blipFill>
+        <p:spPr>
+          <a:xfrm>
+            <a:off x="9640389" y="6035040"/>
+            <a:ext cx="1828800" cy="675323"/>
+          </a:xfrm>
+          <a:prstGeom prst="rect">
+            <a:avLst/>
+          </a:prstGeom>
+        </p:spPr>
+      </p:pic>
+    </p:spTree>
+    <p:extLst>
+      <p:ext uri="{BB962C8B-B14F-4D97-AF65-F5344CB8AC3E}">
+        <p14:creationId xmlns:p14="http://schemas.microsoft.com/office/powerpoint/2010/main" val="902024052"/>
       </p:ext>
     </p:extLst>
   </p:cSld>
